--- a/1-3 Make Echo Bot.pptx
+++ b/1-3 Make Echo Bot.pptx
@@ -5,7 +5,7 @@
     <p:sldMasterId id="2147483660" r:id="rId1"/>
   </p:sldMasterIdLst>
   <p:notesMasterIdLst>
-    <p:notesMasterId r:id="rId16"/>
+    <p:notesMasterId r:id="rId17"/>
   </p:notesMasterIdLst>
   <p:sldIdLst>
     <p:sldId id="256" r:id="rId2"/>
@@ -20,8 +20,9 @@
     <p:sldId id="265" r:id="rId11"/>
     <p:sldId id="260" r:id="rId12"/>
     <p:sldId id="271" r:id="rId13"/>
-    <p:sldId id="269" r:id="rId14"/>
-    <p:sldId id="270" r:id="rId15"/>
+    <p:sldId id="272" r:id="rId14"/>
+    <p:sldId id="269" r:id="rId15"/>
+    <p:sldId id="270" r:id="rId16"/>
   </p:sldIdLst>
   <p:sldSz cx="12192000" cy="6858000"/>
   <p:notesSz cx="6858000" cy="9144000"/>
@@ -5720,7 +5721,7 @@
           <a:p>
             <a:fld id="{82604E9E-60DE-417E-849E-2CDE7F357628}" type="datetimeFigureOut">
               <a:rPr lang="en-US" smtClean="0"/>
-              <a:t>7/25/2017</a:t>
+              <a:t>7/26/2017</a:t>
             </a:fld>
             <a:endParaRPr lang="en-US"/>
           </a:p>
@@ -6155,37 +6156,13 @@
           <a:p>
             <a:r>
               <a:rPr lang="en-US" dirty="0"/>
-              <a:t>Edit the main coding file app.js</a:t>
+              <a:t>Not personal page</a:t>
             </a:r>
           </a:p>
           <a:p>
             <a:r>
               <a:rPr lang="en-US" dirty="0"/>
-              <a:t>It has many meanings.</a:t>
-            </a:r>
-          </a:p>
-          <a:p>
-            <a:r>
-              <a:rPr lang="en-US" dirty="0"/>
-              <a:t>But now we don’t focus on what codes are there.</a:t>
-            </a:r>
-          </a:p>
-          <a:p>
-            <a:r>
-              <a:rPr lang="en-US" dirty="0"/>
-              <a:t>Our purpose is just let program can run on the server.</a:t>
-            </a:r>
-          </a:p>
-          <a:p>
-            <a:r>
-              <a:rPr lang="en-US" dirty="0"/>
-              <a:t>This program actually don’t have serious meaning.</a:t>
-            </a:r>
-          </a:p>
-          <a:p>
-            <a:r>
-              <a:rPr lang="en-US" dirty="0"/>
-              <a:t>It just tells you server is running.</a:t>
+              <a:t>Business page</a:t>
             </a:r>
           </a:p>
         </p:txBody>
@@ -6207,7 +6184,7 @@
           <a:p>
             <a:fld id="{772745C2-B5F1-4B10-8C0E-DEBCE2EB7236}" type="slidenum">
               <a:rPr lang="en-US" smtClean="0"/>
-              <a:t>5</a:t>
+              <a:t>3</a:t>
             </a:fld>
             <a:endParaRPr lang="en-US"/>
           </a:p>
@@ -6216,7 +6193,7 @@
     </p:spTree>
     <p:extLst>
       <p:ext uri="{BB962C8B-B14F-4D97-AF65-F5344CB8AC3E}">
-        <p14:creationId xmlns:p14="http://schemas.microsoft.com/office/powerpoint/2010/main" val="3755171106"/>
+        <p14:creationId xmlns:p14="http://schemas.microsoft.com/office/powerpoint/2010/main" val="2409841216"/>
       </p:ext>
     </p:extLst>
   </p:cSld>
@@ -6270,7 +6247,40 @@
           <a:bodyPr/>
           <a:lstStyle/>
           <a:p>
-            <a:endParaRPr lang="en-US" dirty="0"/>
+            <a:r>
+              <a:rPr lang="en-US" dirty="0"/>
+              <a:t>Edit the main coding file app.js</a:t>
+            </a:r>
+          </a:p>
+          <a:p>
+            <a:r>
+              <a:rPr lang="en-US" dirty="0"/>
+              <a:t>It has many meanings.</a:t>
+            </a:r>
+          </a:p>
+          <a:p>
+            <a:r>
+              <a:rPr lang="en-US" dirty="0"/>
+              <a:t>But now we don’t focus on what codes are there.</a:t>
+            </a:r>
+          </a:p>
+          <a:p>
+            <a:r>
+              <a:rPr lang="en-US" dirty="0"/>
+              <a:t>Our purpose is just let program can run on the server.</a:t>
+            </a:r>
+          </a:p>
+          <a:p>
+            <a:r>
+              <a:rPr lang="en-US" dirty="0"/>
+              <a:t>This program actually don’t have serious meaning.</a:t>
+            </a:r>
+          </a:p>
+          <a:p>
+            <a:r>
+              <a:rPr lang="en-US" dirty="0"/>
+              <a:t>It just tells you server is running.</a:t>
+            </a:r>
           </a:p>
         </p:txBody>
       </p:sp>
@@ -6291,7 +6301,7 @@
           <a:p>
             <a:fld id="{772745C2-B5F1-4B10-8C0E-DEBCE2EB7236}" type="slidenum">
               <a:rPr lang="en-US" smtClean="0"/>
-              <a:t>8</a:t>
+              <a:t>5</a:t>
             </a:fld>
             <a:endParaRPr lang="en-US"/>
           </a:p>
@@ -6300,7 +6310,7 @@
     </p:spTree>
     <p:extLst>
       <p:ext uri="{BB962C8B-B14F-4D97-AF65-F5344CB8AC3E}">
-        <p14:creationId xmlns:p14="http://schemas.microsoft.com/office/powerpoint/2010/main" val="3327176516"/>
+        <p14:creationId xmlns:p14="http://schemas.microsoft.com/office/powerpoint/2010/main" val="3755171106"/>
       </p:ext>
     </p:extLst>
   </p:cSld>
@@ -6375,7 +6385,7 @@
           <a:p>
             <a:fld id="{772745C2-B5F1-4B10-8C0E-DEBCE2EB7236}" type="slidenum">
               <a:rPr lang="en-US" smtClean="0"/>
-              <a:t>10</a:t>
+              <a:t>8</a:t>
             </a:fld>
             <a:endParaRPr lang="en-US"/>
           </a:p>
@@ -6384,7 +6394,7 @@
     </p:spTree>
     <p:extLst>
       <p:ext uri="{BB962C8B-B14F-4D97-AF65-F5344CB8AC3E}">
-        <p14:creationId xmlns:p14="http://schemas.microsoft.com/office/powerpoint/2010/main" val="264272517"/>
+        <p14:creationId xmlns:p14="http://schemas.microsoft.com/office/powerpoint/2010/main" val="3327176516"/>
       </p:ext>
     </p:extLst>
   </p:cSld>
@@ -6438,10 +6448,7 @@
           <a:bodyPr/>
           <a:lstStyle/>
           <a:p>
-            <a:r>
-              <a:rPr lang="en-US" dirty="0"/>
-              <a:t>Connected</a:t>
-            </a:r>
+            <a:endParaRPr lang="en-US" dirty="0"/>
           </a:p>
         </p:txBody>
       </p:sp>
@@ -6462,7 +6469,7 @@
           <a:p>
             <a:fld id="{772745C2-B5F1-4B10-8C0E-DEBCE2EB7236}" type="slidenum">
               <a:rPr lang="en-US" smtClean="0"/>
-              <a:t>12</a:t>
+              <a:t>10</a:t>
             </a:fld>
             <a:endParaRPr lang="en-US"/>
           </a:p>
@@ -6471,7 +6478,7 @@
     </p:spTree>
     <p:extLst>
       <p:ext uri="{BB962C8B-B14F-4D97-AF65-F5344CB8AC3E}">
-        <p14:creationId xmlns:p14="http://schemas.microsoft.com/office/powerpoint/2010/main" val="441909769"/>
+        <p14:creationId xmlns:p14="http://schemas.microsoft.com/office/powerpoint/2010/main" val="264272517"/>
       </p:ext>
     </p:extLst>
   </p:cSld>
@@ -6527,7 +6534,7 @@
           <a:p>
             <a:r>
               <a:rPr lang="en-US" dirty="0"/>
-              <a:t>Push Echo Bot codes.</a:t>
+              <a:t>Connected</a:t>
             </a:r>
           </a:p>
         </p:txBody>
@@ -6549,7 +6556,235 @@
           <a:p>
             <a:fld id="{772745C2-B5F1-4B10-8C0E-DEBCE2EB7236}" type="slidenum">
               <a:rPr lang="en-US" smtClean="0"/>
+              <a:t>12</a:t>
+            </a:fld>
+            <a:endParaRPr lang="en-US"/>
+          </a:p>
+        </p:txBody>
+      </p:sp>
+    </p:spTree>
+    <p:extLst>
+      <p:ext uri="{BB962C8B-B14F-4D97-AF65-F5344CB8AC3E}">
+        <p14:creationId xmlns:p14="http://schemas.microsoft.com/office/powerpoint/2010/main" val="441909769"/>
+      </p:ext>
+    </p:extLst>
+  </p:cSld>
+  <p:clrMapOvr>
+    <a:masterClrMapping/>
+  </p:clrMapOvr>
+</p:notes>
+</file>
+
+<file path=ppt/notesSlides/notesSlide7.xml><?xml version="1.0" encoding="utf-8"?>
+<p:notes xmlns:a="http://schemas.openxmlformats.org/drawingml/2006/main" xmlns:r="http://schemas.openxmlformats.org/officeDocument/2006/relationships" xmlns:p="http://schemas.openxmlformats.org/presentationml/2006/main">
+  <p:cSld>
+    <p:spTree>
+      <p:nvGrpSpPr>
+        <p:cNvPr id="1" name=""/>
+        <p:cNvGrpSpPr/>
+        <p:nvPr/>
+      </p:nvGrpSpPr>
+      <p:grpSpPr>
+        <a:xfrm>
+          <a:off x="0" y="0"/>
+          <a:ext cx="0" cy="0"/>
+          <a:chOff x="0" y="0"/>
+          <a:chExt cx="0" cy="0"/>
+        </a:xfrm>
+      </p:grpSpPr>
+      <p:sp>
+        <p:nvSpPr>
+          <p:cNvPr id="2" name="슬라이드 이미지 개체 틀 1"/>
+          <p:cNvSpPr>
+            <a:spLocks noGrp="1" noRot="1" noChangeAspect="1"/>
+          </p:cNvSpPr>
+          <p:nvPr>
+            <p:ph type="sldImg"/>
+          </p:nvPr>
+        </p:nvSpPr>
+        <p:spPr/>
+      </p:sp>
+      <p:sp>
+        <p:nvSpPr>
+          <p:cNvPr id="3" name="슬라이드 노트 개체 틀 2"/>
+          <p:cNvSpPr>
+            <a:spLocks noGrp="1"/>
+          </p:cNvSpPr>
+          <p:nvPr>
+            <p:ph type="body" idx="1"/>
+          </p:nvPr>
+        </p:nvSpPr>
+        <p:spPr/>
+        <p:txBody>
+          <a:bodyPr/>
+          <a:lstStyle/>
+          <a:p>
+            <a:r>
+              <a:rPr lang="en-US" dirty="0"/>
+              <a:t>Import modules</a:t>
+            </a:r>
+          </a:p>
+          <a:p>
+            <a:r>
+              <a:rPr lang="en-US" dirty="0"/>
+              <a:t>Create app object</a:t>
+            </a:r>
+          </a:p>
+          <a:p>
+            <a:r>
+              <a:rPr lang="en-US" dirty="0"/>
+              <a:t>Match if page access token is same or not</a:t>
+            </a:r>
+          </a:p>
+          <a:p>
+            <a:r>
+              <a:rPr lang="en-US" dirty="0"/>
+              <a:t>At </a:t>
+            </a:r>
+            <a:r>
+              <a:rPr lang="en-US" dirty="0" err="1"/>
+              <a:t>webhook</a:t>
+            </a:r>
+            <a:r>
+              <a:rPr lang="en-US" dirty="0"/>
+              <a:t>, process message event</a:t>
+            </a:r>
+          </a:p>
+          <a:p>
+            <a:r>
+              <a:rPr lang="en-US" dirty="0"/>
+              <a:t>When receive message, send ECHO: message</a:t>
+            </a:r>
+          </a:p>
+          <a:p>
+            <a:r>
+              <a:rPr lang="en-US" dirty="0"/>
+              <a:t>Case of </a:t>
+            </a:r>
+            <a:r>
+              <a:rPr lang="en-US" dirty="0" err="1"/>
+              <a:t>postback</a:t>
+            </a:r>
+            <a:endParaRPr lang="en-US" dirty="0"/>
+          </a:p>
+          <a:p>
+            <a:r>
+              <a:rPr lang="en-US" dirty="0"/>
+              <a:t>Send text </a:t>
+            </a:r>
+            <a:r>
+              <a:rPr lang="en-US" dirty="0" err="1"/>
+              <a:t>measgae</a:t>
+            </a:r>
+            <a:endParaRPr lang="en-US" dirty="0"/>
+          </a:p>
+        </p:txBody>
+      </p:sp>
+      <p:sp>
+        <p:nvSpPr>
+          <p:cNvPr id="4" name="슬라이드 번호 개체 틀 3"/>
+          <p:cNvSpPr>
+            <a:spLocks noGrp="1"/>
+          </p:cNvSpPr>
+          <p:nvPr>
+            <p:ph type="sldNum" sz="quarter" idx="10"/>
+          </p:nvPr>
+        </p:nvSpPr>
+        <p:spPr/>
+        <p:txBody>
+          <a:bodyPr/>
+          <a:lstStyle/>
+          <a:p>
+            <a:fld id="{772745C2-B5F1-4B10-8C0E-DEBCE2EB7236}" type="slidenum">
+              <a:rPr lang="en-US" smtClean="0"/>
               <a:t>13</a:t>
+            </a:fld>
+            <a:endParaRPr lang="en-US"/>
+          </a:p>
+        </p:txBody>
+      </p:sp>
+    </p:spTree>
+    <p:extLst>
+      <p:ext uri="{BB962C8B-B14F-4D97-AF65-F5344CB8AC3E}">
+        <p14:creationId xmlns:p14="http://schemas.microsoft.com/office/powerpoint/2010/main" val="3523904407"/>
+      </p:ext>
+    </p:extLst>
+  </p:cSld>
+  <p:clrMapOvr>
+    <a:masterClrMapping/>
+  </p:clrMapOvr>
+</p:notes>
+</file>
+
+<file path=ppt/notesSlides/notesSlide8.xml><?xml version="1.0" encoding="utf-8"?>
+<p:notes xmlns:a="http://schemas.openxmlformats.org/drawingml/2006/main" xmlns:r="http://schemas.openxmlformats.org/officeDocument/2006/relationships" xmlns:p="http://schemas.openxmlformats.org/presentationml/2006/main">
+  <p:cSld>
+    <p:spTree>
+      <p:nvGrpSpPr>
+        <p:cNvPr id="1" name=""/>
+        <p:cNvGrpSpPr/>
+        <p:nvPr/>
+      </p:nvGrpSpPr>
+      <p:grpSpPr>
+        <a:xfrm>
+          <a:off x="0" y="0"/>
+          <a:ext cx="0" cy="0"/>
+          <a:chOff x="0" y="0"/>
+          <a:chExt cx="0" cy="0"/>
+        </a:xfrm>
+      </p:grpSpPr>
+      <p:sp>
+        <p:nvSpPr>
+          <p:cNvPr id="2" name="슬라이드 이미지 개체 틀 1"/>
+          <p:cNvSpPr>
+            <a:spLocks noGrp="1" noRot="1" noChangeAspect="1"/>
+          </p:cNvSpPr>
+          <p:nvPr>
+            <p:ph type="sldImg"/>
+          </p:nvPr>
+        </p:nvSpPr>
+        <p:spPr/>
+      </p:sp>
+      <p:sp>
+        <p:nvSpPr>
+          <p:cNvPr id="3" name="슬라이드 노트 개체 틀 2"/>
+          <p:cNvSpPr>
+            <a:spLocks noGrp="1"/>
+          </p:cNvSpPr>
+          <p:nvPr>
+            <p:ph type="body" idx="1"/>
+          </p:nvPr>
+        </p:nvSpPr>
+        <p:spPr/>
+        <p:txBody>
+          <a:bodyPr/>
+          <a:lstStyle/>
+          <a:p>
+            <a:r>
+              <a:rPr lang="en-US" dirty="0"/>
+              <a:t>Push Echo Bot codes.</a:t>
+            </a:r>
+          </a:p>
+        </p:txBody>
+      </p:sp>
+      <p:sp>
+        <p:nvSpPr>
+          <p:cNvPr id="4" name="슬라이드 번호 개체 틀 3"/>
+          <p:cNvSpPr>
+            <a:spLocks noGrp="1"/>
+          </p:cNvSpPr>
+          <p:nvPr>
+            <p:ph type="sldNum" sz="quarter" idx="10"/>
+          </p:nvPr>
+        </p:nvSpPr>
+        <p:spPr/>
+        <p:txBody>
+          <a:bodyPr/>
+          <a:lstStyle/>
+          <a:p>
+            <a:fld id="{772745C2-B5F1-4B10-8C0E-DEBCE2EB7236}" type="slidenum">
+              <a:rPr lang="en-US" smtClean="0"/>
+              <a:t>14</a:t>
             </a:fld>
             <a:endParaRPr lang="en-US"/>
           </a:p>
@@ -6559,6 +6794,93 @@
     <p:extLst>
       <p:ext uri="{BB962C8B-B14F-4D97-AF65-F5344CB8AC3E}">
         <p14:creationId xmlns:p14="http://schemas.microsoft.com/office/powerpoint/2010/main" val="1532979578"/>
+      </p:ext>
+    </p:extLst>
+  </p:cSld>
+  <p:clrMapOvr>
+    <a:masterClrMapping/>
+  </p:clrMapOvr>
+</p:notes>
+</file>
+
+<file path=ppt/notesSlides/notesSlide9.xml><?xml version="1.0" encoding="utf-8"?>
+<p:notes xmlns:a="http://schemas.openxmlformats.org/drawingml/2006/main" xmlns:r="http://schemas.openxmlformats.org/officeDocument/2006/relationships" xmlns:p="http://schemas.openxmlformats.org/presentationml/2006/main">
+  <p:cSld>
+    <p:spTree>
+      <p:nvGrpSpPr>
+        <p:cNvPr id="1" name=""/>
+        <p:cNvGrpSpPr/>
+        <p:nvPr/>
+      </p:nvGrpSpPr>
+      <p:grpSpPr>
+        <a:xfrm>
+          <a:off x="0" y="0"/>
+          <a:ext cx="0" cy="0"/>
+          <a:chOff x="0" y="0"/>
+          <a:chExt cx="0" cy="0"/>
+        </a:xfrm>
+      </p:grpSpPr>
+      <p:sp>
+        <p:nvSpPr>
+          <p:cNvPr id="2" name="슬라이드 이미지 개체 틀 1"/>
+          <p:cNvSpPr>
+            <a:spLocks noGrp="1" noRot="1" noChangeAspect="1"/>
+          </p:cNvSpPr>
+          <p:nvPr>
+            <p:ph type="sldImg"/>
+          </p:nvPr>
+        </p:nvSpPr>
+        <p:spPr/>
+      </p:sp>
+      <p:sp>
+        <p:nvSpPr>
+          <p:cNvPr id="3" name="슬라이드 노트 개체 틀 2"/>
+          <p:cNvSpPr>
+            <a:spLocks noGrp="1"/>
+          </p:cNvSpPr>
+          <p:nvPr>
+            <p:ph type="body" idx="1"/>
+          </p:nvPr>
+        </p:nvSpPr>
+        <p:spPr/>
+        <p:txBody>
+          <a:bodyPr/>
+          <a:lstStyle/>
+          <a:p>
+            <a:r>
+              <a:rPr lang="en-US" dirty="0"/>
+              <a:t>Working well.</a:t>
+            </a:r>
+          </a:p>
+        </p:txBody>
+      </p:sp>
+      <p:sp>
+        <p:nvSpPr>
+          <p:cNvPr id="4" name="슬라이드 번호 개체 틀 3"/>
+          <p:cNvSpPr>
+            <a:spLocks noGrp="1"/>
+          </p:cNvSpPr>
+          <p:nvPr>
+            <p:ph type="sldNum" sz="quarter" idx="10"/>
+          </p:nvPr>
+        </p:nvSpPr>
+        <p:spPr/>
+        <p:txBody>
+          <a:bodyPr/>
+          <a:lstStyle/>
+          <a:p>
+            <a:fld id="{772745C2-B5F1-4B10-8C0E-DEBCE2EB7236}" type="slidenum">
+              <a:rPr lang="en-US" smtClean="0"/>
+              <a:t>15</a:t>
+            </a:fld>
+            <a:endParaRPr lang="en-US"/>
+          </a:p>
+        </p:txBody>
+      </p:sp>
+    </p:spTree>
+    <p:extLst>
+      <p:ext uri="{BB962C8B-B14F-4D97-AF65-F5344CB8AC3E}">
+        <p14:creationId xmlns:p14="http://schemas.microsoft.com/office/powerpoint/2010/main" val="648811545"/>
       </p:ext>
     </p:extLst>
   </p:cSld>
@@ -6731,7 +7053,7 @@
           <a:p>
             <a:fld id="{0D913C1F-5111-45C8-8646-4E60C4FCFD33}" type="datetime1">
               <a:rPr lang="en-US" smtClean="0"/>
-              <a:t>7/25/2017</a:t>
+              <a:t>7/26/2017</a:t>
             </a:fld>
             <a:endParaRPr lang="en-US"/>
           </a:p>
@@ -6906,7 +7228,7 @@
           <a:p>
             <a:fld id="{D3A57730-C926-45F0-9361-C8E6CC7EFAB1}" type="datetime1">
               <a:rPr lang="en-US" smtClean="0"/>
-              <a:t>7/25/2017</a:t>
+              <a:t>7/26/2017</a:t>
             </a:fld>
             <a:endParaRPr lang="en-US"/>
           </a:p>
@@ -7086,7 +7408,7 @@
           <a:p>
             <a:fld id="{72F94769-6EA4-484E-8E33-A5D2CCD7F3B4}" type="datetime1">
               <a:rPr lang="en-US" smtClean="0"/>
-              <a:t>7/25/2017</a:t>
+              <a:t>7/26/2017</a:t>
             </a:fld>
             <a:endParaRPr lang="en-US"/>
           </a:p>
@@ -7256,7 +7578,7 @@
           <a:p>
             <a:fld id="{875CDD8C-CF5A-4DB3-98F8-3A2639B39FE9}" type="datetime1">
               <a:rPr lang="en-US" smtClean="0"/>
-              <a:t>7/25/2017</a:t>
+              <a:t>7/26/2017</a:t>
             </a:fld>
             <a:endParaRPr lang="en-US"/>
           </a:p>
@@ -7524,7 +7846,7 @@
           <a:p>
             <a:fld id="{73567B6B-69B5-4721-8DDE-4EEC9B6DCE0D}" type="datetime1">
               <a:rPr lang="en-US" smtClean="0"/>
-              <a:t>7/25/2017</a:t>
+              <a:t>7/26/2017</a:t>
             </a:fld>
             <a:endParaRPr lang="en-US"/>
           </a:p>
@@ -7756,7 +8078,7 @@
           <a:p>
             <a:fld id="{98DD2B97-22CE-4922-9B75-1DD88489AFD6}" type="datetime1">
               <a:rPr lang="en-US" smtClean="0"/>
-              <a:t>7/25/2017</a:t>
+              <a:t>7/26/2017</a:t>
             </a:fld>
             <a:endParaRPr lang="en-US"/>
           </a:p>
@@ -8115,7 +8437,7 @@
           <a:p>
             <a:fld id="{71335CB9-B160-4C99-9B3C-64E62B2B8AA1}" type="datetime1">
               <a:rPr lang="en-US" smtClean="0"/>
-              <a:t>7/25/2017</a:t>
+              <a:t>7/26/2017</a:t>
             </a:fld>
             <a:endParaRPr lang="en-US"/>
           </a:p>
@@ -8256,7 +8578,7 @@
           <a:p>
             <a:fld id="{AB5FD2A9-980D-4792-8107-6837CF22CACC}" type="datetime1">
               <a:rPr lang="en-US" smtClean="0"/>
-              <a:t>7/25/2017</a:t>
+              <a:t>7/26/2017</a:t>
             </a:fld>
             <a:endParaRPr lang="en-US"/>
           </a:p>
@@ -8351,7 +8673,7 @@
           <a:p>
             <a:fld id="{AE49ADA3-5F6C-44F2-923F-B96DDB41268F}" type="datetime1">
               <a:rPr lang="en-US" smtClean="0"/>
-              <a:t>7/25/2017</a:t>
+              <a:t>7/26/2017</a:t>
             </a:fld>
             <a:endParaRPr lang="en-US"/>
           </a:p>
@@ -8708,7 +9030,7 @@
           <a:p>
             <a:fld id="{CD641920-CFA1-454E-AD47-3EEEB5605BD0}" type="datetime1">
               <a:rPr lang="en-US" smtClean="0"/>
-              <a:t>7/25/2017</a:t>
+              <a:t>7/26/2017</a:t>
             </a:fld>
             <a:endParaRPr lang="en-US"/>
           </a:p>
@@ -9065,7 +9387,7 @@
           <a:p>
             <a:fld id="{F3A5C466-8A77-4A43-A9E6-B875AC354BDD}" type="datetime1">
               <a:rPr lang="en-US" smtClean="0"/>
-              <a:t>7/25/2017</a:t>
+              <a:t>7/26/2017</a:t>
             </a:fld>
             <a:endParaRPr lang="en-US"/>
           </a:p>
@@ -9306,7 +9628,7 @@
           <a:p>
             <a:fld id="{8C1F079E-EE37-4F70-8A6F-71D0624FBE44}" type="datetime1">
               <a:rPr lang="en-US" smtClean="0"/>
-              <a:t>7/25/2017</a:t>
+              <a:t>7/26/2017</a:t>
             </a:fld>
             <a:endParaRPr lang="en-US"/>
           </a:p>
@@ -11627,6 +11949,5400 @@
           <a:chExt cx="0" cy="0"/>
         </a:xfrm>
       </p:grpSpPr>
+      <p:sp>
+        <p:nvSpPr>
+          <p:cNvPr id="2" name="제목 1">
+            <a:extLst>
+              <a:ext uri="{FF2B5EF4-FFF2-40B4-BE49-F238E27FC236}">
+                <a16:creationId xmlns:a16="http://schemas.microsoft.com/office/drawing/2014/main" id="{41BEE3A4-1BEE-48FA-AECA-0E6B9E13827C}"/>
+              </a:ext>
+            </a:extLst>
+          </p:cNvPr>
+          <p:cNvSpPr>
+            <a:spLocks noGrp="1"/>
+          </p:cNvSpPr>
+          <p:nvPr>
+            <p:ph type="title"/>
+          </p:nvPr>
+        </p:nvSpPr>
+        <p:spPr>
+          <a:xfrm>
+            <a:off x="7181899" y="5550471"/>
+            <a:ext cx="3125306" cy="946428"/>
+          </a:xfrm>
+        </p:spPr>
+        <p:txBody>
+          <a:bodyPr/>
+          <a:lstStyle/>
+          <a:p>
+            <a:r>
+              <a:rPr lang="en-US" dirty="0"/>
+              <a:t>Code: App.js</a:t>
+            </a:r>
+          </a:p>
+        </p:txBody>
+      </p:sp>
+      <p:sp>
+        <p:nvSpPr>
+          <p:cNvPr id="4" name="슬라이드 번호 개체 틀 3">
+            <a:extLst>
+              <a:ext uri="{FF2B5EF4-FFF2-40B4-BE49-F238E27FC236}">
+                <a16:creationId xmlns:a16="http://schemas.microsoft.com/office/drawing/2014/main" id="{2217D000-7A02-435B-B34C-1EEF23AA636F}"/>
+              </a:ext>
+            </a:extLst>
+          </p:cNvPr>
+          <p:cNvSpPr>
+            <a:spLocks noGrp="1"/>
+          </p:cNvSpPr>
+          <p:nvPr>
+            <p:ph type="sldNum" sz="quarter" idx="12"/>
+          </p:nvPr>
+        </p:nvSpPr>
+        <p:spPr/>
+        <p:txBody>
+          <a:bodyPr/>
+          <a:lstStyle/>
+          <a:p>
+            <a:fld id="{8B9A499C-E7AC-4E74-9635-A20519089A3A}" type="slidenum">
+              <a:rPr lang="en-US" smtClean="0"/>
+              <a:t>13</a:t>
+            </a:fld>
+            <a:endParaRPr lang="en-US"/>
+          </a:p>
+        </p:txBody>
+      </p:sp>
+      <p:sp>
+        <p:nvSpPr>
+          <p:cNvPr id="8" name="Rectangle 1">
+            <a:extLst>
+              <a:ext uri="{FF2B5EF4-FFF2-40B4-BE49-F238E27FC236}">
+                <a16:creationId xmlns:a16="http://schemas.microsoft.com/office/drawing/2014/main" id="{47E6BDEB-3F0A-48E7-8F51-913915EEF811}"/>
+              </a:ext>
+            </a:extLst>
+          </p:cNvPr>
+          <p:cNvSpPr txBox="1">
+            <a:spLocks noChangeArrowheads="1"/>
+          </p:cNvSpPr>
+          <p:nvPr/>
+        </p:nvSpPr>
+        <p:spPr bwMode="auto">
+          <a:xfrm>
+            <a:off x="2022278" y="171849"/>
+            <a:ext cx="4347344" cy="6309420"/>
+          </a:xfrm>
+          <a:prstGeom prst="rect">
+            <a:avLst/>
+          </a:prstGeom>
+          <a:solidFill>
+            <a:srgbClr val="282B2E"/>
+          </a:solidFill>
+          <a:ln>
+            <a:noFill/>
+          </a:ln>
+          <a:effectLst/>
+          <a:extLst>
+            <a:ext uri="{91240B29-F687-4F45-9708-019B960494DF}">
+              <a14:hiddenLine xmlns:a14="http://schemas.microsoft.com/office/drawing/2010/main" w="9525">
+                <a:solidFill>
+                  <a:schemeClr val="tx1"/>
+                </a:solidFill>
+                <a:miter lim="800000"/>
+                <a:headEnd/>
+                <a:tailEnd/>
+              </a14:hiddenLine>
+            </a:ext>
+            <a:ext uri="{AF507438-7753-43E0-B8FC-AC1667EBCBE1}">
+              <a14:hiddenEffects xmlns:a14="http://schemas.microsoft.com/office/drawing/2010/main">
+                <a:effectLst>
+                  <a:outerShdw dist="35921" dir="2700000" algn="ctr" rotWithShape="0">
+                    <a:schemeClr val="bg2"/>
+                  </a:outerShdw>
+                </a:effectLst>
+              </a14:hiddenEffects>
+            </a:ext>
+          </a:extLst>
+        </p:spPr>
+        <p:txBody>
+          <a:bodyPr vert="horz" wrap="none" lIns="0" tIns="0" rIns="0" bIns="0" numCol="1" rtlCol="0" anchor="ctr" anchorCtr="0" compatLnSpc="1">
+            <a:prstTxWarp prst="textNoShape">
+              <a:avLst/>
+            </a:prstTxWarp>
+            <a:spAutoFit/>
+          </a:bodyPr>
+          <a:lstStyle>
+            <a:lvl1pPr marL="228600" indent="-228600" algn="l" defTabSz="914400" rtl="0" eaLnBrk="1" latinLnBrk="0" hangingPunct="1">
+              <a:lnSpc>
+                <a:spcPct val="100000"/>
+              </a:lnSpc>
+              <a:spcBef>
+                <a:spcPts val="1000"/>
+              </a:spcBef>
+              <a:buClr>
+                <a:schemeClr val="accent2"/>
+              </a:buClr>
+              <a:buFont typeface="Arial" panose="020B0604020202020204" pitchFamily="34" charset="0"/>
+              <a:buChar char="•"/>
+              <a:defRPr sz="1800" kern="1200">
+                <a:solidFill>
+                  <a:schemeClr val="tx1">
+                    <a:lumMod val="85000"/>
+                    <a:lumOff val="15000"/>
+                  </a:schemeClr>
+                </a:solidFill>
+                <a:latin typeface="+mn-lt"/>
+                <a:ea typeface="+mn-ea"/>
+                <a:cs typeface="+mn-cs"/>
+              </a:defRPr>
+            </a:lvl1pPr>
+            <a:lvl2pPr marL="457200" indent="-228600" algn="l" defTabSz="914400" rtl="0" eaLnBrk="1" latinLnBrk="0" hangingPunct="1">
+              <a:lnSpc>
+                <a:spcPct val="100000"/>
+              </a:lnSpc>
+              <a:spcBef>
+                <a:spcPts val="1000"/>
+              </a:spcBef>
+              <a:buClr>
+                <a:schemeClr val="accent2"/>
+              </a:buClr>
+              <a:buFont typeface="Arial" panose="020B0604020202020204" pitchFamily="34" charset="0"/>
+              <a:buChar char="•"/>
+              <a:defRPr sz="1600" kern="1200">
+                <a:solidFill>
+                  <a:schemeClr val="tx1">
+                    <a:lumMod val="85000"/>
+                    <a:lumOff val="15000"/>
+                  </a:schemeClr>
+                </a:solidFill>
+                <a:latin typeface="+mn-lt"/>
+                <a:ea typeface="+mn-ea"/>
+                <a:cs typeface="+mn-cs"/>
+              </a:defRPr>
+            </a:lvl2pPr>
+            <a:lvl3pPr marL="685800" indent="-228600" algn="l" defTabSz="914400" rtl="0" eaLnBrk="1" latinLnBrk="0" hangingPunct="1">
+              <a:lnSpc>
+                <a:spcPct val="100000"/>
+              </a:lnSpc>
+              <a:spcBef>
+                <a:spcPts val="1000"/>
+              </a:spcBef>
+              <a:buClr>
+                <a:schemeClr val="accent2"/>
+              </a:buClr>
+              <a:buFont typeface="Arial" panose="020B0604020202020204" pitchFamily="34" charset="0"/>
+              <a:buChar char="•"/>
+              <a:defRPr sz="1600" kern="1200">
+                <a:solidFill>
+                  <a:schemeClr val="tx1">
+                    <a:lumMod val="85000"/>
+                    <a:lumOff val="15000"/>
+                  </a:schemeClr>
+                </a:solidFill>
+                <a:latin typeface="+mn-lt"/>
+                <a:ea typeface="+mn-ea"/>
+                <a:cs typeface="+mn-cs"/>
+              </a:defRPr>
+            </a:lvl3pPr>
+            <a:lvl4pPr marL="914400" indent="-228600" algn="l" defTabSz="914400" rtl="0" eaLnBrk="1" latinLnBrk="0" hangingPunct="1">
+              <a:lnSpc>
+                <a:spcPct val="100000"/>
+              </a:lnSpc>
+              <a:spcBef>
+                <a:spcPts val="1000"/>
+              </a:spcBef>
+              <a:buClr>
+                <a:schemeClr val="accent2"/>
+              </a:buClr>
+              <a:buFont typeface="Arial" panose="020B0604020202020204" pitchFamily="34" charset="0"/>
+              <a:buChar char="•"/>
+              <a:defRPr sz="1600" kern="1200">
+                <a:solidFill>
+                  <a:schemeClr val="tx1">
+                    <a:lumMod val="85000"/>
+                    <a:lumOff val="15000"/>
+                  </a:schemeClr>
+                </a:solidFill>
+                <a:latin typeface="+mn-lt"/>
+                <a:ea typeface="+mn-ea"/>
+                <a:cs typeface="+mn-cs"/>
+              </a:defRPr>
+            </a:lvl4pPr>
+            <a:lvl5pPr marL="1143000" indent="-228600" algn="l" defTabSz="914400" rtl="0" eaLnBrk="1" latinLnBrk="0" hangingPunct="1">
+              <a:lnSpc>
+                <a:spcPct val="100000"/>
+              </a:lnSpc>
+              <a:spcBef>
+                <a:spcPts val="1000"/>
+              </a:spcBef>
+              <a:buClr>
+                <a:schemeClr val="accent2"/>
+              </a:buClr>
+              <a:buFont typeface="Arial" panose="020B0604020202020204" pitchFamily="34" charset="0"/>
+              <a:buChar char="•"/>
+              <a:defRPr sz="1600" kern="1200">
+                <a:solidFill>
+                  <a:schemeClr val="tx1">
+                    <a:lumMod val="85000"/>
+                    <a:lumOff val="15000"/>
+                  </a:schemeClr>
+                </a:solidFill>
+                <a:latin typeface="+mn-lt"/>
+                <a:ea typeface="+mn-ea"/>
+                <a:cs typeface="+mn-cs"/>
+              </a:defRPr>
+            </a:lvl5pPr>
+            <a:lvl6pPr marL="1312863" indent="-228600" algn="l" defTabSz="914400" rtl="0" eaLnBrk="1" latinLnBrk="0" hangingPunct="1">
+              <a:lnSpc>
+                <a:spcPct val="100000"/>
+              </a:lnSpc>
+              <a:spcBef>
+                <a:spcPts val="1000"/>
+              </a:spcBef>
+              <a:buClr>
+                <a:schemeClr val="accent2"/>
+              </a:buClr>
+              <a:buFont typeface="Arial" panose="020B0604020202020204" pitchFamily="34" charset="0"/>
+              <a:buChar char="•"/>
+              <a:defRPr sz="1600" kern="1200">
+                <a:solidFill>
+                  <a:schemeClr val="tx1"/>
+                </a:solidFill>
+                <a:latin typeface="+mn-lt"/>
+                <a:ea typeface="+mn-ea"/>
+                <a:cs typeface="+mn-cs"/>
+              </a:defRPr>
+            </a:lvl6pPr>
+            <a:lvl7pPr marL="1484313" indent="-228600" algn="l" defTabSz="914400" rtl="0" eaLnBrk="1" latinLnBrk="0" hangingPunct="1">
+              <a:lnSpc>
+                <a:spcPct val="100000"/>
+              </a:lnSpc>
+              <a:spcBef>
+                <a:spcPts val="1000"/>
+              </a:spcBef>
+              <a:buClr>
+                <a:schemeClr val="accent2"/>
+              </a:buClr>
+              <a:buFont typeface="Arial" panose="020B0604020202020204" pitchFamily="34" charset="0"/>
+              <a:buChar char="•"/>
+              <a:defRPr sz="1600" kern="1200">
+                <a:solidFill>
+                  <a:schemeClr val="tx1"/>
+                </a:solidFill>
+                <a:latin typeface="+mn-lt"/>
+                <a:ea typeface="+mn-ea"/>
+                <a:cs typeface="+mn-cs"/>
+              </a:defRPr>
+            </a:lvl7pPr>
+            <a:lvl8pPr marL="1657350" indent="-228600" algn="l" defTabSz="914400" rtl="0" eaLnBrk="1" latinLnBrk="0" hangingPunct="1">
+              <a:lnSpc>
+                <a:spcPct val="100000"/>
+              </a:lnSpc>
+              <a:spcBef>
+                <a:spcPts val="1000"/>
+              </a:spcBef>
+              <a:buClr>
+                <a:schemeClr val="accent2"/>
+              </a:buClr>
+              <a:buFont typeface="Arial" panose="020B0604020202020204" pitchFamily="34" charset="0"/>
+              <a:buChar char="•"/>
+              <a:defRPr sz="1600" kern="1200" baseline="0">
+                <a:solidFill>
+                  <a:schemeClr val="tx1"/>
+                </a:solidFill>
+                <a:latin typeface="+mn-lt"/>
+                <a:ea typeface="+mn-ea"/>
+                <a:cs typeface="+mn-cs"/>
+              </a:defRPr>
+            </a:lvl8pPr>
+            <a:lvl9pPr marL="1882775" indent="-228600" algn="l" defTabSz="914400" rtl="0" eaLnBrk="1" latinLnBrk="0" hangingPunct="1">
+              <a:lnSpc>
+                <a:spcPct val="100000"/>
+              </a:lnSpc>
+              <a:spcBef>
+                <a:spcPts val="1000"/>
+              </a:spcBef>
+              <a:buClr>
+                <a:schemeClr val="accent2"/>
+              </a:buClr>
+              <a:buFont typeface="Arial" panose="020B0604020202020204" pitchFamily="34" charset="0"/>
+              <a:buChar char="•"/>
+              <a:defRPr sz="1600" kern="1200" baseline="0">
+                <a:solidFill>
+                  <a:schemeClr val="tx1"/>
+                </a:solidFill>
+                <a:latin typeface="+mn-lt"/>
+                <a:ea typeface="+mn-ea"/>
+                <a:cs typeface="+mn-cs"/>
+              </a:defRPr>
+            </a:lvl9pPr>
+          </a:lstStyle>
+          <a:p>
+            <a:pPr marL="0" indent="0" eaLnBrk="0" fontAlgn="base" hangingPunct="0">
+              <a:spcBef>
+                <a:spcPct val="0"/>
+              </a:spcBef>
+              <a:spcAft>
+                <a:spcPct val="0"/>
+              </a:spcAft>
+              <a:buClrTx/>
+              <a:buFontTx/>
+              <a:buNone/>
+            </a:pPr>
+            <a:r>
+              <a:rPr lang="en-US" altLang="en-US" sz="1000" dirty="0">
+                <a:solidFill>
+                  <a:srgbClr val="BBB529"/>
+                </a:solidFill>
+                <a:latin typeface="Arial Unicode MS"/>
+                <a:ea typeface="inherit"/>
+              </a:rPr>
+              <a:t>'use strict'</a:t>
+            </a:r>
+            <a:endParaRPr lang="en-US" altLang="en-US" sz="1000" dirty="0">
+              <a:solidFill>
+                <a:srgbClr val="A9B7C6"/>
+              </a:solidFill>
+              <a:latin typeface="Arial Unicode MS"/>
+              <a:ea typeface="inherit"/>
+            </a:endParaRPr>
+          </a:p>
+          <a:p>
+            <a:pPr marL="0" indent="0" eaLnBrk="0" fontAlgn="base" hangingPunct="0">
+              <a:spcBef>
+                <a:spcPct val="0"/>
+              </a:spcBef>
+              <a:spcAft>
+                <a:spcPct val="0"/>
+              </a:spcAft>
+              <a:buClrTx/>
+              <a:buFontTx/>
+              <a:buNone/>
+            </a:pPr>
+            <a:r>
+              <a:rPr lang="en-US" altLang="en-US" sz="1000" dirty="0" err="1">
+                <a:solidFill>
+                  <a:srgbClr val="CC7832"/>
+                </a:solidFill>
+                <a:latin typeface="Arial Unicode MS"/>
+                <a:ea typeface="inherit"/>
+              </a:rPr>
+              <a:t>const</a:t>
+            </a:r>
+            <a:r>
+              <a:rPr lang="en-US" altLang="en-US" sz="1000" dirty="0">
+                <a:solidFill>
+                  <a:srgbClr val="A9B7C6"/>
+                </a:solidFill>
+                <a:latin typeface="Arial Unicode MS"/>
+                <a:ea typeface="inherit"/>
+              </a:rPr>
+              <a:t> express = require(</a:t>
+            </a:r>
+            <a:r>
+              <a:rPr lang="en-US" altLang="en-US" sz="1000" dirty="0">
+                <a:solidFill>
+                  <a:srgbClr val="6A8759"/>
+                </a:solidFill>
+                <a:latin typeface="Arial Unicode MS"/>
+                <a:ea typeface="inherit"/>
+              </a:rPr>
+              <a:t>'express'</a:t>
+            </a:r>
+            <a:r>
+              <a:rPr lang="en-US" altLang="en-US" sz="1000" dirty="0">
+                <a:solidFill>
+                  <a:srgbClr val="A9B7C6"/>
+                </a:solidFill>
+                <a:latin typeface="Arial Unicode MS"/>
+                <a:ea typeface="inherit"/>
+              </a:rPr>
+              <a:t>);</a:t>
+            </a:r>
+          </a:p>
+          <a:p>
+            <a:pPr marL="0" indent="0" eaLnBrk="0" fontAlgn="base" hangingPunct="0">
+              <a:spcBef>
+                <a:spcPct val="0"/>
+              </a:spcBef>
+              <a:spcAft>
+                <a:spcPct val="0"/>
+              </a:spcAft>
+              <a:buClrTx/>
+              <a:buFontTx/>
+              <a:buNone/>
+            </a:pPr>
+            <a:r>
+              <a:rPr lang="en-US" altLang="en-US" sz="1000" dirty="0" err="1">
+                <a:solidFill>
+                  <a:srgbClr val="CC7832"/>
+                </a:solidFill>
+                <a:latin typeface="Arial Unicode MS"/>
+                <a:ea typeface="inherit"/>
+              </a:rPr>
+              <a:t>const</a:t>
+            </a:r>
+            <a:r>
+              <a:rPr lang="en-US" altLang="en-US" sz="1000" dirty="0">
+                <a:solidFill>
+                  <a:srgbClr val="A9B7C6"/>
+                </a:solidFill>
+                <a:latin typeface="Arial Unicode MS"/>
+                <a:ea typeface="inherit"/>
+              </a:rPr>
+              <a:t> </a:t>
+            </a:r>
+            <a:r>
+              <a:rPr lang="en-US" altLang="en-US" sz="1000" dirty="0" err="1">
+                <a:solidFill>
+                  <a:srgbClr val="A9B7C6"/>
+                </a:solidFill>
+                <a:latin typeface="Arial Unicode MS"/>
+                <a:ea typeface="inherit"/>
+              </a:rPr>
+              <a:t>bodyParser</a:t>
+            </a:r>
+            <a:r>
+              <a:rPr lang="en-US" altLang="en-US" sz="1000" dirty="0">
+                <a:solidFill>
+                  <a:srgbClr val="A9B7C6"/>
+                </a:solidFill>
+                <a:latin typeface="Arial Unicode MS"/>
+                <a:ea typeface="inherit"/>
+              </a:rPr>
+              <a:t> = require(</a:t>
+            </a:r>
+            <a:r>
+              <a:rPr lang="en-US" altLang="en-US" sz="1000" dirty="0">
+                <a:solidFill>
+                  <a:srgbClr val="6A8759"/>
+                </a:solidFill>
+                <a:latin typeface="Arial Unicode MS"/>
+                <a:ea typeface="inherit"/>
+              </a:rPr>
+              <a:t>'body-parser'</a:t>
+            </a:r>
+            <a:r>
+              <a:rPr lang="en-US" altLang="en-US" sz="1000" dirty="0">
+                <a:solidFill>
+                  <a:srgbClr val="A9B7C6"/>
+                </a:solidFill>
+                <a:latin typeface="Arial Unicode MS"/>
+                <a:ea typeface="inherit"/>
+              </a:rPr>
+              <a:t>);</a:t>
+            </a:r>
+          </a:p>
+          <a:p>
+            <a:pPr marL="0" indent="0" eaLnBrk="0" fontAlgn="base" hangingPunct="0">
+              <a:spcBef>
+                <a:spcPct val="0"/>
+              </a:spcBef>
+              <a:spcAft>
+                <a:spcPct val="0"/>
+              </a:spcAft>
+              <a:buClrTx/>
+              <a:buFontTx/>
+              <a:buNone/>
+            </a:pPr>
+            <a:r>
+              <a:rPr lang="en-US" altLang="en-US" sz="1000" dirty="0" err="1">
+                <a:solidFill>
+                  <a:srgbClr val="CC7832"/>
+                </a:solidFill>
+                <a:latin typeface="Arial Unicode MS"/>
+                <a:ea typeface="inherit"/>
+              </a:rPr>
+              <a:t>const</a:t>
+            </a:r>
+            <a:r>
+              <a:rPr lang="en-US" altLang="en-US" sz="1000" dirty="0">
+                <a:solidFill>
+                  <a:srgbClr val="A9B7C6"/>
+                </a:solidFill>
+                <a:latin typeface="Arial Unicode MS"/>
+                <a:ea typeface="inherit"/>
+              </a:rPr>
+              <a:t> request = require(</a:t>
+            </a:r>
+            <a:r>
+              <a:rPr lang="en-US" altLang="en-US" sz="1000" dirty="0">
+                <a:solidFill>
+                  <a:srgbClr val="6A8759"/>
+                </a:solidFill>
+                <a:latin typeface="Arial Unicode MS"/>
+                <a:ea typeface="inherit"/>
+              </a:rPr>
+              <a:t>'request'</a:t>
+            </a:r>
+            <a:r>
+              <a:rPr lang="en-US" altLang="en-US" sz="1000" dirty="0">
+                <a:solidFill>
+                  <a:srgbClr val="A9B7C6"/>
+                </a:solidFill>
+                <a:latin typeface="Arial Unicode MS"/>
+                <a:ea typeface="inherit"/>
+              </a:rPr>
+              <a:t>);</a:t>
+            </a:r>
+          </a:p>
+          <a:p>
+            <a:pPr marL="0" indent="0" eaLnBrk="0" fontAlgn="base" hangingPunct="0">
+              <a:spcBef>
+                <a:spcPct val="0"/>
+              </a:spcBef>
+              <a:spcAft>
+                <a:spcPct val="0"/>
+              </a:spcAft>
+              <a:buClrTx/>
+              <a:buFontTx/>
+              <a:buNone/>
+            </a:pPr>
+            <a:r>
+              <a:rPr lang="en-US" altLang="en-US" sz="1000" dirty="0" err="1">
+                <a:solidFill>
+                  <a:srgbClr val="CC7832"/>
+                </a:solidFill>
+                <a:latin typeface="Arial Unicode MS"/>
+                <a:ea typeface="inherit"/>
+              </a:rPr>
+              <a:t>const</a:t>
+            </a:r>
+            <a:r>
+              <a:rPr lang="en-US" altLang="en-US" sz="1000" dirty="0">
+                <a:solidFill>
+                  <a:srgbClr val="A9B7C6"/>
+                </a:solidFill>
+                <a:latin typeface="Arial Unicode MS"/>
+                <a:ea typeface="inherit"/>
+              </a:rPr>
+              <a:t> app = express();</a:t>
+            </a:r>
+          </a:p>
+          <a:p>
+            <a:pPr marL="0" indent="0" eaLnBrk="0" fontAlgn="base" hangingPunct="0">
+              <a:spcBef>
+                <a:spcPct val="0"/>
+              </a:spcBef>
+              <a:spcAft>
+                <a:spcPct val="0"/>
+              </a:spcAft>
+              <a:buClrTx/>
+              <a:buFontTx/>
+              <a:buNone/>
+            </a:pPr>
+            <a:endParaRPr lang="en-US" altLang="en-US" sz="1000" dirty="0">
+              <a:solidFill>
+                <a:srgbClr val="CC7832"/>
+              </a:solidFill>
+              <a:latin typeface="Arial Unicode MS"/>
+              <a:ea typeface="inherit"/>
+            </a:endParaRPr>
+          </a:p>
+          <a:p>
+            <a:pPr marL="0" indent="0" eaLnBrk="0" fontAlgn="base" hangingPunct="0">
+              <a:spcBef>
+                <a:spcPct val="0"/>
+              </a:spcBef>
+              <a:spcAft>
+                <a:spcPct val="0"/>
+              </a:spcAft>
+              <a:buClrTx/>
+              <a:buFontTx/>
+              <a:buNone/>
+            </a:pPr>
+            <a:r>
+              <a:rPr lang="en-US" altLang="en-US" sz="1000" dirty="0" err="1">
+                <a:solidFill>
+                  <a:srgbClr val="CC7832"/>
+                </a:solidFill>
+                <a:latin typeface="Arial Unicode MS"/>
+                <a:ea typeface="inherit"/>
+              </a:rPr>
+              <a:t>var</a:t>
+            </a:r>
+            <a:r>
+              <a:rPr lang="en-US" altLang="en-US" sz="1000" dirty="0">
+                <a:solidFill>
+                  <a:srgbClr val="A9B7C6"/>
+                </a:solidFill>
+                <a:latin typeface="Arial Unicode MS"/>
+                <a:ea typeface="inherit"/>
+              </a:rPr>
+              <a:t> PAGE_ACCESS_TOKEN = </a:t>
+            </a:r>
+            <a:r>
+              <a:rPr lang="en-US" altLang="en-US" sz="1000" dirty="0">
+                <a:solidFill>
+                  <a:srgbClr val="6A8759"/>
+                </a:solidFill>
+                <a:latin typeface="Arial Unicode MS"/>
+                <a:ea typeface="inherit"/>
+              </a:rPr>
+              <a:t>'YOUR TOKEN HERE'</a:t>
+            </a:r>
+            <a:r>
+              <a:rPr lang="en-US" altLang="en-US" sz="1000" dirty="0">
+                <a:solidFill>
+                  <a:srgbClr val="A9B7C6"/>
+                </a:solidFill>
+                <a:latin typeface="Arial Unicode MS"/>
+                <a:ea typeface="inherit"/>
+              </a:rPr>
+              <a:t>;</a:t>
+            </a:r>
+          </a:p>
+          <a:p>
+            <a:pPr marL="0" indent="0" eaLnBrk="0" fontAlgn="base" hangingPunct="0">
+              <a:spcBef>
+                <a:spcPct val="0"/>
+              </a:spcBef>
+              <a:spcAft>
+                <a:spcPct val="0"/>
+              </a:spcAft>
+              <a:buClrTx/>
+              <a:buFontTx/>
+              <a:buNone/>
+            </a:pPr>
+            <a:r>
+              <a:rPr lang="en-US" altLang="en-US" sz="1000" dirty="0" err="1">
+                <a:solidFill>
+                  <a:srgbClr val="A9B7C6"/>
+                </a:solidFill>
+                <a:latin typeface="Arial Unicode MS"/>
+                <a:ea typeface="inherit"/>
+              </a:rPr>
+              <a:t>app.set</a:t>
+            </a:r>
+            <a:r>
+              <a:rPr lang="en-US" altLang="en-US" sz="1000" dirty="0">
+                <a:solidFill>
+                  <a:srgbClr val="A9B7C6"/>
+                </a:solidFill>
+                <a:latin typeface="Arial Unicode MS"/>
+                <a:ea typeface="inherit"/>
+              </a:rPr>
+              <a:t>(</a:t>
+            </a:r>
+            <a:r>
+              <a:rPr lang="en-US" altLang="en-US" sz="1000" dirty="0">
+                <a:solidFill>
+                  <a:srgbClr val="6A8759"/>
+                </a:solidFill>
+                <a:latin typeface="Arial Unicode MS"/>
+                <a:ea typeface="inherit"/>
+              </a:rPr>
+              <a:t>'port'</a:t>
+            </a:r>
+            <a:r>
+              <a:rPr lang="en-US" altLang="en-US" sz="1000" dirty="0">
+                <a:solidFill>
+                  <a:srgbClr val="A9B7C6"/>
+                </a:solidFill>
+                <a:latin typeface="Arial Unicode MS"/>
+                <a:ea typeface="inherit"/>
+              </a:rPr>
+              <a:t>, (</a:t>
+            </a:r>
+            <a:r>
+              <a:rPr lang="en-US" altLang="en-US" sz="1000" dirty="0" err="1">
+                <a:solidFill>
+                  <a:srgbClr val="A9B7C6"/>
+                </a:solidFill>
+                <a:latin typeface="Arial Unicode MS"/>
+                <a:ea typeface="inherit"/>
+              </a:rPr>
+              <a:t>process.env.PORT</a:t>
+            </a:r>
+            <a:r>
+              <a:rPr lang="en-US" altLang="en-US" sz="1000" dirty="0">
+                <a:solidFill>
+                  <a:srgbClr val="A9B7C6"/>
+                </a:solidFill>
+                <a:latin typeface="Arial Unicode MS"/>
+                <a:ea typeface="inherit"/>
+              </a:rPr>
+              <a:t> || </a:t>
+            </a:r>
+            <a:r>
+              <a:rPr lang="en-US" altLang="en-US" sz="1000" dirty="0">
+                <a:solidFill>
+                  <a:srgbClr val="6897BB"/>
+                </a:solidFill>
+                <a:latin typeface="Arial Unicode MS"/>
+                <a:ea typeface="inherit"/>
+              </a:rPr>
+              <a:t>5000</a:t>
+            </a:r>
+            <a:r>
+              <a:rPr lang="en-US" altLang="en-US" sz="1000" dirty="0">
+                <a:solidFill>
+                  <a:srgbClr val="A9B7C6"/>
+                </a:solidFill>
+                <a:latin typeface="Arial Unicode MS"/>
+                <a:ea typeface="inherit"/>
+              </a:rPr>
+              <a:t>));</a:t>
+            </a:r>
+          </a:p>
+          <a:p>
+            <a:pPr marL="0" indent="0" eaLnBrk="0" fontAlgn="base" hangingPunct="0">
+              <a:spcBef>
+                <a:spcPct val="0"/>
+              </a:spcBef>
+              <a:spcAft>
+                <a:spcPct val="0"/>
+              </a:spcAft>
+              <a:buClrTx/>
+              <a:buFontTx/>
+              <a:buNone/>
+            </a:pPr>
+            <a:r>
+              <a:rPr lang="en-US" altLang="en-US" sz="1000" dirty="0" err="1">
+                <a:solidFill>
+                  <a:srgbClr val="A9B7C6"/>
+                </a:solidFill>
+                <a:latin typeface="Arial Unicode MS"/>
+                <a:ea typeface="inherit"/>
+              </a:rPr>
+              <a:t>app.use</a:t>
+            </a:r>
+            <a:r>
+              <a:rPr lang="en-US" altLang="en-US" sz="1000" dirty="0">
+                <a:solidFill>
+                  <a:srgbClr val="A9B7C6"/>
+                </a:solidFill>
+                <a:latin typeface="Arial Unicode MS"/>
+                <a:ea typeface="inherit"/>
+              </a:rPr>
+              <a:t>(</a:t>
+            </a:r>
+            <a:r>
+              <a:rPr lang="en-US" altLang="en-US" sz="1000" dirty="0" err="1">
+                <a:solidFill>
+                  <a:srgbClr val="A9B7C6"/>
+                </a:solidFill>
+                <a:latin typeface="Arial Unicode MS"/>
+                <a:ea typeface="inherit"/>
+              </a:rPr>
+              <a:t>bodyParser.urlencoded</a:t>
+            </a:r>
+            <a:r>
+              <a:rPr lang="en-US" altLang="en-US" sz="1000" dirty="0">
+                <a:solidFill>
+                  <a:srgbClr val="A9B7C6"/>
+                </a:solidFill>
+                <a:latin typeface="Arial Unicode MS"/>
+                <a:ea typeface="inherit"/>
+              </a:rPr>
+              <a:t>({ extended: </a:t>
+            </a:r>
+            <a:r>
+              <a:rPr lang="en-US" altLang="en-US" sz="1000" dirty="0">
+                <a:solidFill>
+                  <a:srgbClr val="6897BB"/>
+                </a:solidFill>
+                <a:latin typeface="Arial Unicode MS"/>
+                <a:ea typeface="inherit"/>
+              </a:rPr>
+              <a:t>false</a:t>
+            </a:r>
+            <a:r>
+              <a:rPr lang="en-US" altLang="en-US" sz="1000" dirty="0">
+                <a:solidFill>
+                  <a:srgbClr val="A9B7C6"/>
+                </a:solidFill>
+                <a:latin typeface="Arial Unicode MS"/>
+                <a:ea typeface="inherit"/>
+              </a:rPr>
+              <a:t> }));</a:t>
+            </a:r>
+          </a:p>
+          <a:p>
+            <a:pPr marL="0" indent="0" eaLnBrk="0" fontAlgn="base" hangingPunct="0">
+              <a:spcBef>
+                <a:spcPct val="0"/>
+              </a:spcBef>
+              <a:spcAft>
+                <a:spcPct val="0"/>
+              </a:spcAft>
+              <a:buClrTx/>
+              <a:buFontTx/>
+              <a:buNone/>
+            </a:pPr>
+            <a:r>
+              <a:rPr lang="en-US" altLang="en-US" sz="1000" dirty="0" err="1">
+                <a:solidFill>
+                  <a:srgbClr val="A9B7C6"/>
+                </a:solidFill>
+                <a:latin typeface="Arial Unicode MS"/>
+                <a:ea typeface="inherit"/>
+              </a:rPr>
+              <a:t>app.use</a:t>
+            </a:r>
+            <a:r>
+              <a:rPr lang="en-US" altLang="en-US" sz="1000" dirty="0">
+                <a:solidFill>
+                  <a:srgbClr val="A9B7C6"/>
+                </a:solidFill>
+                <a:latin typeface="Arial Unicode MS"/>
+                <a:ea typeface="inherit"/>
+              </a:rPr>
+              <a:t>(</a:t>
+            </a:r>
+            <a:r>
+              <a:rPr lang="en-US" altLang="en-US" sz="1000" dirty="0" err="1">
+                <a:solidFill>
+                  <a:srgbClr val="A9B7C6"/>
+                </a:solidFill>
+                <a:latin typeface="Arial Unicode MS"/>
+                <a:ea typeface="inherit"/>
+              </a:rPr>
+              <a:t>bodyParser.json</a:t>
+            </a:r>
+            <a:r>
+              <a:rPr lang="en-US" altLang="en-US" sz="1000" dirty="0">
+                <a:solidFill>
+                  <a:srgbClr val="A9B7C6"/>
+                </a:solidFill>
+                <a:latin typeface="Arial Unicode MS"/>
+                <a:ea typeface="inherit"/>
+              </a:rPr>
+              <a:t>());</a:t>
+            </a:r>
+          </a:p>
+          <a:p>
+            <a:pPr marL="0" indent="0" eaLnBrk="0" fontAlgn="base" hangingPunct="0">
+              <a:spcBef>
+                <a:spcPct val="0"/>
+              </a:spcBef>
+              <a:spcAft>
+                <a:spcPct val="0"/>
+              </a:spcAft>
+              <a:buClrTx/>
+              <a:buFontTx/>
+              <a:buNone/>
+            </a:pPr>
+            <a:r>
+              <a:rPr lang="en-US" altLang="en-US" sz="1000" dirty="0" err="1">
+                <a:solidFill>
+                  <a:srgbClr val="A9B7C6"/>
+                </a:solidFill>
+                <a:latin typeface="Arial Unicode MS"/>
+                <a:ea typeface="inherit"/>
+              </a:rPr>
+              <a:t>app.get</a:t>
+            </a:r>
+            <a:r>
+              <a:rPr lang="en-US" altLang="en-US" sz="1000" dirty="0">
+                <a:solidFill>
+                  <a:srgbClr val="A9B7C6"/>
+                </a:solidFill>
+                <a:latin typeface="Arial Unicode MS"/>
+                <a:ea typeface="inherit"/>
+              </a:rPr>
+              <a:t>(</a:t>
+            </a:r>
+            <a:r>
+              <a:rPr lang="en-US" altLang="en-US" sz="1000" dirty="0">
+                <a:solidFill>
+                  <a:srgbClr val="6A8759"/>
+                </a:solidFill>
+                <a:latin typeface="Arial Unicode MS"/>
+                <a:ea typeface="inherit"/>
+              </a:rPr>
+              <a:t>'/'</a:t>
+            </a:r>
+            <a:r>
+              <a:rPr lang="en-US" altLang="en-US" sz="1000" dirty="0">
+                <a:solidFill>
+                  <a:srgbClr val="A9B7C6"/>
+                </a:solidFill>
+                <a:latin typeface="Arial Unicode MS"/>
+                <a:ea typeface="inherit"/>
+              </a:rPr>
+              <a:t>, </a:t>
+            </a:r>
+            <a:r>
+              <a:rPr lang="en-US" altLang="en-US" sz="1000" dirty="0">
+                <a:solidFill>
+                  <a:srgbClr val="CC7832"/>
+                </a:solidFill>
+                <a:latin typeface="Arial Unicode MS"/>
+                <a:ea typeface="inherit"/>
+              </a:rPr>
+              <a:t>function</a:t>
+            </a:r>
+            <a:r>
+              <a:rPr lang="en-US" altLang="en-US" sz="1000" dirty="0">
+                <a:solidFill>
+                  <a:srgbClr val="A9B7C6"/>
+                </a:solidFill>
+                <a:latin typeface="Arial Unicode MS"/>
+                <a:ea typeface="inherit"/>
+              </a:rPr>
+              <a:t>(</a:t>
+            </a:r>
+            <a:r>
+              <a:rPr lang="en-US" altLang="en-US" sz="1000" dirty="0" err="1">
+                <a:solidFill>
+                  <a:srgbClr val="A9B7C6"/>
+                </a:solidFill>
+                <a:latin typeface="Arial Unicode MS"/>
+                <a:ea typeface="inherit"/>
+              </a:rPr>
+              <a:t>req</a:t>
+            </a:r>
+            <a:r>
+              <a:rPr lang="en-US" altLang="en-US" sz="1000" dirty="0">
+                <a:solidFill>
+                  <a:srgbClr val="A9B7C6"/>
+                </a:solidFill>
+                <a:latin typeface="Arial Unicode MS"/>
+                <a:ea typeface="inherit"/>
+              </a:rPr>
+              <a:t>, res) {</a:t>
+            </a:r>
+          </a:p>
+          <a:p>
+            <a:pPr marL="0" indent="0" eaLnBrk="0" fontAlgn="base" hangingPunct="0">
+              <a:spcBef>
+                <a:spcPct val="0"/>
+              </a:spcBef>
+              <a:spcAft>
+                <a:spcPct val="0"/>
+              </a:spcAft>
+              <a:buClrTx/>
+              <a:buFontTx/>
+              <a:buNone/>
+            </a:pPr>
+            <a:r>
+              <a:rPr lang="en-US" altLang="en-US" sz="1000" dirty="0">
+                <a:solidFill>
+                  <a:srgbClr val="A9B7C6"/>
+                </a:solidFill>
+                <a:latin typeface="Arial Unicode MS"/>
+                <a:ea typeface="inherit"/>
+              </a:rPr>
+              <a:t>  </a:t>
+            </a:r>
+            <a:r>
+              <a:rPr lang="en-US" altLang="en-US" sz="1000" dirty="0" err="1">
+                <a:solidFill>
+                  <a:srgbClr val="A9B7C6"/>
+                </a:solidFill>
+                <a:latin typeface="Arial Unicode MS"/>
+                <a:ea typeface="inherit"/>
+              </a:rPr>
+              <a:t>res.send</a:t>
+            </a:r>
+            <a:r>
+              <a:rPr lang="en-US" altLang="en-US" sz="1000" dirty="0">
+                <a:solidFill>
+                  <a:srgbClr val="A9B7C6"/>
+                </a:solidFill>
+                <a:latin typeface="Arial Unicode MS"/>
+                <a:ea typeface="inherit"/>
+              </a:rPr>
+              <a:t>(</a:t>
+            </a:r>
+            <a:r>
+              <a:rPr lang="en-US" altLang="en-US" sz="1000" dirty="0">
+                <a:solidFill>
+                  <a:srgbClr val="6A8759"/>
+                </a:solidFill>
+                <a:latin typeface="Arial Unicode MS"/>
+                <a:ea typeface="inherit"/>
+              </a:rPr>
+              <a:t>'Hello world'</a:t>
+            </a:r>
+            <a:r>
+              <a:rPr lang="en-US" altLang="en-US" sz="1000" dirty="0">
+                <a:solidFill>
+                  <a:srgbClr val="A9B7C6"/>
+                </a:solidFill>
+                <a:latin typeface="Arial Unicode MS"/>
+                <a:ea typeface="inherit"/>
+              </a:rPr>
+              <a:t>);</a:t>
+            </a:r>
+          </a:p>
+          <a:p>
+            <a:pPr marL="0" indent="0" eaLnBrk="0" fontAlgn="base" hangingPunct="0">
+              <a:spcBef>
+                <a:spcPct val="0"/>
+              </a:spcBef>
+              <a:spcAft>
+                <a:spcPct val="0"/>
+              </a:spcAft>
+              <a:buClrTx/>
+              <a:buFontTx/>
+              <a:buNone/>
+            </a:pPr>
+            <a:r>
+              <a:rPr lang="en-US" altLang="en-US" sz="1000" dirty="0">
+                <a:solidFill>
+                  <a:srgbClr val="A9B7C6"/>
+                </a:solidFill>
+                <a:latin typeface="Arial Unicode MS"/>
+                <a:ea typeface="inherit"/>
+              </a:rPr>
+              <a:t>})</a:t>
+            </a:r>
+          </a:p>
+          <a:p>
+            <a:pPr marL="0" indent="0" eaLnBrk="0" fontAlgn="base" hangingPunct="0">
+              <a:spcBef>
+                <a:spcPct val="0"/>
+              </a:spcBef>
+              <a:spcAft>
+                <a:spcPct val="0"/>
+              </a:spcAft>
+              <a:buClrTx/>
+              <a:buFontTx/>
+              <a:buNone/>
+            </a:pPr>
+            <a:r>
+              <a:rPr lang="en-US" altLang="en-US" sz="1000" dirty="0" err="1">
+                <a:solidFill>
+                  <a:srgbClr val="A9B7C6"/>
+                </a:solidFill>
+                <a:latin typeface="Arial Unicode MS"/>
+                <a:ea typeface="inherit"/>
+              </a:rPr>
+              <a:t>app.get</a:t>
+            </a:r>
+            <a:r>
+              <a:rPr lang="en-US" altLang="en-US" sz="1000" dirty="0">
+                <a:solidFill>
+                  <a:srgbClr val="A9B7C6"/>
+                </a:solidFill>
+                <a:latin typeface="Arial Unicode MS"/>
+                <a:ea typeface="inherit"/>
+              </a:rPr>
+              <a:t>(</a:t>
+            </a:r>
+            <a:r>
+              <a:rPr lang="en-US" altLang="en-US" sz="1000" dirty="0">
+                <a:solidFill>
+                  <a:srgbClr val="6A8759"/>
+                </a:solidFill>
+                <a:latin typeface="Arial Unicode MS"/>
+                <a:ea typeface="inherit"/>
+              </a:rPr>
+              <a:t>'/</a:t>
+            </a:r>
+            <a:r>
+              <a:rPr lang="en-US" altLang="en-US" sz="1000" dirty="0" err="1">
+                <a:solidFill>
+                  <a:srgbClr val="6A8759"/>
+                </a:solidFill>
+                <a:latin typeface="Arial Unicode MS"/>
+                <a:ea typeface="inherit"/>
+              </a:rPr>
+              <a:t>webhook</a:t>
+            </a:r>
+            <a:r>
+              <a:rPr lang="en-US" altLang="en-US" sz="1000" dirty="0">
+                <a:solidFill>
+                  <a:srgbClr val="6A8759"/>
+                </a:solidFill>
+                <a:latin typeface="Arial Unicode MS"/>
+                <a:ea typeface="inherit"/>
+              </a:rPr>
+              <a:t>'</a:t>
+            </a:r>
+            <a:r>
+              <a:rPr lang="en-US" altLang="en-US" sz="1000" dirty="0">
+                <a:solidFill>
+                  <a:srgbClr val="A9B7C6"/>
+                </a:solidFill>
+                <a:latin typeface="Arial Unicode MS"/>
+                <a:ea typeface="inherit"/>
+              </a:rPr>
+              <a:t>, </a:t>
+            </a:r>
+            <a:r>
+              <a:rPr lang="en-US" altLang="en-US" sz="1000" dirty="0">
+                <a:solidFill>
+                  <a:srgbClr val="CC7832"/>
+                </a:solidFill>
+                <a:latin typeface="Arial Unicode MS"/>
+                <a:ea typeface="inherit"/>
+              </a:rPr>
+              <a:t>function</a:t>
+            </a:r>
+            <a:r>
+              <a:rPr lang="en-US" altLang="en-US" sz="1000" dirty="0">
+                <a:solidFill>
+                  <a:srgbClr val="A9B7C6"/>
+                </a:solidFill>
+                <a:latin typeface="Arial Unicode MS"/>
+                <a:ea typeface="inherit"/>
+              </a:rPr>
+              <a:t>(</a:t>
+            </a:r>
+            <a:r>
+              <a:rPr lang="en-US" altLang="en-US" sz="1000" dirty="0" err="1">
+                <a:solidFill>
+                  <a:srgbClr val="A9B7C6"/>
+                </a:solidFill>
+                <a:latin typeface="Arial Unicode MS"/>
+                <a:ea typeface="inherit"/>
+              </a:rPr>
+              <a:t>req</a:t>
+            </a:r>
+            <a:r>
+              <a:rPr lang="en-US" altLang="en-US" sz="1000" dirty="0">
+                <a:solidFill>
+                  <a:srgbClr val="A9B7C6"/>
+                </a:solidFill>
+                <a:latin typeface="Arial Unicode MS"/>
+                <a:ea typeface="inherit"/>
+              </a:rPr>
+              <a:t>, res) {</a:t>
+            </a:r>
+          </a:p>
+          <a:p>
+            <a:pPr marL="0" indent="0" eaLnBrk="0" fontAlgn="base" hangingPunct="0">
+              <a:spcBef>
+                <a:spcPct val="0"/>
+              </a:spcBef>
+              <a:spcAft>
+                <a:spcPct val="0"/>
+              </a:spcAft>
+              <a:buClrTx/>
+              <a:buFontTx/>
+              <a:buNone/>
+            </a:pPr>
+            <a:r>
+              <a:rPr lang="en-US" altLang="en-US" sz="1000" dirty="0">
+                <a:solidFill>
+                  <a:srgbClr val="CC7832"/>
+                </a:solidFill>
+                <a:latin typeface="Arial Unicode MS"/>
+                <a:ea typeface="inherit"/>
+              </a:rPr>
+              <a:t>  if</a:t>
+            </a:r>
+            <a:r>
+              <a:rPr lang="en-US" altLang="en-US" sz="1000" dirty="0">
+                <a:solidFill>
+                  <a:srgbClr val="A9B7C6"/>
+                </a:solidFill>
+                <a:latin typeface="Arial Unicode MS"/>
+                <a:ea typeface="inherit"/>
+              </a:rPr>
+              <a:t> (</a:t>
+            </a:r>
+            <a:r>
+              <a:rPr lang="en-US" altLang="en-US" sz="1000" dirty="0" err="1">
+                <a:solidFill>
+                  <a:srgbClr val="A9B7C6"/>
+                </a:solidFill>
+                <a:latin typeface="Arial Unicode MS"/>
+                <a:ea typeface="inherit"/>
+              </a:rPr>
+              <a:t>req.query</a:t>
+            </a:r>
+            <a:r>
+              <a:rPr lang="en-US" altLang="en-US" sz="1000" dirty="0">
+                <a:solidFill>
+                  <a:srgbClr val="A9B7C6"/>
+                </a:solidFill>
+                <a:latin typeface="Arial Unicode MS"/>
+                <a:ea typeface="inherit"/>
+              </a:rPr>
+              <a:t>[</a:t>
+            </a:r>
+            <a:r>
+              <a:rPr lang="en-US" altLang="en-US" sz="1000" dirty="0">
+                <a:solidFill>
+                  <a:srgbClr val="6A8759"/>
+                </a:solidFill>
+                <a:latin typeface="Arial Unicode MS"/>
+                <a:ea typeface="inherit"/>
+              </a:rPr>
+              <a:t>'</a:t>
+            </a:r>
+            <a:r>
+              <a:rPr lang="en-US" altLang="en-US" sz="1000" dirty="0" err="1">
+                <a:solidFill>
+                  <a:srgbClr val="6A8759"/>
+                </a:solidFill>
+                <a:latin typeface="Arial Unicode MS"/>
+                <a:ea typeface="inherit"/>
+              </a:rPr>
+              <a:t>hub.verify_token</a:t>
+            </a:r>
+            <a:r>
+              <a:rPr lang="en-US" altLang="en-US" sz="1000" dirty="0">
+                <a:solidFill>
+                  <a:srgbClr val="6A8759"/>
+                </a:solidFill>
+                <a:latin typeface="Arial Unicode MS"/>
+                <a:ea typeface="inherit"/>
+              </a:rPr>
+              <a:t>'</a:t>
+            </a:r>
+            <a:r>
+              <a:rPr lang="en-US" altLang="en-US" sz="1000" dirty="0">
+                <a:solidFill>
+                  <a:srgbClr val="A9B7C6"/>
+                </a:solidFill>
+                <a:latin typeface="Arial Unicode MS"/>
+                <a:ea typeface="inherit"/>
+              </a:rPr>
+              <a:t>] === </a:t>
+            </a:r>
+            <a:r>
+              <a:rPr lang="en-US" altLang="en-US" sz="1000" dirty="0">
+                <a:solidFill>
+                  <a:srgbClr val="6A8759"/>
+                </a:solidFill>
+                <a:latin typeface="Arial Unicode MS"/>
+                <a:ea typeface="inherit"/>
+              </a:rPr>
+              <a:t>'VERIFY_TOKEN'</a:t>
+            </a:r>
+            <a:r>
+              <a:rPr lang="en-US" altLang="en-US" sz="1000" dirty="0">
+                <a:solidFill>
+                  <a:srgbClr val="A9B7C6"/>
+                </a:solidFill>
+                <a:latin typeface="Arial Unicode MS"/>
+                <a:ea typeface="inherit"/>
+              </a:rPr>
+              <a:t>) {</a:t>
+            </a:r>
+          </a:p>
+          <a:p>
+            <a:pPr marL="0" indent="0" eaLnBrk="0" fontAlgn="base" hangingPunct="0">
+              <a:spcBef>
+                <a:spcPct val="0"/>
+              </a:spcBef>
+              <a:spcAft>
+                <a:spcPct val="0"/>
+              </a:spcAft>
+              <a:buClrTx/>
+              <a:buFontTx/>
+              <a:buNone/>
+            </a:pPr>
+            <a:r>
+              <a:rPr lang="en-US" altLang="en-US" sz="1000" dirty="0">
+                <a:solidFill>
+                  <a:srgbClr val="A9B7C6"/>
+                </a:solidFill>
+                <a:latin typeface="Arial Unicode MS"/>
+                <a:ea typeface="inherit"/>
+              </a:rPr>
+              <a:t>    </a:t>
+            </a:r>
+            <a:r>
+              <a:rPr lang="en-US" altLang="en-US" sz="1000" dirty="0" err="1">
+                <a:solidFill>
+                  <a:srgbClr val="A9B7C6"/>
+                </a:solidFill>
+                <a:latin typeface="Arial Unicode MS"/>
+                <a:ea typeface="inherit"/>
+              </a:rPr>
+              <a:t>res.send</a:t>
+            </a:r>
+            <a:r>
+              <a:rPr lang="en-US" altLang="en-US" sz="1000" dirty="0">
+                <a:solidFill>
+                  <a:srgbClr val="A9B7C6"/>
+                </a:solidFill>
+                <a:latin typeface="Arial Unicode MS"/>
+                <a:ea typeface="inherit"/>
+              </a:rPr>
+              <a:t>(</a:t>
+            </a:r>
+            <a:r>
+              <a:rPr lang="en-US" altLang="en-US" sz="1000" dirty="0" err="1">
+                <a:solidFill>
+                  <a:srgbClr val="A9B7C6"/>
+                </a:solidFill>
+                <a:latin typeface="Arial Unicode MS"/>
+                <a:ea typeface="inherit"/>
+              </a:rPr>
+              <a:t>req.query</a:t>
+            </a:r>
+            <a:r>
+              <a:rPr lang="en-US" altLang="en-US" sz="1000" dirty="0">
+                <a:solidFill>
+                  <a:srgbClr val="A9B7C6"/>
+                </a:solidFill>
+                <a:latin typeface="Arial Unicode MS"/>
+                <a:ea typeface="inherit"/>
+              </a:rPr>
+              <a:t>[</a:t>
+            </a:r>
+            <a:r>
+              <a:rPr lang="en-US" altLang="en-US" sz="1000" dirty="0">
+                <a:solidFill>
+                  <a:srgbClr val="6A8759"/>
+                </a:solidFill>
+                <a:latin typeface="Arial Unicode MS"/>
+                <a:ea typeface="inherit"/>
+              </a:rPr>
+              <a:t>'</a:t>
+            </a:r>
+            <a:r>
+              <a:rPr lang="en-US" altLang="en-US" sz="1000" dirty="0" err="1">
+                <a:solidFill>
+                  <a:srgbClr val="6A8759"/>
+                </a:solidFill>
+                <a:latin typeface="Arial Unicode MS"/>
+                <a:ea typeface="inherit"/>
+              </a:rPr>
+              <a:t>hub.challenge</a:t>
+            </a:r>
+            <a:r>
+              <a:rPr lang="en-US" altLang="en-US" sz="1000" dirty="0">
+                <a:solidFill>
+                  <a:srgbClr val="6A8759"/>
+                </a:solidFill>
+                <a:latin typeface="Arial Unicode MS"/>
+                <a:ea typeface="inherit"/>
+              </a:rPr>
+              <a:t>'</a:t>
+            </a:r>
+            <a:r>
+              <a:rPr lang="en-US" altLang="en-US" sz="1000" dirty="0">
+                <a:solidFill>
+                  <a:srgbClr val="A9B7C6"/>
+                </a:solidFill>
+                <a:latin typeface="Arial Unicode MS"/>
+                <a:ea typeface="inherit"/>
+              </a:rPr>
+              <a:t>]);</a:t>
+            </a:r>
+          </a:p>
+          <a:p>
+            <a:pPr marL="0" indent="0" eaLnBrk="0" fontAlgn="base" hangingPunct="0">
+              <a:spcBef>
+                <a:spcPct val="0"/>
+              </a:spcBef>
+              <a:spcAft>
+                <a:spcPct val="0"/>
+              </a:spcAft>
+              <a:buClrTx/>
+              <a:buFontTx/>
+              <a:buNone/>
+            </a:pPr>
+            <a:r>
+              <a:rPr lang="en-US" altLang="en-US" sz="1000" dirty="0">
+                <a:solidFill>
+                  <a:srgbClr val="A9B7C6"/>
+                </a:solidFill>
+                <a:latin typeface="Arial Unicode MS"/>
+                <a:ea typeface="inherit"/>
+              </a:rPr>
+              <a:t>  }</a:t>
+            </a:r>
+          </a:p>
+          <a:p>
+            <a:pPr marL="0" indent="0" eaLnBrk="0" fontAlgn="base" hangingPunct="0">
+              <a:spcBef>
+                <a:spcPct val="0"/>
+              </a:spcBef>
+              <a:spcAft>
+                <a:spcPct val="0"/>
+              </a:spcAft>
+              <a:buClrTx/>
+              <a:buFontTx/>
+              <a:buNone/>
+            </a:pPr>
+            <a:r>
+              <a:rPr lang="en-US" altLang="en-US" sz="1000" dirty="0">
+                <a:solidFill>
+                  <a:srgbClr val="A9B7C6"/>
+                </a:solidFill>
+                <a:latin typeface="Arial Unicode MS"/>
+                <a:ea typeface="inherit"/>
+              </a:rPr>
+              <a:t>  </a:t>
+            </a:r>
+            <a:r>
+              <a:rPr lang="en-US" altLang="en-US" sz="1000" dirty="0" err="1">
+                <a:solidFill>
+                  <a:srgbClr val="A9B7C6"/>
+                </a:solidFill>
+                <a:latin typeface="Arial Unicode MS"/>
+                <a:ea typeface="inherit"/>
+              </a:rPr>
+              <a:t>res.send</a:t>
+            </a:r>
+            <a:r>
+              <a:rPr lang="en-US" altLang="en-US" sz="1000" dirty="0">
+                <a:solidFill>
+                  <a:srgbClr val="A9B7C6"/>
+                </a:solidFill>
+                <a:latin typeface="Arial Unicode MS"/>
+                <a:ea typeface="inherit"/>
+              </a:rPr>
+              <a:t>(</a:t>
+            </a:r>
+            <a:r>
+              <a:rPr lang="en-US" altLang="en-US" sz="1000" dirty="0">
+                <a:solidFill>
+                  <a:srgbClr val="6A8759"/>
+                </a:solidFill>
+                <a:latin typeface="Arial Unicode MS"/>
+                <a:ea typeface="inherit"/>
+              </a:rPr>
+              <a:t>'Error, wrong token'</a:t>
+            </a:r>
+            <a:r>
+              <a:rPr lang="en-US" altLang="en-US" sz="1000" dirty="0">
+                <a:solidFill>
+                  <a:srgbClr val="A9B7C6"/>
+                </a:solidFill>
+                <a:latin typeface="Arial Unicode MS"/>
+                <a:ea typeface="inherit"/>
+              </a:rPr>
+              <a:t>);</a:t>
+            </a:r>
+          </a:p>
+          <a:p>
+            <a:pPr marL="0" indent="0" eaLnBrk="0" fontAlgn="base" hangingPunct="0">
+              <a:spcBef>
+                <a:spcPct val="0"/>
+              </a:spcBef>
+              <a:spcAft>
+                <a:spcPct val="0"/>
+              </a:spcAft>
+              <a:buClrTx/>
+              <a:buFontTx/>
+              <a:buNone/>
+            </a:pPr>
+            <a:r>
+              <a:rPr lang="en-US" altLang="en-US" sz="1000" dirty="0">
+                <a:solidFill>
+                  <a:srgbClr val="A9B7C6"/>
+                </a:solidFill>
+                <a:latin typeface="Arial Unicode MS"/>
+                <a:ea typeface="inherit"/>
+              </a:rPr>
+              <a:t>})</a:t>
+            </a:r>
+          </a:p>
+          <a:p>
+            <a:pPr marL="0" indent="0" eaLnBrk="0" fontAlgn="base" hangingPunct="0">
+              <a:spcBef>
+                <a:spcPct val="0"/>
+              </a:spcBef>
+              <a:spcAft>
+                <a:spcPct val="0"/>
+              </a:spcAft>
+              <a:buClrTx/>
+              <a:buFontTx/>
+              <a:buNone/>
+            </a:pPr>
+            <a:r>
+              <a:rPr lang="en-US" altLang="en-US" sz="1000" dirty="0" err="1">
+                <a:solidFill>
+                  <a:srgbClr val="A9B7C6"/>
+                </a:solidFill>
+                <a:latin typeface="Arial Unicode MS"/>
+                <a:ea typeface="inherit"/>
+              </a:rPr>
+              <a:t>app.post</a:t>
+            </a:r>
+            <a:r>
+              <a:rPr lang="en-US" altLang="en-US" sz="1000" dirty="0">
+                <a:solidFill>
+                  <a:srgbClr val="A9B7C6"/>
+                </a:solidFill>
+                <a:latin typeface="Arial Unicode MS"/>
+                <a:ea typeface="inherit"/>
+              </a:rPr>
+              <a:t>(</a:t>
+            </a:r>
+            <a:r>
+              <a:rPr lang="en-US" altLang="en-US" sz="1000" dirty="0">
+                <a:solidFill>
+                  <a:srgbClr val="6A8759"/>
+                </a:solidFill>
+                <a:latin typeface="Arial Unicode MS"/>
+                <a:ea typeface="inherit"/>
+              </a:rPr>
+              <a:t>"/</a:t>
+            </a:r>
+            <a:r>
+              <a:rPr lang="en-US" altLang="en-US" sz="1000" dirty="0" err="1">
+                <a:solidFill>
+                  <a:srgbClr val="6A8759"/>
+                </a:solidFill>
+                <a:latin typeface="Arial Unicode MS"/>
+                <a:ea typeface="inherit"/>
+              </a:rPr>
+              <a:t>webhook</a:t>
+            </a:r>
+            <a:r>
+              <a:rPr lang="en-US" altLang="en-US" sz="1000" dirty="0">
+                <a:solidFill>
+                  <a:srgbClr val="6A8759"/>
+                </a:solidFill>
+                <a:latin typeface="Arial Unicode MS"/>
+                <a:ea typeface="inherit"/>
+              </a:rPr>
+              <a:t>"</a:t>
+            </a:r>
+            <a:r>
+              <a:rPr lang="en-US" altLang="en-US" sz="1000" dirty="0">
+                <a:solidFill>
+                  <a:srgbClr val="A9B7C6"/>
+                </a:solidFill>
+                <a:latin typeface="Arial Unicode MS"/>
+                <a:ea typeface="inherit"/>
+              </a:rPr>
+              <a:t>, </a:t>
+            </a:r>
+            <a:r>
+              <a:rPr lang="en-US" altLang="en-US" sz="1000" dirty="0">
+                <a:solidFill>
+                  <a:srgbClr val="CC7832"/>
+                </a:solidFill>
+                <a:latin typeface="Arial Unicode MS"/>
+                <a:ea typeface="inherit"/>
+              </a:rPr>
+              <a:t>function</a:t>
+            </a:r>
+            <a:r>
+              <a:rPr lang="en-US" altLang="en-US" sz="1000" dirty="0">
+                <a:solidFill>
+                  <a:srgbClr val="A9B7C6"/>
+                </a:solidFill>
+                <a:latin typeface="Arial Unicode MS"/>
+                <a:ea typeface="inherit"/>
+              </a:rPr>
+              <a:t>(</a:t>
+            </a:r>
+            <a:r>
+              <a:rPr lang="en-US" altLang="en-US" sz="1000" dirty="0" err="1">
+                <a:solidFill>
+                  <a:srgbClr val="A9B7C6"/>
+                </a:solidFill>
+                <a:latin typeface="Arial Unicode MS"/>
+                <a:ea typeface="inherit"/>
+              </a:rPr>
+              <a:t>req</a:t>
+            </a:r>
+            <a:r>
+              <a:rPr lang="en-US" altLang="en-US" sz="1000" dirty="0">
+                <a:solidFill>
+                  <a:srgbClr val="A9B7C6"/>
+                </a:solidFill>
+                <a:latin typeface="Arial Unicode MS"/>
+                <a:ea typeface="inherit"/>
+              </a:rPr>
+              <a:t>, res) {</a:t>
+            </a:r>
+          </a:p>
+          <a:p>
+            <a:pPr marL="0" indent="0" eaLnBrk="0" fontAlgn="base" hangingPunct="0">
+              <a:spcBef>
+                <a:spcPct val="0"/>
+              </a:spcBef>
+              <a:spcAft>
+                <a:spcPct val="0"/>
+              </a:spcAft>
+              <a:buClrTx/>
+              <a:buFontTx/>
+              <a:buNone/>
+            </a:pPr>
+            <a:r>
+              <a:rPr lang="en-US" altLang="en-US" sz="1000" dirty="0">
+                <a:solidFill>
+                  <a:srgbClr val="A9B7C6"/>
+                </a:solidFill>
+                <a:latin typeface="Arial Unicode MS"/>
+                <a:ea typeface="inherit"/>
+              </a:rPr>
+              <a:t>  </a:t>
+            </a:r>
+            <a:r>
+              <a:rPr lang="en-US" altLang="en-US" sz="1000" dirty="0" err="1">
+                <a:solidFill>
+                  <a:srgbClr val="CC7832"/>
+                </a:solidFill>
+                <a:latin typeface="Arial Unicode MS"/>
+                <a:ea typeface="inherit"/>
+              </a:rPr>
+              <a:t>var</a:t>
+            </a:r>
+            <a:r>
+              <a:rPr lang="en-US" altLang="en-US" sz="1000" dirty="0">
+                <a:solidFill>
+                  <a:srgbClr val="A9B7C6"/>
+                </a:solidFill>
+                <a:latin typeface="Arial Unicode MS"/>
+                <a:ea typeface="inherit"/>
+              </a:rPr>
+              <a:t> data = </a:t>
+            </a:r>
+            <a:r>
+              <a:rPr lang="en-US" altLang="en-US" sz="1000" dirty="0" err="1">
+                <a:solidFill>
+                  <a:srgbClr val="A9B7C6"/>
+                </a:solidFill>
+                <a:latin typeface="Arial Unicode MS"/>
+                <a:ea typeface="inherit"/>
+              </a:rPr>
+              <a:t>req.body</a:t>
+            </a:r>
+            <a:r>
+              <a:rPr lang="en-US" altLang="en-US" sz="1000" dirty="0">
+                <a:solidFill>
+                  <a:srgbClr val="A9B7C6"/>
+                </a:solidFill>
+                <a:latin typeface="Arial Unicode MS"/>
+                <a:ea typeface="inherit"/>
+              </a:rPr>
+              <a:t>;</a:t>
+            </a:r>
+          </a:p>
+          <a:p>
+            <a:pPr marL="0" indent="0" eaLnBrk="0" fontAlgn="base" hangingPunct="0">
+              <a:spcBef>
+                <a:spcPct val="0"/>
+              </a:spcBef>
+              <a:spcAft>
+                <a:spcPct val="0"/>
+              </a:spcAft>
+              <a:buClrTx/>
+              <a:buFontTx/>
+              <a:buNone/>
+            </a:pPr>
+            <a:r>
+              <a:rPr lang="en-US" altLang="en-US" sz="1000" dirty="0">
+                <a:solidFill>
+                  <a:srgbClr val="A9B7C6"/>
+                </a:solidFill>
+                <a:latin typeface="Arial Unicode MS"/>
+                <a:ea typeface="inherit"/>
+              </a:rPr>
+              <a:t>  console.log(data);</a:t>
+            </a:r>
+          </a:p>
+          <a:p>
+            <a:pPr marL="0" indent="0" eaLnBrk="0" fontAlgn="base" hangingPunct="0">
+              <a:spcBef>
+                <a:spcPct val="0"/>
+              </a:spcBef>
+              <a:spcAft>
+                <a:spcPct val="0"/>
+              </a:spcAft>
+              <a:buClrTx/>
+              <a:buFontTx/>
+              <a:buNone/>
+            </a:pPr>
+            <a:r>
+              <a:rPr lang="en-US" altLang="en-US" sz="1000" dirty="0">
+                <a:solidFill>
+                  <a:srgbClr val="CC7832"/>
+                </a:solidFill>
+                <a:latin typeface="Arial Unicode MS"/>
+                <a:ea typeface="inherit"/>
+              </a:rPr>
+              <a:t>  if</a:t>
+            </a:r>
+            <a:r>
+              <a:rPr lang="en-US" altLang="en-US" sz="1000" dirty="0">
+                <a:solidFill>
+                  <a:srgbClr val="A9B7C6"/>
+                </a:solidFill>
+                <a:latin typeface="Arial Unicode MS"/>
+                <a:ea typeface="inherit"/>
+              </a:rPr>
+              <a:t> (</a:t>
+            </a:r>
+            <a:r>
+              <a:rPr lang="en-US" altLang="en-US" sz="1000" dirty="0" err="1">
+                <a:solidFill>
+                  <a:srgbClr val="A9B7C6"/>
+                </a:solidFill>
+                <a:latin typeface="Arial Unicode MS"/>
+                <a:ea typeface="inherit"/>
+              </a:rPr>
+              <a:t>data.object</a:t>
+            </a:r>
+            <a:r>
+              <a:rPr lang="en-US" altLang="en-US" sz="1000" dirty="0">
+                <a:solidFill>
+                  <a:srgbClr val="A9B7C6"/>
+                </a:solidFill>
+                <a:latin typeface="Arial Unicode MS"/>
+                <a:ea typeface="inherit"/>
+              </a:rPr>
+              <a:t> == </a:t>
+            </a:r>
+            <a:r>
+              <a:rPr lang="en-US" altLang="en-US" sz="1000" dirty="0">
+                <a:solidFill>
+                  <a:srgbClr val="6A8759"/>
+                </a:solidFill>
+                <a:latin typeface="Arial Unicode MS"/>
+                <a:ea typeface="inherit"/>
+              </a:rPr>
+              <a:t>'page'</a:t>
+            </a:r>
+            <a:r>
+              <a:rPr lang="en-US" altLang="en-US" sz="1000" dirty="0">
+                <a:solidFill>
+                  <a:srgbClr val="A9B7C6"/>
+                </a:solidFill>
+                <a:latin typeface="Arial Unicode MS"/>
+                <a:ea typeface="inherit"/>
+              </a:rPr>
+              <a:t>) {</a:t>
+            </a:r>
+          </a:p>
+          <a:p>
+            <a:pPr marL="0" indent="0" eaLnBrk="0" fontAlgn="base" hangingPunct="0">
+              <a:spcBef>
+                <a:spcPct val="0"/>
+              </a:spcBef>
+              <a:spcAft>
+                <a:spcPct val="0"/>
+              </a:spcAft>
+              <a:buClrTx/>
+              <a:buFontTx/>
+              <a:buNone/>
+            </a:pPr>
+            <a:r>
+              <a:rPr lang="en-US" altLang="en-US" sz="1000" dirty="0">
+                <a:solidFill>
+                  <a:srgbClr val="A9B7C6"/>
+                </a:solidFill>
+                <a:latin typeface="Arial Unicode MS"/>
+                <a:ea typeface="inherit"/>
+              </a:rPr>
+              <a:t>    </a:t>
+            </a:r>
+            <a:r>
+              <a:rPr lang="en-US" altLang="en-US" sz="1000" dirty="0" err="1">
+                <a:solidFill>
+                  <a:srgbClr val="A9B7C6"/>
+                </a:solidFill>
+                <a:latin typeface="Arial Unicode MS"/>
+                <a:ea typeface="inherit"/>
+              </a:rPr>
+              <a:t>data.entry.forEach</a:t>
+            </a:r>
+            <a:r>
+              <a:rPr lang="en-US" altLang="en-US" sz="1000" dirty="0">
+                <a:solidFill>
+                  <a:srgbClr val="A9B7C6"/>
+                </a:solidFill>
+                <a:latin typeface="Arial Unicode MS"/>
+                <a:ea typeface="inherit"/>
+              </a:rPr>
+              <a:t>(</a:t>
+            </a:r>
+            <a:r>
+              <a:rPr lang="en-US" altLang="en-US" sz="1000" dirty="0">
+                <a:solidFill>
+                  <a:srgbClr val="CC7832"/>
+                </a:solidFill>
+                <a:latin typeface="Arial Unicode MS"/>
+                <a:ea typeface="inherit"/>
+              </a:rPr>
+              <a:t>function</a:t>
+            </a:r>
+            <a:r>
+              <a:rPr lang="en-US" altLang="en-US" sz="1000" dirty="0">
+                <a:solidFill>
+                  <a:srgbClr val="A9B7C6"/>
+                </a:solidFill>
+                <a:latin typeface="Arial Unicode MS"/>
+                <a:ea typeface="inherit"/>
+              </a:rPr>
+              <a:t>(</a:t>
+            </a:r>
+            <a:r>
+              <a:rPr lang="en-US" altLang="en-US" sz="1000" dirty="0" err="1">
+                <a:solidFill>
+                  <a:srgbClr val="A9B7C6"/>
+                </a:solidFill>
+                <a:latin typeface="Arial Unicode MS"/>
+                <a:ea typeface="inherit"/>
+              </a:rPr>
+              <a:t>pageEntry</a:t>
+            </a:r>
+            <a:r>
+              <a:rPr lang="en-US" altLang="en-US" sz="1000" dirty="0">
+                <a:solidFill>
+                  <a:srgbClr val="A9B7C6"/>
+                </a:solidFill>
+                <a:latin typeface="Arial Unicode MS"/>
+                <a:ea typeface="inherit"/>
+              </a:rPr>
+              <a:t>) {</a:t>
+            </a:r>
+          </a:p>
+          <a:p>
+            <a:pPr marL="0" indent="0" eaLnBrk="0" fontAlgn="base" hangingPunct="0">
+              <a:spcBef>
+                <a:spcPct val="0"/>
+              </a:spcBef>
+              <a:spcAft>
+                <a:spcPct val="0"/>
+              </a:spcAft>
+              <a:buClrTx/>
+              <a:buFontTx/>
+              <a:buNone/>
+            </a:pPr>
+            <a:r>
+              <a:rPr lang="en-US" altLang="en-US" sz="1000" dirty="0">
+                <a:solidFill>
+                  <a:srgbClr val="CC7832"/>
+                </a:solidFill>
+                <a:latin typeface="Arial Unicode MS"/>
+                <a:ea typeface="inherit"/>
+              </a:rPr>
+              <a:t>      </a:t>
+            </a:r>
+            <a:r>
+              <a:rPr lang="en-US" altLang="en-US" sz="1000" dirty="0" err="1">
+                <a:solidFill>
+                  <a:srgbClr val="CC7832"/>
+                </a:solidFill>
+                <a:latin typeface="Arial Unicode MS"/>
+                <a:ea typeface="inherit"/>
+              </a:rPr>
+              <a:t>var</a:t>
+            </a:r>
+            <a:r>
+              <a:rPr lang="en-US" altLang="en-US" sz="1000" dirty="0">
+                <a:solidFill>
+                  <a:srgbClr val="A9B7C6"/>
+                </a:solidFill>
+                <a:latin typeface="Arial Unicode MS"/>
+                <a:ea typeface="inherit"/>
+              </a:rPr>
+              <a:t> </a:t>
+            </a:r>
+            <a:r>
+              <a:rPr lang="en-US" altLang="en-US" sz="1000" dirty="0" err="1">
+                <a:solidFill>
+                  <a:srgbClr val="A9B7C6"/>
+                </a:solidFill>
+                <a:latin typeface="Arial Unicode MS"/>
+                <a:ea typeface="inherit"/>
+              </a:rPr>
+              <a:t>pageID</a:t>
+            </a:r>
+            <a:r>
+              <a:rPr lang="en-US" altLang="en-US" sz="1000" dirty="0">
+                <a:solidFill>
+                  <a:srgbClr val="A9B7C6"/>
+                </a:solidFill>
+                <a:latin typeface="Arial Unicode MS"/>
+                <a:ea typeface="inherit"/>
+              </a:rPr>
+              <a:t> = pageEntry.id;</a:t>
+            </a:r>
+          </a:p>
+          <a:p>
+            <a:pPr marL="0" indent="0" eaLnBrk="0" fontAlgn="base" hangingPunct="0">
+              <a:spcBef>
+                <a:spcPct val="0"/>
+              </a:spcBef>
+              <a:spcAft>
+                <a:spcPct val="0"/>
+              </a:spcAft>
+              <a:buClrTx/>
+              <a:buFontTx/>
+              <a:buNone/>
+            </a:pPr>
+            <a:r>
+              <a:rPr lang="en-US" altLang="en-US" sz="1000" dirty="0">
+                <a:solidFill>
+                  <a:srgbClr val="CC7832"/>
+                </a:solidFill>
+                <a:latin typeface="Arial Unicode MS"/>
+                <a:ea typeface="inherit"/>
+              </a:rPr>
+              <a:t>      </a:t>
+            </a:r>
+            <a:r>
+              <a:rPr lang="en-US" altLang="en-US" sz="1000" dirty="0" err="1">
+                <a:solidFill>
+                  <a:srgbClr val="CC7832"/>
+                </a:solidFill>
+                <a:latin typeface="Arial Unicode MS"/>
+                <a:ea typeface="inherit"/>
+              </a:rPr>
+              <a:t>var</a:t>
+            </a:r>
+            <a:r>
+              <a:rPr lang="en-US" altLang="en-US" sz="1000" dirty="0">
+                <a:solidFill>
+                  <a:srgbClr val="A9B7C6"/>
+                </a:solidFill>
+                <a:latin typeface="Arial Unicode MS"/>
+                <a:ea typeface="inherit"/>
+              </a:rPr>
+              <a:t> </a:t>
+            </a:r>
+            <a:r>
+              <a:rPr lang="en-US" altLang="en-US" sz="1000" dirty="0" err="1">
+                <a:solidFill>
+                  <a:srgbClr val="A9B7C6"/>
+                </a:solidFill>
+                <a:latin typeface="Arial Unicode MS"/>
+                <a:ea typeface="inherit"/>
+              </a:rPr>
+              <a:t>timeOfEvent</a:t>
+            </a:r>
+            <a:r>
+              <a:rPr lang="en-US" altLang="en-US" sz="1000" dirty="0">
+                <a:solidFill>
+                  <a:srgbClr val="A9B7C6"/>
+                </a:solidFill>
+                <a:latin typeface="Arial Unicode MS"/>
+                <a:ea typeface="inherit"/>
+              </a:rPr>
+              <a:t> = </a:t>
+            </a:r>
+            <a:r>
+              <a:rPr lang="en-US" altLang="en-US" sz="1000" dirty="0" err="1">
+                <a:solidFill>
+                  <a:srgbClr val="A9B7C6"/>
+                </a:solidFill>
+                <a:latin typeface="Arial Unicode MS"/>
+                <a:ea typeface="inherit"/>
+              </a:rPr>
+              <a:t>pageEntry.time</a:t>
+            </a:r>
+            <a:r>
+              <a:rPr lang="en-US" altLang="en-US" sz="1000" dirty="0">
+                <a:solidFill>
+                  <a:srgbClr val="A9B7C6"/>
+                </a:solidFill>
+                <a:latin typeface="Arial Unicode MS"/>
+                <a:ea typeface="inherit"/>
+              </a:rPr>
+              <a:t>;</a:t>
+            </a:r>
+          </a:p>
+          <a:p>
+            <a:pPr marL="0" indent="0" eaLnBrk="0" fontAlgn="base" hangingPunct="0">
+              <a:spcBef>
+                <a:spcPct val="0"/>
+              </a:spcBef>
+              <a:spcAft>
+                <a:spcPct val="0"/>
+              </a:spcAft>
+              <a:buClrTx/>
+              <a:buFontTx/>
+              <a:buNone/>
+            </a:pPr>
+            <a:r>
+              <a:rPr lang="en-US" altLang="en-US" sz="1000" dirty="0">
+                <a:solidFill>
+                  <a:srgbClr val="A9B7C6"/>
+                </a:solidFill>
+                <a:latin typeface="Arial Unicode MS"/>
+                <a:ea typeface="inherit"/>
+              </a:rPr>
+              <a:t>      </a:t>
+            </a:r>
+            <a:r>
+              <a:rPr lang="en-US" altLang="en-US" sz="1000" dirty="0" err="1">
+                <a:solidFill>
+                  <a:srgbClr val="A9B7C6"/>
+                </a:solidFill>
+                <a:latin typeface="Arial Unicode MS"/>
+                <a:ea typeface="inherit"/>
+              </a:rPr>
+              <a:t>pageEntry.messaging.forEach</a:t>
+            </a:r>
+            <a:r>
+              <a:rPr lang="en-US" altLang="en-US" sz="1000" dirty="0">
+                <a:solidFill>
+                  <a:srgbClr val="A9B7C6"/>
+                </a:solidFill>
+                <a:latin typeface="Arial Unicode MS"/>
+                <a:ea typeface="inherit"/>
+              </a:rPr>
+              <a:t>(</a:t>
+            </a:r>
+            <a:r>
+              <a:rPr lang="en-US" altLang="en-US" sz="1000" dirty="0">
+                <a:solidFill>
+                  <a:srgbClr val="CC7832"/>
+                </a:solidFill>
+                <a:latin typeface="Arial Unicode MS"/>
+                <a:ea typeface="inherit"/>
+              </a:rPr>
+              <a:t>function</a:t>
+            </a:r>
+            <a:r>
+              <a:rPr lang="en-US" altLang="en-US" sz="1000" dirty="0">
+                <a:solidFill>
+                  <a:srgbClr val="A9B7C6"/>
+                </a:solidFill>
+                <a:latin typeface="Arial Unicode MS"/>
+                <a:ea typeface="inherit"/>
+              </a:rPr>
+              <a:t>(</a:t>
+            </a:r>
+            <a:r>
+              <a:rPr lang="en-US" altLang="en-US" sz="1000" dirty="0" err="1">
+                <a:solidFill>
+                  <a:srgbClr val="A9B7C6"/>
+                </a:solidFill>
+                <a:latin typeface="Arial Unicode MS"/>
+                <a:ea typeface="inherit"/>
+              </a:rPr>
+              <a:t>messagingEvent</a:t>
+            </a:r>
+            <a:r>
+              <a:rPr lang="en-US" altLang="en-US" sz="1000" dirty="0">
+                <a:solidFill>
+                  <a:srgbClr val="A9B7C6"/>
+                </a:solidFill>
+                <a:latin typeface="Arial Unicode MS"/>
+                <a:ea typeface="inherit"/>
+              </a:rPr>
+              <a:t>) {</a:t>
+            </a:r>
+          </a:p>
+          <a:p>
+            <a:pPr marL="0" indent="0" eaLnBrk="0" fontAlgn="base" hangingPunct="0">
+              <a:spcBef>
+                <a:spcPct val="0"/>
+              </a:spcBef>
+              <a:spcAft>
+                <a:spcPct val="0"/>
+              </a:spcAft>
+              <a:buClrTx/>
+              <a:buFontTx/>
+              <a:buNone/>
+            </a:pPr>
+            <a:r>
+              <a:rPr lang="en-US" altLang="en-US" sz="1000" dirty="0">
+                <a:solidFill>
+                  <a:srgbClr val="CC7832"/>
+                </a:solidFill>
+                <a:latin typeface="Arial Unicode MS"/>
+                <a:ea typeface="inherit"/>
+              </a:rPr>
+              <a:t>        if</a:t>
+            </a:r>
+            <a:r>
+              <a:rPr lang="en-US" altLang="en-US" sz="1000" dirty="0">
+                <a:solidFill>
+                  <a:srgbClr val="A9B7C6"/>
+                </a:solidFill>
+                <a:latin typeface="Arial Unicode MS"/>
+                <a:ea typeface="inherit"/>
+              </a:rPr>
+              <a:t> (</a:t>
+            </a:r>
+            <a:r>
+              <a:rPr lang="en-US" altLang="en-US" sz="1000" dirty="0" err="1">
+                <a:solidFill>
+                  <a:srgbClr val="A9B7C6"/>
+                </a:solidFill>
+                <a:latin typeface="Arial Unicode MS"/>
+                <a:ea typeface="inherit"/>
+              </a:rPr>
+              <a:t>messagingEvent.optin</a:t>
+            </a:r>
+            <a:r>
+              <a:rPr lang="en-US" altLang="en-US" sz="1000" dirty="0">
+                <a:solidFill>
+                  <a:srgbClr val="A9B7C6"/>
+                </a:solidFill>
+                <a:latin typeface="Arial Unicode MS"/>
+                <a:ea typeface="inherit"/>
+              </a:rPr>
+              <a:t>) {</a:t>
+            </a:r>
+          </a:p>
+          <a:p>
+            <a:pPr marL="0" indent="0" eaLnBrk="0" fontAlgn="base" hangingPunct="0">
+              <a:spcBef>
+                <a:spcPct val="0"/>
+              </a:spcBef>
+              <a:spcAft>
+                <a:spcPct val="0"/>
+              </a:spcAft>
+              <a:buClrTx/>
+              <a:buFontTx/>
+              <a:buNone/>
+            </a:pPr>
+            <a:r>
+              <a:rPr lang="en-US" altLang="en-US" sz="1000" dirty="0">
+                <a:solidFill>
+                  <a:srgbClr val="A9B7C6"/>
+                </a:solidFill>
+                <a:latin typeface="Arial Unicode MS"/>
+                <a:ea typeface="inherit"/>
+              </a:rPr>
+              <a:t>          </a:t>
+            </a:r>
+            <a:r>
+              <a:rPr lang="en-US" altLang="en-US" sz="1000" dirty="0" err="1">
+                <a:solidFill>
+                  <a:srgbClr val="A9B7C6"/>
+                </a:solidFill>
+                <a:latin typeface="Arial Unicode MS"/>
+                <a:ea typeface="inherit"/>
+              </a:rPr>
+              <a:t>receivedAuthentication</a:t>
+            </a:r>
+            <a:r>
+              <a:rPr lang="en-US" altLang="en-US" sz="1000" dirty="0">
+                <a:solidFill>
+                  <a:srgbClr val="A9B7C6"/>
+                </a:solidFill>
+                <a:latin typeface="Arial Unicode MS"/>
+                <a:ea typeface="inherit"/>
+              </a:rPr>
+              <a:t>(</a:t>
+            </a:r>
+            <a:r>
+              <a:rPr lang="en-US" altLang="en-US" sz="1000" dirty="0" err="1">
+                <a:solidFill>
+                  <a:srgbClr val="A9B7C6"/>
+                </a:solidFill>
+                <a:latin typeface="Arial Unicode MS"/>
+                <a:ea typeface="inherit"/>
+              </a:rPr>
+              <a:t>messagingEvent</a:t>
+            </a:r>
+            <a:r>
+              <a:rPr lang="en-US" altLang="en-US" sz="1000" dirty="0">
+                <a:solidFill>
+                  <a:srgbClr val="A9B7C6"/>
+                </a:solidFill>
+                <a:latin typeface="Arial Unicode MS"/>
+                <a:ea typeface="inherit"/>
+              </a:rPr>
+              <a:t>);</a:t>
+            </a:r>
+          </a:p>
+          <a:p>
+            <a:pPr marL="0" indent="0" eaLnBrk="0" fontAlgn="base" hangingPunct="0">
+              <a:spcBef>
+                <a:spcPct val="0"/>
+              </a:spcBef>
+              <a:spcAft>
+                <a:spcPct val="0"/>
+              </a:spcAft>
+              <a:buClrTx/>
+              <a:buFontTx/>
+              <a:buNone/>
+            </a:pPr>
+            <a:r>
+              <a:rPr lang="en-US" altLang="en-US" sz="1000" dirty="0">
+                <a:solidFill>
+                  <a:srgbClr val="A9B7C6"/>
+                </a:solidFill>
+                <a:latin typeface="Arial Unicode MS"/>
+                <a:ea typeface="inherit"/>
+              </a:rPr>
+              <a:t>        } </a:t>
+            </a:r>
+            <a:r>
+              <a:rPr lang="en-US" altLang="en-US" sz="1000" dirty="0">
+                <a:solidFill>
+                  <a:srgbClr val="CC7832"/>
+                </a:solidFill>
+                <a:latin typeface="Arial Unicode MS"/>
+                <a:ea typeface="inherit"/>
+              </a:rPr>
+              <a:t>else</a:t>
+            </a:r>
+            <a:r>
+              <a:rPr lang="en-US" altLang="en-US" sz="1000" dirty="0">
+                <a:solidFill>
+                  <a:srgbClr val="A9B7C6"/>
+                </a:solidFill>
+                <a:latin typeface="Arial Unicode MS"/>
+                <a:ea typeface="inherit"/>
+              </a:rPr>
+              <a:t> </a:t>
+            </a:r>
+            <a:r>
+              <a:rPr lang="en-US" altLang="en-US" sz="1000" dirty="0">
+                <a:solidFill>
+                  <a:srgbClr val="CC7832"/>
+                </a:solidFill>
+                <a:latin typeface="Arial Unicode MS"/>
+                <a:ea typeface="inherit"/>
+              </a:rPr>
+              <a:t>if</a:t>
+            </a:r>
+            <a:r>
+              <a:rPr lang="en-US" altLang="en-US" sz="1000" dirty="0">
+                <a:solidFill>
+                  <a:srgbClr val="A9B7C6"/>
+                </a:solidFill>
+                <a:latin typeface="Arial Unicode MS"/>
+                <a:ea typeface="inherit"/>
+              </a:rPr>
+              <a:t> (</a:t>
+            </a:r>
+            <a:r>
+              <a:rPr lang="en-US" altLang="en-US" sz="1000" dirty="0" err="1">
+                <a:solidFill>
+                  <a:srgbClr val="A9B7C6"/>
+                </a:solidFill>
+                <a:latin typeface="Arial Unicode MS"/>
+                <a:ea typeface="inherit"/>
+              </a:rPr>
+              <a:t>messagingEvent.message</a:t>
+            </a:r>
+            <a:r>
+              <a:rPr lang="en-US" altLang="en-US" sz="1000" dirty="0">
+                <a:solidFill>
+                  <a:srgbClr val="A9B7C6"/>
+                </a:solidFill>
+                <a:latin typeface="Arial Unicode MS"/>
+                <a:ea typeface="inherit"/>
+              </a:rPr>
+              <a:t>) {</a:t>
+            </a:r>
+          </a:p>
+          <a:p>
+            <a:pPr marL="0" indent="0" eaLnBrk="0" fontAlgn="base" hangingPunct="0">
+              <a:spcBef>
+                <a:spcPct val="0"/>
+              </a:spcBef>
+              <a:spcAft>
+                <a:spcPct val="0"/>
+              </a:spcAft>
+              <a:buClrTx/>
+              <a:buFontTx/>
+              <a:buNone/>
+            </a:pPr>
+            <a:r>
+              <a:rPr lang="en-US" altLang="en-US" sz="1000" dirty="0">
+                <a:solidFill>
+                  <a:srgbClr val="A9B7C6"/>
+                </a:solidFill>
+                <a:latin typeface="Arial Unicode MS"/>
+                <a:ea typeface="inherit"/>
+              </a:rPr>
+              <a:t>          </a:t>
+            </a:r>
+            <a:r>
+              <a:rPr lang="en-US" altLang="en-US" sz="1000" dirty="0" err="1">
+                <a:solidFill>
+                  <a:srgbClr val="A9B7C6"/>
+                </a:solidFill>
+                <a:latin typeface="Arial Unicode MS"/>
+                <a:ea typeface="inherit"/>
+              </a:rPr>
+              <a:t>receivedMessage</a:t>
+            </a:r>
+            <a:r>
+              <a:rPr lang="en-US" altLang="en-US" sz="1000" dirty="0">
+                <a:solidFill>
+                  <a:srgbClr val="A9B7C6"/>
+                </a:solidFill>
+                <a:latin typeface="Arial Unicode MS"/>
+                <a:ea typeface="inherit"/>
+              </a:rPr>
+              <a:t>(</a:t>
+            </a:r>
+            <a:r>
+              <a:rPr lang="en-US" altLang="en-US" sz="1000" dirty="0" err="1">
+                <a:solidFill>
+                  <a:srgbClr val="A9B7C6"/>
+                </a:solidFill>
+                <a:latin typeface="Arial Unicode MS"/>
+                <a:ea typeface="inherit"/>
+              </a:rPr>
+              <a:t>messagingEvent</a:t>
+            </a:r>
+            <a:r>
+              <a:rPr lang="en-US" altLang="en-US" sz="1000" dirty="0">
+                <a:solidFill>
+                  <a:srgbClr val="A9B7C6"/>
+                </a:solidFill>
+                <a:latin typeface="Arial Unicode MS"/>
+                <a:ea typeface="inherit"/>
+              </a:rPr>
+              <a:t>);</a:t>
+            </a:r>
+          </a:p>
+          <a:p>
+            <a:pPr marL="0" indent="0" eaLnBrk="0" fontAlgn="base" hangingPunct="0">
+              <a:spcBef>
+                <a:spcPct val="0"/>
+              </a:spcBef>
+              <a:spcAft>
+                <a:spcPct val="0"/>
+              </a:spcAft>
+              <a:buClrTx/>
+              <a:buFontTx/>
+              <a:buNone/>
+            </a:pPr>
+            <a:r>
+              <a:rPr lang="en-US" altLang="en-US" sz="1000" dirty="0">
+                <a:solidFill>
+                  <a:srgbClr val="A9B7C6"/>
+                </a:solidFill>
+                <a:latin typeface="Arial Unicode MS"/>
+                <a:ea typeface="inherit"/>
+              </a:rPr>
+              <a:t>        } </a:t>
+            </a:r>
+            <a:r>
+              <a:rPr lang="en-US" altLang="en-US" sz="1000" dirty="0">
+                <a:solidFill>
+                  <a:srgbClr val="CC7832"/>
+                </a:solidFill>
+                <a:latin typeface="Arial Unicode MS"/>
+                <a:ea typeface="inherit"/>
+              </a:rPr>
+              <a:t>else</a:t>
+            </a:r>
+            <a:r>
+              <a:rPr lang="en-US" altLang="en-US" sz="1000" dirty="0">
+                <a:solidFill>
+                  <a:srgbClr val="A9B7C6"/>
+                </a:solidFill>
+                <a:latin typeface="Arial Unicode MS"/>
+                <a:ea typeface="inherit"/>
+              </a:rPr>
+              <a:t> </a:t>
+            </a:r>
+            <a:r>
+              <a:rPr lang="en-US" altLang="en-US" sz="1000" dirty="0">
+                <a:solidFill>
+                  <a:srgbClr val="CC7832"/>
+                </a:solidFill>
+                <a:latin typeface="Arial Unicode MS"/>
+                <a:ea typeface="inherit"/>
+              </a:rPr>
+              <a:t>if</a:t>
+            </a:r>
+            <a:r>
+              <a:rPr lang="en-US" altLang="en-US" sz="1000" dirty="0">
+                <a:solidFill>
+                  <a:srgbClr val="A9B7C6"/>
+                </a:solidFill>
+                <a:latin typeface="Arial Unicode MS"/>
+                <a:ea typeface="inherit"/>
+              </a:rPr>
+              <a:t> (</a:t>
+            </a:r>
+            <a:r>
+              <a:rPr lang="en-US" altLang="en-US" sz="1000" dirty="0" err="1">
+                <a:solidFill>
+                  <a:srgbClr val="A9B7C6"/>
+                </a:solidFill>
+                <a:latin typeface="Arial Unicode MS"/>
+                <a:ea typeface="inherit"/>
+              </a:rPr>
+              <a:t>messagingEvent.postback</a:t>
+            </a:r>
+            <a:r>
+              <a:rPr lang="en-US" altLang="en-US" sz="1000" dirty="0">
+                <a:solidFill>
+                  <a:srgbClr val="A9B7C6"/>
+                </a:solidFill>
+                <a:latin typeface="Arial Unicode MS"/>
+                <a:ea typeface="inherit"/>
+              </a:rPr>
+              <a:t>) {</a:t>
+            </a:r>
+          </a:p>
+          <a:p>
+            <a:pPr marL="0" indent="0" eaLnBrk="0" fontAlgn="base" hangingPunct="0">
+              <a:spcBef>
+                <a:spcPct val="0"/>
+              </a:spcBef>
+              <a:spcAft>
+                <a:spcPct val="0"/>
+              </a:spcAft>
+              <a:buClrTx/>
+              <a:buFontTx/>
+              <a:buNone/>
+            </a:pPr>
+            <a:r>
+              <a:rPr lang="en-US" altLang="en-US" sz="1000" dirty="0">
+                <a:solidFill>
+                  <a:srgbClr val="A9B7C6"/>
+                </a:solidFill>
+                <a:latin typeface="Arial Unicode MS"/>
+                <a:ea typeface="inherit"/>
+              </a:rPr>
+              <a:t>          </a:t>
+            </a:r>
+            <a:r>
+              <a:rPr lang="en-US" altLang="en-US" sz="1000" dirty="0" err="1">
+                <a:solidFill>
+                  <a:srgbClr val="A9B7C6"/>
+                </a:solidFill>
+                <a:latin typeface="Arial Unicode MS"/>
+                <a:ea typeface="inherit"/>
+              </a:rPr>
+              <a:t>receivedPostback</a:t>
+            </a:r>
+            <a:r>
+              <a:rPr lang="en-US" altLang="en-US" sz="1000" dirty="0">
+                <a:solidFill>
+                  <a:srgbClr val="A9B7C6"/>
+                </a:solidFill>
+                <a:latin typeface="Arial Unicode MS"/>
+                <a:ea typeface="inherit"/>
+              </a:rPr>
+              <a:t>(</a:t>
+            </a:r>
+            <a:r>
+              <a:rPr lang="en-US" altLang="en-US" sz="1000" dirty="0" err="1">
+                <a:solidFill>
+                  <a:srgbClr val="A9B7C6"/>
+                </a:solidFill>
+                <a:latin typeface="Arial Unicode MS"/>
+                <a:ea typeface="inherit"/>
+              </a:rPr>
+              <a:t>messagingEvent</a:t>
+            </a:r>
+            <a:r>
+              <a:rPr lang="en-US" altLang="en-US" sz="1000" dirty="0">
+                <a:solidFill>
+                  <a:srgbClr val="A9B7C6"/>
+                </a:solidFill>
+                <a:latin typeface="Arial Unicode MS"/>
+                <a:ea typeface="inherit"/>
+              </a:rPr>
+              <a:t>);</a:t>
+            </a:r>
+          </a:p>
+          <a:p>
+            <a:pPr marL="0" indent="0" eaLnBrk="0" fontAlgn="base" hangingPunct="0">
+              <a:spcBef>
+                <a:spcPct val="0"/>
+              </a:spcBef>
+              <a:spcAft>
+                <a:spcPct val="0"/>
+              </a:spcAft>
+              <a:buClrTx/>
+              <a:buFontTx/>
+              <a:buNone/>
+            </a:pPr>
+            <a:r>
+              <a:rPr lang="en-US" altLang="en-US" sz="1000" dirty="0">
+                <a:solidFill>
+                  <a:srgbClr val="A9B7C6"/>
+                </a:solidFill>
+                <a:latin typeface="Arial Unicode MS"/>
+                <a:ea typeface="inherit"/>
+              </a:rPr>
+              <a:t>        } </a:t>
+            </a:r>
+            <a:r>
+              <a:rPr lang="en-US" altLang="en-US" sz="1000" dirty="0">
+                <a:solidFill>
+                  <a:srgbClr val="CC7832"/>
+                </a:solidFill>
+                <a:latin typeface="Arial Unicode MS"/>
+                <a:ea typeface="inherit"/>
+              </a:rPr>
+              <a:t>else</a:t>
+            </a:r>
+            <a:r>
+              <a:rPr lang="en-US" altLang="en-US" sz="1000" dirty="0">
+                <a:solidFill>
+                  <a:srgbClr val="A9B7C6"/>
+                </a:solidFill>
+                <a:latin typeface="Arial Unicode MS"/>
+                <a:ea typeface="inherit"/>
+              </a:rPr>
+              <a:t> {</a:t>
+            </a:r>
+          </a:p>
+          <a:p>
+            <a:pPr marL="0" indent="0" eaLnBrk="0" fontAlgn="base" hangingPunct="0">
+              <a:spcBef>
+                <a:spcPct val="0"/>
+              </a:spcBef>
+              <a:spcAft>
+                <a:spcPct val="0"/>
+              </a:spcAft>
+              <a:buClrTx/>
+              <a:buFontTx/>
+              <a:buNone/>
+            </a:pPr>
+            <a:r>
+              <a:rPr lang="en-US" altLang="en-US" sz="1000" dirty="0">
+                <a:solidFill>
+                  <a:srgbClr val="A9B7C6"/>
+                </a:solidFill>
+                <a:latin typeface="Arial Unicode MS"/>
+                <a:ea typeface="inherit"/>
+              </a:rPr>
+              <a:t>          console.log(</a:t>
+            </a:r>
+            <a:r>
+              <a:rPr lang="en-US" altLang="en-US" sz="1000" dirty="0">
+                <a:solidFill>
+                  <a:srgbClr val="6A8759"/>
+                </a:solidFill>
+                <a:latin typeface="Arial Unicode MS"/>
+                <a:ea typeface="inherit"/>
+              </a:rPr>
+              <a:t>“Received unknown </a:t>
+            </a:r>
+            <a:r>
+              <a:rPr lang="en-US" altLang="en-US" sz="1000" dirty="0" err="1">
+                <a:solidFill>
+                  <a:srgbClr val="6A8759"/>
+                </a:solidFill>
+                <a:latin typeface="Arial Unicode MS"/>
+                <a:ea typeface="inherit"/>
+              </a:rPr>
+              <a:t>messagingEvent</a:t>
+            </a:r>
+            <a:r>
+              <a:rPr lang="en-US" altLang="en-US" sz="1000" dirty="0">
+                <a:solidFill>
+                  <a:srgbClr val="6A8759"/>
+                </a:solidFill>
+                <a:latin typeface="Arial Unicode MS"/>
+                <a:ea typeface="inherit"/>
+              </a:rPr>
+              <a:t>: "</a:t>
+            </a:r>
+            <a:r>
+              <a:rPr lang="en-US" altLang="en-US" sz="1000" dirty="0">
+                <a:solidFill>
+                  <a:srgbClr val="A9B7C6"/>
+                </a:solidFill>
+                <a:latin typeface="Arial Unicode MS"/>
+                <a:ea typeface="inherit"/>
+              </a:rPr>
+              <a:t>, </a:t>
+            </a:r>
+            <a:r>
+              <a:rPr lang="en-US" altLang="en-US" sz="1000" dirty="0" err="1">
+                <a:solidFill>
+                  <a:srgbClr val="A9B7C6"/>
+                </a:solidFill>
+                <a:latin typeface="Arial Unicode MS"/>
+                <a:ea typeface="inherit"/>
+              </a:rPr>
+              <a:t>messagingEvent</a:t>
+            </a:r>
+            <a:r>
+              <a:rPr lang="en-US" altLang="en-US" sz="1000" dirty="0">
+                <a:solidFill>
+                  <a:srgbClr val="A9B7C6"/>
+                </a:solidFill>
+                <a:latin typeface="Arial Unicode MS"/>
+                <a:ea typeface="inherit"/>
+              </a:rPr>
+              <a:t>);</a:t>
+            </a:r>
+          </a:p>
+          <a:p>
+            <a:pPr marL="0" indent="0" eaLnBrk="0" fontAlgn="base" hangingPunct="0">
+              <a:spcBef>
+                <a:spcPct val="0"/>
+              </a:spcBef>
+              <a:spcAft>
+                <a:spcPct val="0"/>
+              </a:spcAft>
+              <a:buClrTx/>
+              <a:buFontTx/>
+              <a:buNone/>
+            </a:pPr>
+            <a:r>
+              <a:rPr lang="en-US" altLang="en-US" sz="1000" dirty="0">
+                <a:solidFill>
+                  <a:srgbClr val="A9B7C6"/>
+                </a:solidFill>
+                <a:latin typeface="Arial Unicode MS"/>
+                <a:ea typeface="inherit"/>
+              </a:rPr>
+              <a:t>        }</a:t>
+            </a:r>
+          </a:p>
+          <a:p>
+            <a:pPr marL="0" indent="0" eaLnBrk="0" fontAlgn="base" hangingPunct="0">
+              <a:spcBef>
+                <a:spcPct val="0"/>
+              </a:spcBef>
+              <a:spcAft>
+                <a:spcPct val="0"/>
+              </a:spcAft>
+              <a:buClrTx/>
+              <a:buFontTx/>
+              <a:buNone/>
+            </a:pPr>
+            <a:r>
+              <a:rPr lang="en-US" altLang="en-US" sz="1000" dirty="0">
+                <a:solidFill>
+                  <a:srgbClr val="A9B7C6"/>
+                </a:solidFill>
+                <a:latin typeface="Arial Unicode MS"/>
+                <a:ea typeface="inherit"/>
+              </a:rPr>
+              <a:t>      });</a:t>
+            </a:r>
+          </a:p>
+          <a:p>
+            <a:pPr marL="0" indent="0" eaLnBrk="0" fontAlgn="base" hangingPunct="0">
+              <a:spcBef>
+                <a:spcPct val="0"/>
+              </a:spcBef>
+              <a:spcAft>
+                <a:spcPct val="0"/>
+              </a:spcAft>
+              <a:buClrTx/>
+              <a:buFontTx/>
+              <a:buNone/>
+            </a:pPr>
+            <a:r>
+              <a:rPr lang="en-US" altLang="en-US" sz="1000" dirty="0">
+                <a:solidFill>
+                  <a:srgbClr val="A9B7C6"/>
+                </a:solidFill>
+                <a:latin typeface="Arial Unicode MS"/>
+                <a:ea typeface="inherit"/>
+              </a:rPr>
+              <a:t>    });</a:t>
+            </a:r>
+          </a:p>
+          <a:p>
+            <a:pPr marL="0" indent="0" eaLnBrk="0" fontAlgn="base" hangingPunct="0">
+              <a:spcBef>
+                <a:spcPct val="0"/>
+              </a:spcBef>
+              <a:spcAft>
+                <a:spcPct val="0"/>
+              </a:spcAft>
+              <a:buClrTx/>
+              <a:buFontTx/>
+              <a:buNone/>
+            </a:pPr>
+            <a:r>
+              <a:rPr lang="en-US" altLang="en-US" sz="1000" dirty="0">
+                <a:solidFill>
+                  <a:srgbClr val="A9B7C6"/>
+                </a:solidFill>
+                <a:latin typeface="Arial Unicode MS"/>
+                <a:ea typeface="inherit"/>
+              </a:rPr>
+              <a:t>  </a:t>
+            </a:r>
+            <a:r>
+              <a:rPr lang="en-US" altLang="en-US" sz="1000" dirty="0" err="1">
+                <a:solidFill>
+                  <a:srgbClr val="A9B7C6"/>
+                </a:solidFill>
+                <a:latin typeface="Arial Unicode MS"/>
+                <a:ea typeface="inherit"/>
+              </a:rPr>
+              <a:t>res.sendStatus</a:t>
+            </a:r>
+            <a:r>
+              <a:rPr lang="en-US" altLang="en-US" sz="1000" dirty="0">
+                <a:solidFill>
+                  <a:srgbClr val="A9B7C6"/>
+                </a:solidFill>
+                <a:latin typeface="Arial Unicode MS"/>
+                <a:ea typeface="inherit"/>
+              </a:rPr>
+              <a:t>(</a:t>
+            </a:r>
+            <a:r>
+              <a:rPr lang="en-US" altLang="en-US" sz="1000" dirty="0">
+                <a:solidFill>
+                  <a:srgbClr val="6897BB"/>
+                </a:solidFill>
+                <a:latin typeface="Arial Unicode MS"/>
+                <a:ea typeface="inherit"/>
+              </a:rPr>
+              <a:t>200</a:t>
+            </a:r>
+            <a:r>
+              <a:rPr lang="en-US" altLang="en-US" sz="1000" dirty="0">
+                <a:solidFill>
+                  <a:srgbClr val="A9B7C6"/>
+                </a:solidFill>
+                <a:latin typeface="Arial Unicode MS"/>
+                <a:ea typeface="inherit"/>
+              </a:rPr>
+              <a:t>);</a:t>
+            </a:r>
+          </a:p>
+          <a:p>
+            <a:pPr marL="0" indent="0" eaLnBrk="0" fontAlgn="base" hangingPunct="0">
+              <a:spcBef>
+                <a:spcPct val="0"/>
+              </a:spcBef>
+              <a:spcAft>
+                <a:spcPct val="0"/>
+              </a:spcAft>
+              <a:buClrTx/>
+              <a:buFontTx/>
+              <a:buNone/>
+            </a:pPr>
+            <a:r>
+              <a:rPr lang="en-US" altLang="en-US" sz="1000" dirty="0">
+                <a:solidFill>
+                  <a:srgbClr val="A9B7C6"/>
+                </a:solidFill>
+                <a:latin typeface="Arial Unicode MS"/>
+                <a:ea typeface="inherit"/>
+              </a:rPr>
+              <a:t>  }</a:t>
+            </a:r>
+          </a:p>
+          <a:p>
+            <a:pPr marL="0" indent="0" eaLnBrk="0" fontAlgn="base" hangingPunct="0">
+              <a:spcBef>
+                <a:spcPct val="0"/>
+              </a:spcBef>
+              <a:spcAft>
+                <a:spcPct val="0"/>
+              </a:spcAft>
+              <a:buClrTx/>
+              <a:buFontTx/>
+              <a:buNone/>
+            </a:pPr>
+            <a:r>
+              <a:rPr lang="en-US" altLang="en-US" sz="1000" dirty="0">
+                <a:solidFill>
+                  <a:srgbClr val="A9B7C6"/>
+                </a:solidFill>
+                <a:latin typeface="Arial Unicode MS"/>
+                <a:ea typeface="inherit"/>
+              </a:rPr>
+              <a:t>});</a:t>
+            </a:r>
+          </a:p>
+        </p:txBody>
+      </p:sp>
+      <p:sp>
+        <p:nvSpPr>
+          <p:cNvPr id="5" name="Rectangle 1">
+            <a:extLst>
+              <a:ext uri="{FF2B5EF4-FFF2-40B4-BE49-F238E27FC236}">
+                <a16:creationId xmlns:a16="http://schemas.microsoft.com/office/drawing/2014/main" id="{548A840E-D328-4AD5-880F-8B96E0F0E738}"/>
+              </a:ext>
+            </a:extLst>
+          </p:cNvPr>
+          <p:cNvSpPr>
+            <a:spLocks noGrp="1" noChangeArrowheads="1"/>
+          </p:cNvSpPr>
+          <p:nvPr>
+            <p:ph idx="1"/>
+          </p:nvPr>
+        </p:nvSpPr>
+        <p:spPr bwMode="auto">
+          <a:xfrm>
+            <a:off x="5759485" y="175930"/>
+            <a:ext cx="4547720" cy="5232202"/>
+          </a:xfrm>
+          <a:prstGeom prst="rect">
+            <a:avLst/>
+          </a:prstGeom>
+          <a:solidFill>
+            <a:srgbClr val="282B2E"/>
+          </a:solidFill>
+          <a:ln>
+            <a:noFill/>
+          </a:ln>
+          <a:effectLst/>
+          <a:extLst>
+            <a:ext uri="{91240B29-F687-4F45-9708-019B960494DF}">
+              <a14:hiddenLine xmlns:a14="http://schemas.microsoft.com/office/drawing/2010/main" w="9525">
+                <a:solidFill>
+                  <a:schemeClr val="tx1"/>
+                </a:solidFill>
+                <a:miter lim="800000"/>
+                <a:headEnd/>
+                <a:tailEnd/>
+              </a14:hiddenLine>
+            </a:ext>
+            <a:ext uri="{AF507438-7753-43E0-B8FC-AC1667EBCBE1}">
+              <a14:hiddenEffects xmlns:a14="http://schemas.microsoft.com/office/drawing/2010/main">
+                <a:effectLst>
+                  <a:outerShdw dist="35921" dir="2700000" algn="ctr" rotWithShape="0">
+                    <a:schemeClr val="bg2"/>
+                  </a:outerShdw>
+                </a:effectLst>
+              </a14:hiddenEffects>
+            </a:ext>
+          </a:extLst>
+        </p:spPr>
+        <p:txBody>
+          <a:bodyPr vert="horz" wrap="none" lIns="0" tIns="0" rIns="0" bIns="0" numCol="1" anchor="ctr" anchorCtr="0" compatLnSpc="1">
+            <a:prstTxWarp prst="textNoShape">
+              <a:avLst/>
+            </a:prstTxWarp>
+            <a:spAutoFit/>
+          </a:bodyPr>
+          <a:lstStyle/>
+          <a:p>
+            <a:pPr marL="0" marR="0" lvl="0" indent="0" algn="l" defTabSz="914400" rtl="0" eaLnBrk="0" fontAlgn="base" latinLnBrk="0" hangingPunct="0">
+              <a:lnSpc>
+                <a:spcPct val="100000"/>
+              </a:lnSpc>
+              <a:spcBef>
+                <a:spcPct val="0"/>
+              </a:spcBef>
+              <a:spcAft>
+                <a:spcPct val="0"/>
+              </a:spcAft>
+              <a:buClrTx/>
+              <a:buSzTx/>
+              <a:buFontTx/>
+              <a:buNone/>
+              <a:tabLst/>
+            </a:pPr>
+            <a:r>
+              <a:rPr kumimoji="0" lang="en-US" altLang="en-US" sz="1000" b="0" i="0" u="none" strike="noStrike" cap="none" normalizeH="0" baseline="0" dirty="0">
+                <a:ln>
+                  <a:noFill/>
+                </a:ln>
+                <a:solidFill>
+                  <a:srgbClr val="CC7832"/>
+                </a:solidFill>
+                <a:effectLst/>
+                <a:latin typeface="Arial Unicode MS"/>
+                <a:ea typeface="inherit"/>
+              </a:rPr>
+              <a:t>function</a:t>
+            </a:r>
+            <a:r>
+              <a:rPr kumimoji="0" lang="en-US" altLang="en-US" sz="1000" b="0" i="0" u="none" strike="noStrike" cap="none" normalizeH="0" baseline="0" dirty="0">
+                <a:ln>
+                  <a:noFill/>
+                </a:ln>
+                <a:solidFill>
+                  <a:srgbClr val="A9B7C6"/>
+                </a:solidFill>
+                <a:effectLst/>
+                <a:latin typeface="Arial Unicode MS"/>
+                <a:ea typeface="inherit"/>
+              </a:rPr>
+              <a:t> </a:t>
+            </a:r>
+            <a:r>
+              <a:rPr kumimoji="0" lang="en-US" altLang="en-US" sz="1000" b="0" i="0" u="none" strike="noStrike" cap="none" normalizeH="0" baseline="0" dirty="0" err="1">
+                <a:ln>
+                  <a:noFill/>
+                </a:ln>
+                <a:solidFill>
+                  <a:srgbClr val="FFC66D"/>
+                </a:solidFill>
+                <a:effectLst/>
+                <a:latin typeface="Arial Unicode MS"/>
+                <a:ea typeface="inherit"/>
+              </a:rPr>
+              <a:t>receivedMessage</a:t>
+            </a:r>
+            <a:r>
+              <a:rPr kumimoji="0" lang="en-US" altLang="en-US" sz="1000" b="0" i="0" u="none" strike="noStrike" cap="none" normalizeH="0" baseline="0" dirty="0">
+                <a:ln>
+                  <a:noFill/>
+                </a:ln>
+                <a:solidFill>
+                  <a:srgbClr val="A9B7C6"/>
+                </a:solidFill>
+                <a:effectLst/>
+                <a:latin typeface="Arial Unicode MS"/>
+                <a:ea typeface="inherit"/>
+              </a:rPr>
+              <a:t>(event) {</a:t>
+            </a:r>
+          </a:p>
+          <a:p>
+            <a:pPr marL="0" marR="0" lvl="0" indent="0" algn="l" defTabSz="914400" rtl="0" eaLnBrk="0" fontAlgn="base" latinLnBrk="0" hangingPunct="0">
+              <a:lnSpc>
+                <a:spcPct val="100000"/>
+              </a:lnSpc>
+              <a:spcBef>
+                <a:spcPct val="0"/>
+              </a:spcBef>
+              <a:spcAft>
+                <a:spcPct val="0"/>
+              </a:spcAft>
+              <a:buClrTx/>
+              <a:buSzTx/>
+              <a:buFontTx/>
+              <a:buNone/>
+              <a:tabLst/>
+            </a:pPr>
+            <a:r>
+              <a:rPr kumimoji="0" lang="en-US" altLang="en-US" sz="1000" b="0" i="0" u="none" strike="noStrike" cap="none" normalizeH="0" baseline="0" dirty="0">
+                <a:ln>
+                  <a:noFill/>
+                </a:ln>
+                <a:solidFill>
+                  <a:srgbClr val="CC7832"/>
+                </a:solidFill>
+                <a:effectLst/>
+                <a:latin typeface="Arial Unicode MS"/>
+                <a:ea typeface="inherit"/>
+              </a:rPr>
+              <a:t>  </a:t>
+            </a:r>
+            <a:r>
+              <a:rPr kumimoji="0" lang="en-US" altLang="en-US" sz="1000" b="0" i="0" u="none" strike="noStrike" cap="none" normalizeH="0" baseline="0" dirty="0" err="1">
+                <a:ln>
+                  <a:noFill/>
+                </a:ln>
+                <a:solidFill>
+                  <a:srgbClr val="CC7832"/>
+                </a:solidFill>
+                <a:effectLst/>
+                <a:latin typeface="Arial Unicode MS"/>
+                <a:ea typeface="inherit"/>
+              </a:rPr>
+              <a:t>var</a:t>
+            </a:r>
+            <a:r>
+              <a:rPr kumimoji="0" lang="en-US" altLang="en-US" sz="1000" b="0" i="0" u="none" strike="noStrike" cap="none" normalizeH="0" baseline="0" dirty="0">
+                <a:ln>
+                  <a:noFill/>
+                </a:ln>
+                <a:solidFill>
+                  <a:srgbClr val="A9B7C6"/>
+                </a:solidFill>
+                <a:effectLst/>
+                <a:latin typeface="Arial Unicode MS"/>
+                <a:ea typeface="inherit"/>
+              </a:rPr>
+              <a:t> </a:t>
+            </a:r>
+            <a:r>
+              <a:rPr kumimoji="0" lang="en-US" altLang="en-US" sz="1000" b="0" i="0" u="none" strike="noStrike" cap="none" normalizeH="0" baseline="0" dirty="0" err="1">
+                <a:ln>
+                  <a:noFill/>
+                </a:ln>
+                <a:solidFill>
+                  <a:srgbClr val="A9B7C6"/>
+                </a:solidFill>
+                <a:effectLst/>
+                <a:latin typeface="Arial Unicode MS"/>
+                <a:ea typeface="inherit"/>
+              </a:rPr>
+              <a:t>senderId</a:t>
+            </a:r>
+            <a:r>
+              <a:rPr kumimoji="0" lang="en-US" altLang="en-US" sz="1000" b="0" i="0" u="none" strike="noStrike" cap="none" normalizeH="0" baseline="0" dirty="0">
+                <a:ln>
+                  <a:noFill/>
+                </a:ln>
+                <a:solidFill>
+                  <a:srgbClr val="A9B7C6"/>
+                </a:solidFill>
+                <a:effectLst/>
+                <a:latin typeface="Arial Unicode MS"/>
+                <a:ea typeface="inherit"/>
+              </a:rPr>
+              <a:t> = event.sender.id;</a:t>
+            </a:r>
+          </a:p>
+          <a:p>
+            <a:pPr marL="0" marR="0" lvl="0" indent="0" algn="l" defTabSz="914400" rtl="0" eaLnBrk="0" fontAlgn="base" latinLnBrk="0" hangingPunct="0">
+              <a:lnSpc>
+                <a:spcPct val="100000"/>
+              </a:lnSpc>
+              <a:spcBef>
+                <a:spcPct val="0"/>
+              </a:spcBef>
+              <a:spcAft>
+                <a:spcPct val="0"/>
+              </a:spcAft>
+              <a:buClrTx/>
+              <a:buSzTx/>
+              <a:buFontTx/>
+              <a:buNone/>
+              <a:tabLst/>
+            </a:pPr>
+            <a:r>
+              <a:rPr kumimoji="0" lang="en-US" altLang="en-US" sz="1000" b="0" i="0" u="none" strike="noStrike" cap="none" normalizeH="0" baseline="0" dirty="0">
+                <a:ln>
+                  <a:noFill/>
+                </a:ln>
+                <a:solidFill>
+                  <a:srgbClr val="CC7832"/>
+                </a:solidFill>
+                <a:effectLst/>
+                <a:latin typeface="Arial Unicode MS"/>
+                <a:ea typeface="inherit"/>
+              </a:rPr>
+              <a:t>  </a:t>
+            </a:r>
+            <a:r>
+              <a:rPr kumimoji="0" lang="en-US" altLang="en-US" sz="1000" b="0" i="0" u="none" strike="noStrike" cap="none" normalizeH="0" baseline="0" dirty="0" err="1">
+                <a:ln>
+                  <a:noFill/>
+                </a:ln>
+                <a:solidFill>
+                  <a:srgbClr val="CC7832"/>
+                </a:solidFill>
+                <a:effectLst/>
+                <a:latin typeface="Arial Unicode MS"/>
+                <a:ea typeface="inherit"/>
+              </a:rPr>
+              <a:t>var</a:t>
+            </a:r>
+            <a:r>
+              <a:rPr kumimoji="0" lang="en-US" altLang="en-US" sz="1000" b="0" i="0" u="none" strike="noStrike" cap="none" normalizeH="0" baseline="0" dirty="0">
+                <a:ln>
+                  <a:noFill/>
+                </a:ln>
+                <a:solidFill>
+                  <a:srgbClr val="A9B7C6"/>
+                </a:solidFill>
+                <a:effectLst/>
+                <a:latin typeface="Arial Unicode MS"/>
+                <a:ea typeface="inherit"/>
+              </a:rPr>
+              <a:t> content = </a:t>
+            </a:r>
+            <a:r>
+              <a:rPr kumimoji="0" lang="en-US" altLang="en-US" sz="1000" b="0" i="0" u="none" strike="noStrike" cap="none" normalizeH="0" baseline="0" dirty="0" err="1">
+                <a:ln>
+                  <a:noFill/>
+                </a:ln>
+                <a:solidFill>
+                  <a:srgbClr val="A9B7C6"/>
+                </a:solidFill>
+                <a:effectLst/>
+                <a:latin typeface="Arial Unicode MS"/>
+                <a:ea typeface="inherit"/>
+              </a:rPr>
+              <a:t>event.message.text</a:t>
+            </a:r>
+            <a:r>
+              <a:rPr kumimoji="0" lang="en-US" altLang="en-US" sz="1000" b="0" i="0" u="none" strike="noStrike" cap="none" normalizeH="0" baseline="0" dirty="0">
+                <a:ln>
+                  <a:noFill/>
+                </a:ln>
+                <a:solidFill>
+                  <a:srgbClr val="A9B7C6"/>
+                </a:solidFill>
+                <a:effectLst/>
+                <a:latin typeface="Arial Unicode MS"/>
+                <a:ea typeface="inherit"/>
+              </a:rPr>
+              <a:t>;</a:t>
+            </a:r>
+          </a:p>
+          <a:p>
+            <a:pPr marL="0" marR="0" lvl="0" indent="0" algn="l" defTabSz="914400" rtl="0" eaLnBrk="0" fontAlgn="base" latinLnBrk="0" hangingPunct="0">
+              <a:lnSpc>
+                <a:spcPct val="100000"/>
+              </a:lnSpc>
+              <a:spcBef>
+                <a:spcPct val="0"/>
+              </a:spcBef>
+              <a:spcAft>
+                <a:spcPct val="0"/>
+              </a:spcAft>
+              <a:buClrTx/>
+              <a:buSzTx/>
+              <a:buFontTx/>
+              <a:buNone/>
+              <a:tabLst/>
+            </a:pPr>
+            <a:r>
+              <a:rPr kumimoji="0" lang="en-US" altLang="en-US" sz="1000" b="0" i="0" u="none" strike="noStrike" cap="none" normalizeH="0" baseline="0" dirty="0">
+                <a:ln>
+                  <a:noFill/>
+                </a:ln>
+                <a:solidFill>
+                  <a:srgbClr val="CC7832"/>
+                </a:solidFill>
+                <a:effectLst/>
+                <a:latin typeface="Arial Unicode MS"/>
+                <a:ea typeface="inherit"/>
+              </a:rPr>
+              <a:t>  </a:t>
+            </a:r>
+            <a:r>
+              <a:rPr kumimoji="0" lang="en-US" altLang="en-US" sz="1000" b="0" i="0" u="none" strike="noStrike" cap="none" normalizeH="0" baseline="0" dirty="0" err="1">
+                <a:ln>
+                  <a:noFill/>
+                </a:ln>
+                <a:solidFill>
+                  <a:srgbClr val="CC7832"/>
+                </a:solidFill>
+                <a:effectLst/>
+                <a:latin typeface="Arial Unicode MS"/>
+                <a:ea typeface="inherit"/>
+              </a:rPr>
+              <a:t>var</a:t>
+            </a:r>
+            <a:r>
+              <a:rPr kumimoji="0" lang="en-US" altLang="en-US" sz="1000" b="0" i="0" u="none" strike="noStrike" cap="none" normalizeH="0" baseline="0" dirty="0">
+                <a:ln>
+                  <a:noFill/>
+                </a:ln>
+                <a:solidFill>
+                  <a:srgbClr val="A9B7C6"/>
+                </a:solidFill>
+                <a:effectLst/>
+                <a:latin typeface="Arial Unicode MS"/>
+                <a:ea typeface="inherit"/>
+              </a:rPr>
+              <a:t> </a:t>
+            </a:r>
+            <a:r>
+              <a:rPr kumimoji="0" lang="en-US" altLang="en-US" sz="1000" b="0" i="0" u="none" strike="noStrike" cap="none" normalizeH="0" baseline="0" dirty="0" err="1">
+                <a:ln>
+                  <a:noFill/>
+                </a:ln>
+                <a:solidFill>
+                  <a:srgbClr val="A9B7C6"/>
+                </a:solidFill>
+                <a:effectLst/>
+                <a:latin typeface="Arial Unicode MS"/>
+                <a:ea typeface="inherit"/>
+              </a:rPr>
+              <a:t>echo_message</a:t>
+            </a:r>
+            <a:r>
+              <a:rPr kumimoji="0" lang="en-US" altLang="en-US" sz="1000" b="0" i="0" u="none" strike="noStrike" cap="none" normalizeH="0" baseline="0" dirty="0">
+                <a:ln>
+                  <a:noFill/>
+                </a:ln>
+                <a:solidFill>
+                  <a:srgbClr val="A9B7C6"/>
+                </a:solidFill>
+                <a:effectLst/>
+                <a:latin typeface="Arial Unicode MS"/>
+                <a:ea typeface="inherit"/>
+              </a:rPr>
+              <a:t> = </a:t>
+            </a:r>
+            <a:r>
+              <a:rPr kumimoji="0" lang="en-US" altLang="en-US" sz="1000" b="0" i="0" u="none" strike="noStrike" cap="none" normalizeH="0" baseline="0" dirty="0">
+                <a:ln>
+                  <a:noFill/>
+                </a:ln>
+                <a:solidFill>
+                  <a:srgbClr val="6A8759"/>
+                </a:solidFill>
+                <a:effectLst/>
+                <a:latin typeface="Arial Unicode MS"/>
+                <a:ea typeface="inherit"/>
+              </a:rPr>
+              <a:t>"ECHO : "</a:t>
+            </a:r>
+            <a:r>
+              <a:rPr kumimoji="0" lang="en-US" altLang="en-US" sz="1000" b="0" i="0" u="none" strike="noStrike" cap="none" normalizeH="0" baseline="0" dirty="0">
+                <a:ln>
+                  <a:noFill/>
+                </a:ln>
+                <a:solidFill>
+                  <a:srgbClr val="A9B7C6"/>
+                </a:solidFill>
+                <a:effectLst/>
+                <a:latin typeface="Arial Unicode MS"/>
+                <a:ea typeface="inherit"/>
+              </a:rPr>
+              <a:t> + content;</a:t>
+            </a:r>
+          </a:p>
+          <a:p>
+            <a:pPr marL="0" marR="0" lvl="0" indent="0" algn="l" defTabSz="914400" rtl="0" eaLnBrk="0" fontAlgn="base" latinLnBrk="0" hangingPunct="0">
+              <a:lnSpc>
+                <a:spcPct val="100000"/>
+              </a:lnSpc>
+              <a:spcBef>
+                <a:spcPct val="0"/>
+              </a:spcBef>
+              <a:spcAft>
+                <a:spcPct val="0"/>
+              </a:spcAft>
+              <a:buClrTx/>
+              <a:buSzTx/>
+              <a:buFontTx/>
+              <a:buNone/>
+              <a:tabLst/>
+            </a:pPr>
+            <a:r>
+              <a:rPr kumimoji="0" lang="en-US" altLang="en-US" sz="1000" b="0" i="0" u="none" strike="noStrike" cap="none" normalizeH="0" baseline="0" dirty="0">
+                <a:ln>
+                  <a:noFill/>
+                </a:ln>
+                <a:solidFill>
+                  <a:srgbClr val="A9B7C6"/>
+                </a:solidFill>
+                <a:effectLst/>
+                <a:latin typeface="Arial Unicode MS"/>
+                <a:ea typeface="inherit"/>
+              </a:rPr>
+              <a:t>  </a:t>
+            </a:r>
+            <a:r>
+              <a:rPr kumimoji="0" lang="en-US" altLang="en-US" sz="1000" b="0" i="0" u="none" strike="noStrike" cap="none" normalizeH="0" baseline="0" dirty="0" err="1">
+                <a:ln>
+                  <a:noFill/>
+                </a:ln>
+                <a:solidFill>
+                  <a:srgbClr val="A9B7C6"/>
+                </a:solidFill>
+                <a:effectLst/>
+                <a:latin typeface="Arial Unicode MS"/>
+                <a:ea typeface="inherit"/>
+              </a:rPr>
+              <a:t>sendTextMessage</a:t>
+            </a:r>
+            <a:r>
+              <a:rPr kumimoji="0" lang="en-US" altLang="en-US" sz="1000" b="0" i="0" u="none" strike="noStrike" cap="none" normalizeH="0" baseline="0" dirty="0">
+                <a:ln>
+                  <a:noFill/>
+                </a:ln>
+                <a:solidFill>
+                  <a:srgbClr val="A9B7C6"/>
+                </a:solidFill>
+                <a:effectLst/>
+                <a:latin typeface="Arial Unicode MS"/>
+                <a:ea typeface="inherit"/>
+              </a:rPr>
+              <a:t>(</a:t>
+            </a:r>
+            <a:r>
+              <a:rPr kumimoji="0" lang="en-US" altLang="en-US" sz="1000" b="0" i="0" u="none" strike="noStrike" cap="none" normalizeH="0" baseline="0" dirty="0" err="1">
+                <a:ln>
+                  <a:noFill/>
+                </a:ln>
+                <a:solidFill>
+                  <a:srgbClr val="A9B7C6"/>
+                </a:solidFill>
+                <a:effectLst/>
+                <a:latin typeface="Arial Unicode MS"/>
+                <a:ea typeface="inherit"/>
+              </a:rPr>
+              <a:t>senderId</a:t>
+            </a:r>
+            <a:r>
+              <a:rPr kumimoji="0" lang="en-US" altLang="en-US" sz="1000" b="0" i="0" u="none" strike="noStrike" cap="none" normalizeH="0" baseline="0" dirty="0">
+                <a:ln>
+                  <a:noFill/>
+                </a:ln>
+                <a:solidFill>
+                  <a:srgbClr val="A9B7C6"/>
+                </a:solidFill>
+                <a:effectLst/>
+                <a:latin typeface="Arial Unicode MS"/>
+                <a:ea typeface="inherit"/>
+              </a:rPr>
+              <a:t>, </a:t>
+            </a:r>
+            <a:r>
+              <a:rPr kumimoji="0" lang="en-US" altLang="en-US" sz="1000" b="0" i="0" u="none" strike="noStrike" cap="none" normalizeH="0" baseline="0" dirty="0" err="1">
+                <a:ln>
+                  <a:noFill/>
+                </a:ln>
+                <a:solidFill>
+                  <a:srgbClr val="A9B7C6"/>
+                </a:solidFill>
+                <a:effectLst/>
+                <a:latin typeface="Arial Unicode MS"/>
+                <a:ea typeface="inherit"/>
+              </a:rPr>
+              <a:t>echo_message</a:t>
+            </a:r>
+            <a:r>
+              <a:rPr kumimoji="0" lang="en-US" altLang="en-US" sz="1000" b="0" i="0" u="none" strike="noStrike" cap="none" normalizeH="0" baseline="0" dirty="0">
+                <a:ln>
+                  <a:noFill/>
+                </a:ln>
+                <a:solidFill>
+                  <a:srgbClr val="A9B7C6"/>
+                </a:solidFill>
+                <a:effectLst/>
+                <a:latin typeface="Arial Unicode MS"/>
+                <a:ea typeface="inherit"/>
+              </a:rPr>
+              <a:t>);</a:t>
+            </a:r>
+          </a:p>
+          <a:p>
+            <a:pPr marL="0" marR="0" lvl="0" indent="0" algn="l" defTabSz="914400" rtl="0" eaLnBrk="0" fontAlgn="base" latinLnBrk="0" hangingPunct="0">
+              <a:lnSpc>
+                <a:spcPct val="100000"/>
+              </a:lnSpc>
+              <a:spcBef>
+                <a:spcPct val="0"/>
+              </a:spcBef>
+              <a:spcAft>
+                <a:spcPct val="0"/>
+              </a:spcAft>
+              <a:buClrTx/>
+              <a:buSzTx/>
+              <a:buFontTx/>
+              <a:buNone/>
+              <a:tabLst/>
+            </a:pPr>
+            <a:r>
+              <a:rPr kumimoji="0" lang="en-US" altLang="en-US" sz="1000" b="0" i="0" u="none" strike="noStrike" cap="none" normalizeH="0" baseline="0" dirty="0">
+                <a:ln>
+                  <a:noFill/>
+                </a:ln>
+                <a:solidFill>
+                  <a:srgbClr val="A9B7C6"/>
+                </a:solidFill>
+                <a:effectLst/>
+                <a:latin typeface="Arial Unicode MS"/>
+                <a:ea typeface="inherit"/>
+              </a:rPr>
+              <a:t>}</a:t>
+            </a:r>
+          </a:p>
+          <a:p>
+            <a:pPr marL="0" marR="0" lvl="0" indent="0" algn="l" defTabSz="914400" rtl="0" eaLnBrk="0" fontAlgn="base" latinLnBrk="0" hangingPunct="0">
+              <a:lnSpc>
+                <a:spcPct val="100000"/>
+              </a:lnSpc>
+              <a:spcBef>
+                <a:spcPct val="0"/>
+              </a:spcBef>
+              <a:spcAft>
+                <a:spcPct val="0"/>
+              </a:spcAft>
+              <a:buClrTx/>
+              <a:buSzTx/>
+              <a:buFontTx/>
+              <a:buNone/>
+              <a:tabLst/>
+            </a:pPr>
+            <a:r>
+              <a:rPr kumimoji="0" lang="en-US" altLang="en-US" sz="1000" b="0" i="0" u="none" strike="noStrike" cap="none" normalizeH="0" baseline="0" dirty="0">
+                <a:ln>
+                  <a:noFill/>
+                </a:ln>
+                <a:solidFill>
+                  <a:srgbClr val="CC7832"/>
+                </a:solidFill>
+                <a:effectLst/>
+                <a:latin typeface="Arial Unicode MS"/>
+                <a:ea typeface="inherit"/>
+              </a:rPr>
+              <a:t>function</a:t>
+            </a:r>
+            <a:r>
+              <a:rPr kumimoji="0" lang="en-US" altLang="en-US" sz="1000" b="0" i="0" u="none" strike="noStrike" cap="none" normalizeH="0" baseline="0" dirty="0">
+                <a:ln>
+                  <a:noFill/>
+                </a:ln>
+                <a:solidFill>
+                  <a:srgbClr val="A9B7C6"/>
+                </a:solidFill>
+                <a:effectLst/>
+                <a:latin typeface="Arial Unicode MS"/>
+                <a:ea typeface="inherit"/>
+              </a:rPr>
+              <a:t> </a:t>
+            </a:r>
+            <a:r>
+              <a:rPr kumimoji="0" lang="en-US" altLang="en-US" sz="1000" b="0" i="0" u="none" strike="noStrike" cap="none" normalizeH="0" baseline="0" dirty="0" err="1">
+                <a:ln>
+                  <a:noFill/>
+                </a:ln>
+                <a:solidFill>
+                  <a:srgbClr val="FFC66D"/>
+                </a:solidFill>
+                <a:effectLst/>
+                <a:latin typeface="Arial Unicode MS"/>
+                <a:ea typeface="inherit"/>
+              </a:rPr>
+              <a:t>receivedPostback</a:t>
+            </a:r>
+            <a:r>
+              <a:rPr kumimoji="0" lang="en-US" altLang="en-US" sz="1000" b="0" i="0" u="none" strike="noStrike" cap="none" normalizeH="0" baseline="0" dirty="0">
+                <a:ln>
+                  <a:noFill/>
+                </a:ln>
+                <a:solidFill>
+                  <a:srgbClr val="A9B7C6"/>
+                </a:solidFill>
+                <a:effectLst/>
+                <a:latin typeface="Arial Unicode MS"/>
+                <a:ea typeface="inherit"/>
+              </a:rPr>
+              <a:t>(event) {</a:t>
+            </a:r>
+          </a:p>
+          <a:p>
+            <a:pPr marL="0" marR="0" lvl="0" indent="0" algn="l" defTabSz="914400" rtl="0" eaLnBrk="0" fontAlgn="base" latinLnBrk="0" hangingPunct="0">
+              <a:lnSpc>
+                <a:spcPct val="100000"/>
+              </a:lnSpc>
+              <a:spcBef>
+                <a:spcPct val="0"/>
+              </a:spcBef>
+              <a:spcAft>
+                <a:spcPct val="0"/>
+              </a:spcAft>
+              <a:buClrTx/>
+              <a:buSzTx/>
+              <a:buFontTx/>
+              <a:buNone/>
+              <a:tabLst/>
+            </a:pPr>
+            <a:r>
+              <a:rPr kumimoji="0" lang="en-US" altLang="en-US" sz="1000" b="0" i="0" u="none" strike="noStrike" cap="none" normalizeH="0" baseline="0" dirty="0">
+                <a:ln>
+                  <a:noFill/>
+                </a:ln>
+                <a:solidFill>
+                  <a:srgbClr val="A9B7C6"/>
+                </a:solidFill>
+                <a:effectLst/>
+                <a:latin typeface="Arial Unicode MS"/>
+                <a:ea typeface="inherit"/>
+              </a:rPr>
+              <a:t>  console.log(</a:t>
+            </a:r>
+            <a:r>
+              <a:rPr kumimoji="0" lang="en-US" altLang="en-US" sz="1000" b="0" i="0" u="none" strike="noStrike" cap="none" normalizeH="0" baseline="0" dirty="0">
+                <a:ln>
+                  <a:noFill/>
+                </a:ln>
+                <a:solidFill>
+                  <a:srgbClr val="6A8759"/>
+                </a:solidFill>
+                <a:effectLst/>
+                <a:latin typeface="Arial Unicode MS"/>
+                <a:ea typeface="inherit"/>
+              </a:rPr>
+              <a:t>"RECEIVED POSTBACK IT WORKS"</a:t>
+            </a:r>
+            <a:r>
+              <a:rPr kumimoji="0" lang="en-US" altLang="en-US" sz="1000" b="0" i="0" u="none" strike="noStrike" cap="none" normalizeH="0" baseline="0" dirty="0">
+                <a:ln>
+                  <a:noFill/>
+                </a:ln>
+                <a:solidFill>
+                  <a:srgbClr val="A9B7C6"/>
+                </a:solidFill>
+                <a:effectLst/>
+                <a:latin typeface="Arial Unicode MS"/>
+                <a:ea typeface="inherit"/>
+              </a:rPr>
+              <a:t>);</a:t>
+            </a:r>
+          </a:p>
+          <a:p>
+            <a:pPr marL="0" marR="0" lvl="0" indent="0" algn="l" defTabSz="914400" rtl="0" eaLnBrk="0" fontAlgn="base" latinLnBrk="0" hangingPunct="0">
+              <a:lnSpc>
+                <a:spcPct val="100000"/>
+              </a:lnSpc>
+              <a:spcBef>
+                <a:spcPct val="0"/>
+              </a:spcBef>
+              <a:spcAft>
+                <a:spcPct val="0"/>
+              </a:spcAft>
+              <a:buClrTx/>
+              <a:buSzTx/>
+              <a:buFontTx/>
+              <a:buNone/>
+              <a:tabLst/>
+            </a:pPr>
+            <a:r>
+              <a:rPr kumimoji="0" lang="en-US" altLang="en-US" sz="1000" b="0" i="0" u="none" strike="noStrike" cap="none" normalizeH="0" baseline="0" dirty="0">
+                <a:ln>
+                  <a:noFill/>
+                </a:ln>
+                <a:solidFill>
+                  <a:srgbClr val="CC7832"/>
+                </a:solidFill>
+                <a:effectLst/>
+                <a:latin typeface="Arial Unicode MS"/>
+                <a:ea typeface="inherit"/>
+              </a:rPr>
+              <a:t>  </a:t>
+            </a:r>
+            <a:r>
+              <a:rPr kumimoji="0" lang="en-US" altLang="en-US" sz="1000" b="0" i="0" u="none" strike="noStrike" cap="none" normalizeH="0" baseline="0" dirty="0" err="1">
+                <a:ln>
+                  <a:noFill/>
+                </a:ln>
+                <a:solidFill>
+                  <a:srgbClr val="CC7832"/>
+                </a:solidFill>
+                <a:effectLst/>
+                <a:latin typeface="Arial Unicode MS"/>
+                <a:ea typeface="inherit"/>
+              </a:rPr>
+              <a:t>var</a:t>
+            </a:r>
+            <a:r>
+              <a:rPr kumimoji="0" lang="en-US" altLang="en-US" sz="1000" b="0" i="0" u="none" strike="noStrike" cap="none" normalizeH="0" baseline="0" dirty="0">
+                <a:ln>
+                  <a:noFill/>
+                </a:ln>
+                <a:solidFill>
+                  <a:srgbClr val="A9B7C6"/>
+                </a:solidFill>
+                <a:effectLst/>
+                <a:latin typeface="Arial Unicode MS"/>
+                <a:ea typeface="inherit"/>
+              </a:rPr>
+              <a:t> </a:t>
+            </a:r>
+            <a:r>
+              <a:rPr kumimoji="0" lang="en-US" altLang="en-US" sz="1000" b="0" i="0" u="none" strike="noStrike" cap="none" normalizeH="0" baseline="0" dirty="0" err="1">
+                <a:ln>
+                  <a:noFill/>
+                </a:ln>
+                <a:solidFill>
+                  <a:srgbClr val="A9B7C6"/>
+                </a:solidFill>
+                <a:effectLst/>
+                <a:latin typeface="Arial Unicode MS"/>
+                <a:ea typeface="inherit"/>
+              </a:rPr>
+              <a:t>senderID</a:t>
+            </a:r>
+            <a:r>
+              <a:rPr kumimoji="0" lang="en-US" altLang="en-US" sz="1000" b="0" i="0" u="none" strike="noStrike" cap="none" normalizeH="0" baseline="0" dirty="0">
+                <a:ln>
+                  <a:noFill/>
+                </a:ln>
+                <a:solidFill>
+                  <a:srgbClr val="A9B7C6"/>
+                </a:solidFill>
+                <a:effectLst/>
+                <a:latin typeface="Arial Unicode MS"/>
+                <a:ea typeface="inherit"/>
+              </a:rPr>
+              <a:t> = event.sender.id;</a:t>
+            </a:r>
+          </a:p>
+          <a:p>
+            <a:pPr marL="0" marR="0" lvl="0" indent="0" algn="l" defTabSz="914400" rtl="0" eaLnBrk="0" fontAlgn="base" latinLnBrk="0" hangingPunct="0">
+              <a:lnSpc>
+                <a:spcPct val="100000"/>
+              </a:lnSpc>
+              <a:spcBef>
+                <a:spcPct val="0"/>
+              </a:spcBef>
+              <a:spcAft>
+                <a:spcPct val="0"/>
+              </a:spcAft>
+              <a:buClrTx/>
+              <a:buSzTx/>
+              <a:buFontTx/>
+              <a:buNone/>
+              <a:tabLst/>
+            </a:pPr>
+            <a:r>
+              <a:rPr kumimoji="0" lang="en-US" altLang="en-US" sz="1000" b="0" i="0" u="none" strike="noStrike" cap="none" normalizeH="0" baseline="0" dirty="0">
+                <a:ln>
+                  <a:noFill/>
+                </a:ln>
+                <a:solidFill>
+                  <a:srgbClr val="CC7832"/>
+                </a:solidFill>
+                <a:effectLst/>
+                <a:latin typeface="Arial Unicode MS"/>
+                <a:ea typeface="inherit"/>
+              </a:rPr>
+              <a:t>  </a:t>
+            </a:r>
+            <a:r>
+              <a:rPr kumimoji="0" lang="en-US" altLang="en-US" sz="1000" b="0" i="0" u="none" strike="noStrike" cap="none" normalizeH="0" baseline="0" dirty="0" err="1">
+                <a:ln>
+                  <a:noFill/>
+                </a:ln>
+                <a:solidFill>
+                  <a:srgbClr val="CC7832"/>
+                </a:solidFill>
+                <a:effectLst/>
+                <a:latin typeface="Arial Unicode MS"/>
+                <a:ea typeface="inherit"/>
+              </a:rPr>
+              <a:t>var</a:t>
+            </a:r>
+            <a:r>
+              <a:rPr kumimoji="0" lang="en-US" altLang="en-US" sz="1000" b="0" i="0" u="none" strike="noStrike" cap="none" normalizeH="0" baseline="0" dirty="0">
+                <a:ln>
+                  <a:noFill/>
+                </a:ln>
+                <a:solidFill>
+                  <a:srgbClr val="A9B7C6"/>
+                </a:solidFill>
+                <a:effectLst/>
+                <a:latin typeface="Arial Unicode MS"/>
+                <a:ea typeface="inherit"/>
+              </a:rPr>
+              <a:t> </a:t>
+            </a:r>
+            <a:r>
+              <a:rPr kumimoji="0" lang="en-US" altLang="en-US" sz="1000" b="0" i="0" u="none" strike="noStrike" cap="none" normalizeH="0" baseline="0" dirty="0" err="1">
+                <a:ln>
+                  <a:noFill/>
+                </a:ln>
+                <a:solidFill>
+                  <a:srgbClr val="A9B7C6"/>
+                </a:solidFill>
+                <a:effectLst/>
+                <a:latin typeface="Arial Unicode MS"/>
+                <a:ea typeface="inherit"/>
+              </a:rPr>
+              <a:t>recipientID</a:t>
+            </a:r>
+            <a:r>
+              <a:rPr kumimoji="0" lang="en-US" altLang="en-US" sz="1000" b="0" i="0" u="none" strike="noStrike" cap="none" normalizeH="0" baseline="0" dirty="0">
+                <a:ln>
+                  <a:noFill/>
+                </a:ln>
+                <a:solidFill>
+                  <a:srgbClr val="A9B7C6"/>
+                </a:solidFill>
+                <a:effectLst/>
+                <a:latin typeface="Arial Unicode MS"/>
+                <a:ea typeface="inherit"/>
+              </a:rPr>
+              <a:t> = event.recipient.id;</a:t>
+            </a:r>
+          </a:p>
+          <a:p>
+            <a:pPr marL="0" marR="0" lvl="0" indent="0" algn="l" defTabSz="914400" rtl="0" eaLnBrk="0" fontAlgn="base" latinLnBrk="0" hangingPunct="0">
+              <a:lnSpc>
+                <a:spcPct val="100000"/>
+              </a:lnSpc>
+              <a:spcBef>
+                <a:spcPct val="0"/>
+              </a:spcBef>
+              <a:spcAft>
+                <a:spcPct val="0"/>
+              </a:spcAft>
+              <a:buClrTx/>
+              <a:buSzTx/>
+              <a:buFontTx/>
+              <a:buNone/>
+              <a:tabLst/>
+            </a:pPr>
+            <a:r>
+              <a:rPr kumimoji="0" lang="en-US" altLang="en-US" sz="1000" b="0" i="0" u="none" strike="noStrike" cap="none" normalizeH="0" baseline="0" dirty="0">
+                <a:ln>
+                  <a:noFill/>
+                </a:ln>
+                <a:solidFill>
+                  <a:srgbClr val="CC7832"/>
+                </a:solidFill>
+                <a:effectLst/>
+                <a:latin typeface="Arial Unicode MS"/>
+                <a:ea typeface="inherit"/>
+              </a:rPr>
+              <a:t>  </a:t>
+            </a:r>
+            <a:r>
+              <a:rPr kumimoji="0" lang="en-US" altLang="en-US" sz="1000" b="0" i="0" u="none" strike="noStrike" cap="none" normalizeH="0" baseline="0" dirty="0" err="1">
+                <a:ln>
+                  <a:noFill/>
+                </a:ln>
+                <a:solidFill>
+                  <a:srgbClr val="CC7832"/>
+                </a:solidFill>
+                <a:effectLst/>
+                <a:latin typeface="Arial Unicode MS"/>
+                <a:ea typeface="inherit"/>
+              </a:rPr>
+              <a:t>var</a:t>
+            </a:r>
+            <a:r>
+              <a:rPr kumimoji="0" lang="en-US" altLang="en-US" sz="1000" b="0" i="0" u="none" strike="noStrike" cap="none" normalizeH="0" baseline="0" dirty="0">
+                <a:ln>
+                  <a:noFill/>
+                </a:ln>
+                <a:solidFill>
+                  <a:srgbClr val="A9B7C6"/>
+                </a:solidFill>
+                <a:effectLst/>
+                <a:latin typeface="Arial Unicode MS"/>
+                <a:ea typeface="inherit"/>
+              </a:rPr>
+              <a:t> </a:t>
+            </a:r>
+            <a:r>
+              <a:rPr kumimoji="0" lang="en-US" altLang="en-US" sz="1000" b="0" i="0" u="none" strike="noStrike" cap="none" normalizeH="0" baseline="0" dirty="0" err="1">
+                <a:ln>
+                  <a:noFill/>
+                </a:ln>
+                <a:solidFill>
+                  <a:srgbClr val="A9B7C6"/>
+                </a:solidFill>
+                <a:effectLst/>
+                <a:latin typeface="Arial Unicode MS"/>
+                <a:ea typeface="inherit"/>
+              </a:rPr>
+              <a:t>timeOfPostback</a:t>
+            </a:r>
+            <a:r>
+              <a:rPr kumimoji="0" lang="en-US" altLang="en-US" sz="1000" b="0" i="0" u="none" strike="noStrike" cap="none" normalizeH="0" baseline="0" dirty="0">
+                <a:ln>
+                  <a:noFill/>
+                </a:ln>
+                <a:solidFill>
+                  <a:srgbClr val="A9B7C6"/>
+                </a:solidFill>
+                <a:effectLst/>
+                <a:latin typeface="Arial Unicode MS"/>
+                <a:ea typeface="inherit"/>
+              </a:rPr>
+              <a:t> = </a:t>
+            </a:r>
+            <a:r>
+              <a:rPr kumimoji="0" lang="en-US" altLang="en-US" sz="1000" b="0" i="0" u="none" strike="noStrike" cap="none" normalizeH="0" baseline="0" dirty="0" err="1">
+                <a:ln>
+                  <a:noFill/>
+                </a:ln>
+                <a:solidFill>
+                  <a:srgbClr val="A9B7C6"/>
+                </a:solidFill>
+                <a:effectLst/>
+                <a:latin typeface="Arial Unicode MS"/>
+                <a:ea typeface="inherit"/>
+              </a:rPr>
+              <a:t>event.timestamp</a:t>
+            </a:r>
+            <a:r>
+              <a:rPr kumimoji="0" lang="en-US" altLang="en-US" sz="1000" b="0" i="0" u="none" strike="noStrike" cap="none" normalizeH="0" baseline="0" dirty="0">
+                <a:ln>
+                  <a:noFill/>
+                </a:ln>
+                <a:solidFill>
+                  <a:srgbClr val="A9B7C6"/>
+                </a:solidFill>
+                <a:effectLst/>
+                <a:latin typeface="Arial Unicode MS"/>
+                <a:ea typeface="inherit"/>
+              </a:rPr>
+              <a:t>;</a:t>
+            </a:r>
+          </a:p>
+          <a:p>
+            <a:pPr marL="0" marR="0" lvl="0" indent="0" algn="l" defTabSz="914400" rtl="0" eaLnBrk="0" fontAlgn="base" latinLnBrk="0" hangingPunct="0">
+              <a:lnSpc>
+                <a:spcPct val="100000"/>
+              </a:lnSpc>
+              <a:spcBef>
+                <a:spcPct val="0"/>
+              </a:spcBef>
+              <a:spcAft>
+                <a:spcPct val="0"/>
+              </a:spcAft>
+              <a:buClrTx/>
+              <a:buSzTx/>
+              <a:buFontTx/>
+              <a:buNone/>
+              <a:tabLst/>
+            </a:pPr>
+            <a:r>
+              <a:rPr kumimoji="0" lang="en-US" altLang="en-US" sz="1000" b="0" i="0" u="none" strike="noStrike" cap="none" normalizeH="0" baseline="0" dirty="0">
+                <a:ln>
+                  <a:noFill/>
+                </a:ln>
+                <a:solidFill>
+                  <a:srgbClr val="CC7832"/>
+                </a:solidFill>
+                <a:effectLst/>
+                <a:latin typeface="Arial Unicode MS"/>
+                <a:ea typeface="inherit"/>
+              </a:rPr>
+              <a:t>  </a:t>
+            </a:r>
+            <a:r>
+              <a:rPr kumimoji="0" lang="en-US" altLang="en-US" sz="1000" b="0" i="0" u="none" strike="noStrike" cap="none" normalizeH="0" baseline="0" dirty="0" err="1">
+                <a:ln>
+                  <a:noFill/>
+                </a:ln>
+                <a:solidFill>
+                  <a:srgbClr val="CC7832"/>
+                </a:solidFill>
+                <a:effectLst/>
+                <a:latin typeface="Arial Unicode MS"/>
+                <a:ea typeface="inherit"/>
+              </a:rPr>
+              <a:t>var</a:t>
+            </a:r>
+            <a:r>
+              <a:rPr kumimoji="0" lang="en-US" altLang="en-US" sz="1000" b="0" i="0" u="none" strike="noStrike" cap="none" normalizeH="0" baseline="0" dirty="0">
+                <a:ln>
+                  <a:noFill/>
+                </a:ln>
+                <a:solidFill>
+                  <a:srgbClr val="A9B7C6"/>
+                </a:solidFill>
+                <a:effectLst/>
+                <a:latin typeface="Arial Unicode MS"/>
+                <a:ea typeface="inherit"/>
+              </a:rPr>
+              <a:t> payload = </a:t>
+            </a:r>
+            <a:r>
+              <a:rPr kumimoji="0" lang="en-US" altLang="en-US" sz="1000" b="0" i="0" u="none" strike="noStrike" cap="none" normalizeH="0" baseline="0" dirty="0" err="1">
+                <a:ln>
+                  <a:noFill/>
+                </a:ln>
+                <a:solidFill>
+                  <a:srgbClr val="A9B7C6"/>
+                </a:solidFill>
+                <a:effectLst/>
+                <a:latin typeface="Arial Unicode MS"/>
+                <a:ea typeface="inherit"/>
+              </a:rPr>
+              <a:t>event.postback.payload</a:t>
+            </a:r>
+            <a:r>
+              <a:rPr kumimoji="0" lang="en-US" altLang="en-US" sz="1000" b="0" i="0" u="none" strike="noStrike" cap="none" normalizeH="0" baseline="0" dirty="0">
+                <a:ln>
+                  <a:noFill/>
+                </a:ln>
+                <a:solidFill>
+                  <a:srgbClr val="A9B7C6"/>
+                </a:solidFill>
+                <a:effectLst/>
+                <a:latin typeface="Arial Unicode MS"/>
+                <a:ea typeface="inherit"/>
+              </a:rPr>
+              <a:t>;</a:t>
+            </a:r>
+          </a:p>
+          <a:p>
+            <a:pPr marL="0" marR="0" lvl="0" indent="0" algn="l" defTabSz="914400" rtl="0" eaLnBrk="0" fontAlgn="base" latinLnBrk="0" hangingPunct="0">
+              <a:lnSpc>
+                <a:spcPct val="100000"/>
+              </a:lnSpc>
+              <a:spcBef>
+                <a:spcPct val="0"/>
+              </a:spcBef>
+              <a:spcAft>
+                <a:spcPct val="0"/>
+              </a:spcAft>
+              <a:buClrTx/>
+              <a:buSzTx/>
+              <a:buFontTx/>
+              <a:buNone/>
+              <a:tabLst/>
+            </a:pPr>
+            <a:r>
+              <a:rPr kumimoji="0" lang="en-US" altLang="en-US" sz="1000" b="0" i="0" u="none" strike="noStrike" cap="none" normalizeH="0" baseline="0" dirty="0">
+                <a:ln>
+                  <a:noFill/>
+                </a:ln>
+                <a:solidFill>
+                  <a:srgbClr val="A9B7C6"/>
+                </a:solidFill>
+                <a:effectLst/>
+                <a:latin typeface="Arial Unicode MS"/>
+                <a:ea typeface="inherit"/>
+              </a:rPr>
+              <a:t>  console.log(</a:t>
+            </a:r>
+            <a:r>
+              <a:rPr kumimoji="0" lang="en-US" altLang="en-US" sz="1000" b="0" i="0" u="none" strike="noStrike" cap="none" normalizeH="0" baseline="0" dirty="0">
+                <a:ln>
+                  <a:noFill/>
+                </a:ln>
+                <a:solidFill>
+                  <a:srgbClr val="6A8759"/>
+                </a:solidFill>
+                <a:effectLst/>
+                <a:latin typeface="Arial Unicode MS"/>
+                <a:ea typeface="inherit"/>
+              </a:rPr>
+              <a:t>"Received </a:t>
+            </a:r>
+            <a:r>
+              <a:rPr kumimoji="0" lang="en-US" altLang="en-US" sz="1000" b="0" i="0" u="none" strike="noStrike" cap="none" normalizeH="0" baseline="0" dirty="0" err="1">
+                <a:ln>
+                  <a:noFill/>
+                </a:ln>
+                <a:solidFill>
+                  <a:srgbClr val="6A8759"/>
+                </a:solidFill>
+                <a:effectLst/>
+                <a:latin typeface="Arial Unicode MS"/>
+                <a:ea typeface="inherit"/>
+              </a:rPr>
+              <a:t>postback</a:t>
+            </a:r>
+            <a:r>
+              <a:rPr kumimoji="0" lang="en-US" altLang="en-US" sz="1000" b="0" i="0" u="none" strike="noStrike" cap="none" normalizeH="0" baseline="0" dirty="0">
+                <a:ln>
+                  <a:noFill/>
+                </a:ln>
+                <a:solidFill>
+                  <a:srgbClr val="6A8759"/>
+                </a:solidFill>
+                <a:effectLst/>
+                <a:latin typeface="Arial Unicode MS"/>
+                <a:ea typeface="inherit"/>
+              </a:rPr>
+              <a:t> for user %d and page %d with payload '%s' "</a:t>
+            </a:r>
+            <a:r>
+              <a:rPr kumimoji="0" lang="en-US" altLang="en-US" sz="1000" b="0" i="0" u="none" strike="noStrike" cap="none" normalizeH="0" baseline="0" dirty="0">
+                <a:ln>
+                  <a:noFill/>
+                </a:ln>
+                <a:solidFill>
+                  <a:srgbClr val="A9B7C6"/>
+                </a:solidFill>
+                <a:effectLst/>
+                <a:latin typeface="Arial Unicode MS"/>
+                <a:ea typeface="inherit"/>
+              </a:rPr>
+              <a:t> +</a:t>
+            </a:r>
+          </a:p>
+          <a:p>
+            <a:pPr marL="0" marR="0" lvl="0" indent="0" algn="l" defTabSz="914400" rtl="0" eaLnBrk="0" fontAlgn="base" latinLnBrk="0" hangingPunct="0">
+              <a:lnSpc>
+                <a:spcPct val="100000"/>
+              </a:lnSpc>
+              <a:spcBef>
+                <a:spcPct val="0"/>
+              </a:spcBef>
+              <a:spcAft>
+                <a:spcPct val="0"/>
+              </a:spcAft>
+              <a:buClrTx/>
+              <a:buSzTx/>
+              <a:buFontTx/>
+              <a:buNone/>
+              <a:tabLst/>
+            </a:pPr>
+            <a:r>
+              <a:rPr kumimoji="0" lang="en-US" altLang="en-US" sz="1000" b="0" i="0" u="none" strike="noStrike" cap="none" normalizeH="0" baseline="0" dirty="0">
+                <a:ln>
+                  <a:noFill/>
+                </a:ln>
+                <a:solidFill>
+                  <a:srgbClr val="6A8759"/>
+                </a:solidFill>
+                <a:effectLst/>
+                <a:latin typeface="Arial Unicode MS"/>
+                <a:ea typeface="inherit"/>
+              </a:rPr>
+              <a:t>"at %d"</a:t>
+            </a:r>
+            <a:r>
+              <a:rPr kumimoji="0" lang="en-US" altLang="en-US" sz="1000" b="0" i="0" u="none" strike="noStrike" cap="none" normalizeH="0" baseline="0" dirty="0">
+                <a:ln>
+                  <a:noFill/>
+                </a:ln>
+                <a:solidFill>
+                  <a:srgbClr val="A9B7C6"/>
+                </a:solidFill>
+                <a:effectLst/>
+                <a:latin typeface="Arial Unicode MS"/>
+                <a:ea typeface="inherit"/>
+              </a:rPr>
+              <a:t>, </a:t>
+            </a:r>
+            <a:r>
+              <a:rPr kumimoji="0" lang="en-US" altLang="en-US" sz="1000" b="0" i="0" u="none" strike="noStrike" cap="none" normalizeH="0" baseline="0" dirty="0" err="1">
+                <a:ln>
+                  <a:noFill/>
+                </a:ln>
+                <a:solidFill>
+                  <a:srgbClr val="A9B7C6"/>
+                </a:solidFill>
+                <a:effectLst/>
+                <a:latin typeface="Arial Unicode MS"/>
+                <a:ea typeface="inherit"/>
+              </a:rPr>
+              <a:t>senderID</a:t>
+            </a:r>
+            <a:r>
+              <a:rPr kumimoji="0" lang="en-US" altLang="en-US" sz="1000" b="0" i="0" u="none" strike="noStrike" cap="none" normalizeH="0" baseline="0" dirty="0">
+                <a:ln>
+                  <a:noFill/>
+                </a:ln>
+                <a:solidFill>
+                  <a:srgbClr val="A9B7C6"/>
+                </a:solidFill>
+                <a:effectLst/>
+                <a:latin typeface="Arial Unicode MS"/>
+                <a:ea typeface="inherit"/>
+              </a:rPr>
+              <a:t>, </a:t>
+            </a:r>
+            <a:r>
+              <a:rPr kumimoji="0" lang="en-US" altLang="en-US" sz="1000" b="0" i="0" u="none" strike="noStrike" cap="none" normalizeH="0" baseline="0" dirty="0" err="1">
+                <a:ln>
+                  <a:noFill/>
+                </a:ln>
+                <a:solidFill>
+                  <a:srgbClr val="A9B7C6"/>
+                </a:solidFill>
+                <a:effectLst/>
+                <a:latin typeface="Arial Unicode MS"/>
+                <a:ea typeface="inherit"/>
+              </a:rPr>
+              <a:t>recipientID</a:t>
+            </a:r>
+            <a:r>
+              <a:rPr kumimoji="0" lang="en-US" altLang="en-US" sz="1000" b="0" i="0" u="none" strike="noStrike" cap="none" normalizeH="0" baseline="0" dirty="0">
+                <a:ln>
+                  <a:noFill/>
+                </a:ln>
+                <a:solidFill>
+                  <a:srgbClr val="A9B7C6"/>
+                </a:solidFill>
+                <a:effectLst/>
+                <a:latin typeface="Arial Unicode MS"/>
+                <a:ea typeface="inherit"/>
+              </a:rPr>
+              <a:t>, payload, </a:t>
+            </a:r>
+            <a:r>
+              <a:rPr kumimoji="0" lang="en-US" altLang="en-US" sz="1000" b="0" i="0" u="none" strike="noStrike" cap="none" normalizeH="0" baseline="0" dirty="0" err="1">
+                <a:ln>
+                  <a:noFill/>
+                </a:ln>
+                <a:solidFill>
+                  <a:srgbClr val="A9B7C6"/>
+                </a:solidFill>
+                <a:effectLst/>
+                <a:latin typeface="Arial Unicode MS"/>
+                <a:ea typeface="inherit"/>
+              </a:rPr>
+              <a:t>timeOfPostback</a:t>
+            </a:r>
+            <a:r>
+              <a:rPr kumimoji="0" lang="en-US" altLang="en-US" sz="1000" b="0" i="0" u="none" strike="noStrike" cap="none" normalizeH="0" baseline="0" dirty="0">
+                <a:ln>
+                  <a:noFill/>
+                </a:ln>
+                <a:solidFill>
+                  <a:srgbClr val="A9B7C6"/>
+                </a:solidFill>
+                <a:effectLst/>
+                <a:latin typeface="Arial Unicode MS"/>
+                <a:ea typeface="inherit"/>
+              </a:rPr>
+              <a:t>);</a:t>
+            </a:r>
+          </a:p>
+          <a:p>
+            <a:pPr marL="0" marR="0" lvl="0" indent="0" algn="l" defTabSz="914400" rtl="0" eaLnBrk="0" fontAlgn="base" latinLnBrk="0" hangingPunct="0">
+              <a:lnSpc>
+                <a:spcPct val="100000"/>
+              </a:lnSpc>
+              <a:spcBef>
+                <a:spcPct val="0"/>
+              </a:spcBef>
+              <a:spcAft>
+                <a:spcPct val="0"/>
+              </a:spcAft>
+              <a:buClrTx/>
+              <a:buSzTx/>
+              <a:buFontTx/>
+              <a:buNone/>
+              <a:tabLst/>
+            </a:pPr>
+            <a:r>
+              <a:rPr kumimoji="0" lang="en-US" altLang="en-US" sz="1000" b="0" i="0" u="none" strike="noStrike" cap="none" normalizeH="0" baseline="0" dirty="0">
+                <a:ln>
+                  <a:noFill/>
+                </a:ln>
+                <a:solidFill>
+                  <a:srgbClr val="A9B7C6"/>
+                </a:solidFill>
+                <a:effectLst/>
+                <a:latin typeface="Arial Unicode MS"/>
+                <a:ea typeface="inherit"/>
+              </a:rPr>
+              <a:t>  </a:t>
+            </a:r>
+            <a:r>
+              <a:rPr kumimoji="0" lang="en-US" altLang="en-US" sz="1000" b="0" i="0" u="none" strike="noStrike" cap="none" normalizeH="0" baseline="0" dirty="0" err="1">
+                <a:ln>
+                  <a:noFill/>
+                </a:ln>
+                <a:solidFill>
+                  <a:srgbClr val="A9B7C6"/>
+                </a:solidFill>
+                <a:effectLst/>
+                <a:latin typeface="Arial Unicode MS"/>
+                <a:ea typeface="inherit"/>
+              </a:rPr>
+              <a:t>sendTextMessage</a:t>
+            </a:r>
+            <a:r>
+              <a:rPr kumimoji="0" lang="en-US" altLang="en-US" sz="1000" b="0" i="0" u="none" strike="noStrike" cap="none" normalizeH="0" baseline="0" dirty="0">
+                <a:ln>
+                  <a:noFill/>
+                </a:ln>
+                <a:solidFill>
+                  <a:srgbClr val="A9B7C6"/>
+                </a:solidFill>
+                <a:effectLst/>
+                <a:latin typeface="Arial Unicode MS"/>
+                <a:ea typeface="inherit"/>
+              </a:rPr>
+              <a:t>(</a:t>
+            </a:r>
+            <a:r>
+              <a:rPr kumimoji="0" lang="en-US" altLang="en-US" sz="1000" b="0" i="0" u="none" strike="noStrike" cap="none" normalizeH="0" baseline="0" dirty="0" err="1">
+                <a:ln>
+                  <a:noFill/>
+                </a:ln>
+                <a:solidFill>
+                  <a:srgbClr val="A9B7C6"/>
+                </a:solidFill>
+                <a:effectLst/>
+                <a:latin typeface="Arial Unicode MS"/>
+                <a:ea typeface="inherit"/>
+              </a:rPr>
+              <a:t>senderID</a:t>
+            </a:r>
+            <a:r>
+              <a:rPr kumimoji="0" lang="en-US" altLang="en-US" sz="1000" b="0" i="0" u="none" strike="noStrike" cap="none" normalizeH="0" baseline="0" dirty="0">
+                <a:ln>
+                  <a:noFill/>
+                </a:ln>
+                <a:solidFill>
+                  <a:srgbClr val="A9B7C6"/>
+                </a:solidFill>
+                <a:effectLst/>
+                <a:latin typeface="Arial Unicode MS"/>
+                <a:ea typeface="inherit"/>
+              </a:rPr>
+              <a:t>, </a:t>
+            </a:r>
+            <a:r>
+              <a:rPr kumimoji="0" lang="en-US" altLang="en-US" sz="1000" b="0" i="0" u="none" strike="noStrike" cap="none" normalizeH="0" baseline="0" dirty="0">
+                <a:ln>
+                  <a:noFill/>
+                </a:ln>
+                <a:solidFill>
+                  <a:srgbClr val="6A8759"/>
+                </a:solidFill>
+                <a:effectLst/>
+                <a:latin typeface="Arial Unicode MS"/>
+                <a:ea typeface="inherit"/>
+              </a:rPr>
+              <a:t>"</a:t>
+            </a:r>
+            <a:r>
+              <a:rPr kumimoji="0" lang="en-US" altLang="en-US" sz="1000" b="0" i="0" u="none" strike="noStrike" cap="none" normalizeH="0" baseline="0" dirty="0" err="1">
+                <a:ln>
+                  <a:noFill/>
+                </a:ln>
+                <a:solidFill>
+                  <a:srgbClr val="6A8759"/>
+                </a:solidFill>
+                <a:effectLst/>
+                <a:latin typeface="Arial Unicode MS"/>
+                <a:ea typeface="inherit"/>
+              </a:rPr>
+              <a:t>Postback</a:t>
+            </a:r>
+            <a:r>
+              <a:rPr kumimoji="0" lang="en-US" altLang="en-US" sz="1000" b="0" i="0" u="none" strike="noStrike" cap="none" normalizeH="0" baseline="0" dirty="0">
+                <a:ln>
+                  <a:noFill/>
+                </a:ln>
+                <a:solidFill>
+                  <a:srgbClr val="6A8759"/>
+                </a:solidFill>
+                <a:effectLst/>
+                <a:latin typeface="Arial Unicode MS"/>
+                <a:ea typeface="inherit"/>
+              </a:rPr>
+              <a:t> called"</a:t>
+            </a:r>
+            <a:r>
+              <a:rPr kumimoji="0" lang="en-US" altLang="en-US" sz="1000" b="0" i="0" u="none" strike="noStrike" cap="none" normalizeH="0" baseline="0" dirty="0">
+                <a:ln>
+                  <a:noFill/>
+                </a:ln>
+                <a:solidFill>
+                  <a:srgbClr val="A9B7C6"/>
+                </a:solidFill>
+                <a:effectLst/>
+                <a:latin typeface="Arial Unicode MS"/>
+                <a:ea typeface="inherit"/>
+              </a:rPr>
+              <a:t>);</a:t>
+            </a:r>
+          </a:p>
+          <a:p>
+            <a:pPr marL="0" marR="0" lvl="0" indent="0" algn="l" defTabSz="914400" rtl="0" eaLnBrk="0" fontAlgn="base" latinLnBrk="0" hangingPunct="0">
+              <a:lnSpc>
+                <a:spcPct val="100000"/>
+              </a:lnSpc>
+              <a:spcBef>
+                <a:spcPct val="0"/>
+              </a:spcBef>
+              <a:spcAft>
+                <a:spcPct val="0"/>
+              </a:spcAft>
+              <a:buClrTx/>
+              <a:buSzTx/>
+              <a:buFontTx/>
+              <a:buNone/>
+              <a:tabLst/>
+            </a:pPr>
+            <a:r>
+              <a:rPr kumimoji="0" lang="en-US" altLang="en-US" sz="1000" b="0" i="0" u="none" strike="noStrike" cap="none" normalizeH="0" baseline="0" dirty="0">
+                <a:ln>
+                  <a:noFill/>
+                </a:ln>
+                <a:solidFill>
+                  <a:srgbClr val="A9B7C6"/>
+                </a:solidFill>
+                <a:effectLst/>
+                <a:latin typeface="Arial Unicode MS"/>
+                <a:ea typeface="inherit"/>
+              </a:rPr>
+              <a:t>}</a:t>
+            </a:r>
+          </a:p>
+          <a:p>
+            <a:pPr marL="0" marR="0" lvl="0" indent="0" algn="l" defTabSz="914400" rtl="0" eaLnBrk="0" fontAlgn="base" latinLnBrk="0" hangingPunct="0">
+              <a:lnSpc>
+                <a:spcPct val="100000"/>
+              </a:lnSpc>
+              <a:spcBef>
+                <a:spcPct val="0"/>
+              </a:spcBef>
+              <a:spcAft>
+                <a:spcPct val="0"/>
+              </a:spcAft>
+              <a:buClrTx/>
+              <a:buSzTx/>
+              <a:buFontTx/>
+              <a:buNone/>
+              <a:tabLst/>
+            </a:pPr>
+            <a:r>
+              <a:rPr kumimoji="0" lang="en-US" altLang="en-US" sz="1000" b="0" i="0" u="none" strike="noStrike" cap="none" normalizeH="0" baseline="0" dirty="0">
+                <a:ln>
+                  <a:noFill/>
+                </a:ln>
+                <a:solidFill>
+                  <a:srgbClr val="CC7832"/>
+                </a:solidFill>
+                <a:effectLst/>
+                <a:latin typeface="Arial Unicode MS"/>
+                <a:ea typeface="inherit"/>
+              </a:rPr>
+              <a:t>function</a:t>
+            </a:r>
+            <a:r>
+              <a:rPr kumimoji="0" lang="en-US" altLang="en-US" sz="1000" b="0" i="0" u="none" strike="noStrike" cap="none" normalizeH="0" baseline="0" dirty="0">
+                <a:ln>
+                  <a:noFill/>
+                </a:ln>
+                <a:solidFill>
+                  <a:srgbClr val="A9B7C6"/>
+                </a:solidFill>
+                <a:effectLst/>
+                <a:latin typeface="Arial Unicode MS"/>
+                <a:ea typeface="inherit"/>
+              </a:rPr>
+              <a:t> </a:t>
+            </a:r>
+            <a:r>
+              <a:rPr kumimoji="0" lang="en-US" altLang="en-US" sz="1000" b="0" i="0" u="none" strike="noStrike" cap="none" normalizeH="0" baseline="0" dirty="0" err="1">
+                <a:ln>
+                  <a:noFill/>
+                </a:ln>
+                <a:solidFill>
+                  <a:srgbClr val="FFC66D"/>
+                </a:solidFill>
+                <a:effectLst/>
+                <a:latin typeface="Arial Unicode MS"/>
+                <a:ea typeface="inherit"/>
+              </a:rPr>
+              <a:t>sendTextMessage</a:t>
+            </a:r>
+            <a:r>
+              <a:rPr kumimoji="0" lang="en-US" altLang="en-US" sz="1000" b="0" i="0" u="none" strike="noStrike" cap="none" normalizeH="0" baseline="0" dirty="0">
+                <a:ln>
+                  <a:noFill/>
+                </a:ln>
+                <a:solidFill>
+                  <a:srgbClr val="A9B7C6"/>
+                </a:solidFill>
+                <a:effectLst/>
+                <a:latin typeface="Arial Unicode MS"/>
+                <a:ea typeface="inherit"/>
+              </a:rPr>
+              <a:t>(</a:t>
+            </a:r>
+            <a:r>
+              <a:rPr kumimoji="0" lang="en-US" altLang="en-US" sz="1000" b="0" i="0" u="none" strike="noStrike" cap="none" normalizeH="0" baseline="0" dirty="0" err="1">
+                <a:ln>
+                  <a:noFill/>
+                </a:ln>
+                <a:solidFill>
+                  <a:srgbClr val="A9B7C6"/>
+                </a:solidFill>
+                <a:effectLst/>
+                <a:latin typeface="Arial Unicode MS"/>
+                <a:ea typeface="inherit"/>
+              </a:rPr>
+              <a:t>recipientId</a:t>
+            </a:r>
+            <a:r>
+              <a:rPr kumimoji="0" lang="en-US" altLang="en-US" sz="1000" b="0" i="0" u="none" strike="noStrike" cap="none" normalizeH="0" baseline="0" dirty="0">
+                <a:ln>
+                  <a:noFill/>
+                </a:ln>
+                <a:solidFill>
+                  <a:srgbClr val="A9B7C6"/>
+                </a:solidFill>
+                <a:effectLst/>
+                <a:latin typeface="Arial Unicode MS"/>
+                <a:ea typeface="inherit"/>
+              </a:rPr>
+              <a:t>, message) {</a:t>
+            </a:r>
+          </a:p>
+          <a:p>
+            <a:pPr marL="0" marR="0" lvl="0" indent="0" algn="l" defTabSz="914400" rtl="0" eaLnBrk="0" fontAlgn="base" latinLnBrk="0" hangingPunct="0">
+              <a:lnSpc>
+                <a:spcPct val="100000"/>
+              </a:lnSpc>
+              <a:spcBef>
+                <a:spcPct val="0"/>
+              </a:spcBef>
+              <a:spcAft>
+                <a:spcPct val="0"/>
+              </a:spcAft>
+              <a:buClrTx/>
+              <a:buSzTx/>
+              <a:buFontTx/>
+              <a:buNone/>
+              <a:tabLst/>
+            </a:pPr>
+            <a:r>
+              <a:rPr kumimoji="0" lang="en-US" altLang="en-US" sz="1000" b="0" i="0" u="none" strike="noStrike" cap="none" normalizeH="0" baseline="0" dirty="0">
+                <a:ln>
+                  <a:noFill/>
+                </a:ln>
+                <a:solidFill>
+                  <a:srgbClr val="A9B7C6"/>
+                </a:solidFill>
+                <a:effectLst/>
+                <a:latin typeface="Arial Unicode MS"/>
+                <a:ea typeface="inherit"/>
+              </a:rPr>
+              <a:t>  request({</a:t>
+            </a:r>
+          </a:p>
+          <a:p>
+            <a:pPr marL="0" marR="0" lvl="0" indent="0" algn="l" defTabSz="914400" rtl="0" eaLnBrk="0" fontAlgn="base" latinLnBrk="0" hangingPunct="0">
+              <a:lnSpc>
+                <a:spcPct val="100000"/>
+              </a:lnSpc>
+              <a:spcBef>
+                <a:spcPct val="0"/>
+              </a:spcBef>
+              <a:spcAft>
+                <a:spcPct val="0"/>
+              </a:spcAft>
+              <a:buClrTx/>
+              <a:buSzTx/>
+              <a:buFontTx/>
+              <a:buNone/>
+              <a:tabLst/>
+            </a:pPr>
+            <a:r>
+              <a:rPr kumimoji="0" lang="en-US" altLang="en-US" sz="1000" b="0" i="0" u="none" strike="noStrike" cap="none" normalizeH="0" baseline="0" dirty="0">
+                <a:ln>
+                  <a:noFill/>
+                </a:ln>
+                <a:solidFill>
+                  <a:srgbClr val="A9B7C6"/>
+                </a:solidFill>
+                <a:effectLst/>
+                <a:latin typeface="Arial Unicode MS"/>
+                <a:ea typeface="inherit"/>
+              </a:rPr>
+              <a:t>    url: </a:t>
+            </a:r>
+            <a:r>
+              <a:rPr kumimoji="0" lang="en-US" altLang="en-US" sz="1000" b="0" i="0" u="none" strike="noStrike" cap="none" normalizeH="0" baseline="0" dirty="0">
+                <a:ln>
+                  <a:noFill/>
+                </a:ln>
+                <a:solidFill>
+                  <a:srgbClr val="6A8759"/>
+                </a:solidFill>
+                <a:effectLst/>
+                <a:latin typeface="Arial Unicode MS"/>
+                <a:ea typeface="inherit"/>
+              </a:rPr>
+              <a:t>'https://graph.facebook.com/v2.6/me/messages’</a:t>
+            </a:r>
+            <a:r>
+              <a:rPr kumimoji="0" lang="en-US" altLang="en-US" sz="1000" b="0" i="0" u="none" strike="noStrike" cap="none" normalizeH="0" baseline="0" dirty="0">
+                <a:ln>
+                  <a:noFill/>
+                </a:ln>
+                <a:solidFill>
+                  <a:srgbClr val="A9B7C6"/>
+                </a:solidFill>
+                <a:effectLst/>
+                <a:latin typeface="Arial Unicode MS"/>
+                <a:ea typeface="inherit"/>
+              </a:rPr>
+              <a:t>,</a:t>
+            </a:r>
+          </a:p>
+          <a:p>
+            <a:pPr marL="0" marR="0" lvl="0" indent="0" algn="l" defTabSz="914400" rtl="0" eaLnBrk="0" fontAlgn="base" latinLnBrk="0" hangingPunct="0">
+              <a:lnSpc>
+                <a:spcPct val="100000"/>
+              </a:lnSpc>
+              <a:spcBef>
+                <a:spcPct val="0"/>
+              </a:spcBef>
+              <a:spcAft>
+                <a:spcPct val="0"/>
+              </a:spcAft>
+              <a:buClrTx/>
+              <a:buSzTx/>
+              <a:buFontTx/>
+              <a:buNone/>
+              <a:tabLst/>
+            </a:pPr>
+            <a:r>
+              <a:rPr kumimoji="0" lang="en-US" altLang="en-US" sz="1000" b="0" i="0" u="none" strike="noStrike" cap="none" normalizeH="0" baseline="0" dirty="0">
+                <a:ln>
+                  <a:noFill/>
+                </a:ln>
+                <a:solidFill>
+                  <a:srgbClr val="A9B7C6"/>
+                </a:solidFill>
+                <a:effectLst/>
+                <a:latin typeface="Arial Unicode MS"/>
+                <a:ea typeface="inherit"/>
+              </a:rPr>
+              <a:t>    </a:t>
+            </a:r>
+            <a:r>
+              <a:rPr kumimoji="0" lang="en-US" altLang="en-US" sz="1000" b="0" i="0" u="none" strike="noStrike" cap="none" normalizeH="0" baseline="0" dirty="0" err="1">
+                <a:ln>
+                  <a:noFill/>
+                </a:ln>
+                <a:solidFill>
+                  <a:srgbClr val="A9B7C6"/>
+                </a:solidFill>
+                <a:effectLst/>
+                <a:latin typeface="Arial Unicode MS"/>
+                <a:ea typeface="inherit"/>
+              </a:rPr>
+              <a:t>qs</a:t>
+            </a:r>
+            <a:r>
+              <a:rPr kumimoji="0" lang="en-US" altLang="en-US" sz="1000" b="0" i="0" u="none" strike="noStrike" cap="none" normalizeH="0" baseline="0" dirty="0">
+                <a:ln>
+                  <a:noFill/>
+                </a:ln>
+                <a:solidFill>
+                  <a:srgbClr val="A9B7C6"/>
+                </a:solidFill>
+                <a:effectLst/>
+                <a:latin typeface="Arial Unicode MS"/>
+                <a:ea typeface="inherit"/>
+              </a:rPr>
+              <a:t>: { </a:t>
+            </a:r>
+            <a:r>
+              <a:rPr kumimoji="0" lang="en-US" altLang="en-US" sz="1000" b="0" i="0" u="none" strike="noStrike" cap="none" normalizeH="0" baseline="0" dirty="0" err="1">
+                <a:ln>
+                  <a:noFill/>
+                </a:ln>
+                <a:solidFill>
+                  <a:srgbClr val="A9B7C6"/>
+                </a:solidFill>
+                <a:effectLst/>
+                <a:latin typeface="Arial Unicode MS"/>
+                <a:ea typeface="inherit"/>
+              </a:rPr>
+              <a:t>access_token</a:t>
+            </a:r>
+            <a:r>
+              <a:rPr kumimoji="0" lang="en-US" altLang="en-US" sz="1000" b="0" i="0" u="none" strike="noStrike" cap="none" normalizeH="0" baseline="0" dirty="0">
+                <a:ln>
+                  <a:noFill/>
+                </a:ln>
+                <a:solidFill>
+                  <a:srgbClr val="A9B7C6"/>
+                </a:solidFill>
+                <a:effectLst/>
+                <a:latin typeface="Arial Unicode MS"/>
+                <a:ea typeface="inherit"/>
+              </a:rPr>
+              <a:t>: PAGE_ACCESS_TOKEN },</a:t>
+            </a:r>
+          </a:p>
+          <a:p>
+            <a:pPr marL="0" marR="0" lvl="0" indent="0" algn="l" defTabSz="914400" rtl="0" eaLnBrk="0" fontAlgn="base" latinLnBrk="0" hangingPunct="0">
+              <a:lnSpc>
+                <a:spcPct val="100000"/>
+              </a:lnSpc>
+              <a:spcBef>
+                <a:spcPct val="0"/>
+              </a:spcBef>
+              <a:spcAft>
+                <a:spcPct val="0"/>
+              </a:spcAft>
+              <a:buClrTx/>
+              <a:buSzTx/>
+              <a:buFontTx/>
+              <a:buNone/>
+              <a:tabLst/>
+            </a:pPr>
+            <a:r>
+              <a:rPr kumimoji="0" lang="en-US" altLang="en-US" sz="1000" b="0" i="0" u="none" strike="noStrike" cap="none" normalizeH="0" baseline="0" dirty="0">
+                <a:ln>
+                  <a:noFill/>
+                </a:ln>
+                <a:solidFill>
+                  <a:srgbClr val="A9B7C6"/>
+                </a:solidFill>
+                <a:effectLst/>
+                <a:latin typeface="Arial Unicode MS"/>
+                <a:ea typeface="inherit"/>
+              </a:rPr>
+              <a:t>    method: </a:t>
+            </a:r>
+            <a:r>
+              <a:rPr kumimoji="0" lang="en-US" altLang="en-US" sz="1000" b="0" i="0" u="none" strike="noStrike" cap="none" normalizeH="0" baseline="0" dirty="0">
+                <a:ln>
+                  <a:noFill/>
+                </a:ln>
+                <a:solidFill>
+                  <a:srgbClr val="6A8759"/>
+                </a:solidFill>
+                <a:effectLst/>
+                <a:latin typeface="Arial Unicode MS"/>
+                <a:ea typeface="inherit"/>
+              </a:rPr>
+              <a:t>'POST’</a:t>
+            </a:r>
+            <a:r>
+              <a:rPr kumimoji="0" lang="en-US" altLang="en-US" sz="1000" b="0" i="0" u="none" strike="noStrike" cap="none" normalizeH="0" baseline="0" dirty="0">
+                <a:ln>
+                  <a:noFill/>
+                </a:ln>
+                <a:solidFill>
+                  <a:srgbClr val="A9B7C6"/>
+                </a:solidFill>
+                <a:effectLst/>
+                <a:latin typeface="Arial Unicode MS"/>
+                <a:ea typeface="inherit"/>
+              </a:rPr>
+              <a:t>,</a:t>
+            </a:r>
+          </a:p>
+          <a:p>
+            <a:pPr marL="0" marR="0" lvl="0" indent="0" algn="l" defTabSz="914400" rtl="0" eaLnBrk="0" fontAlgn="base" latinLnBrk="0" hangingPunct="0">
+              <a:lnSpc>
+                <a:spcPct val="100000"/>
+              </a:lnSpc>
+              <a:spcBef>
+                <a:spcPct val="0"/>
+              </a:spcBef>
+              <a:spcAft>
+                <a:spcPct val="0"/>
+              </a:spcAft>
+              <a:buClrTx/>
+              <a:buSzTx/>
+              <a:buFontTx/>
+              <a:buNone/>
+              <a:tabLst/>
+            </a:pPr>
+            <a:r>
+              <a:rPr kumimoji="0" lang="en-US" altLang="en-US" sz="1000" b="0" i="0" u="none" strike="noStrike" cap="none" normalizeH="0" baseline="0" dirty="0">
+                <a:ln>
+                  <a:noFill/>
+                </a:ln>
+                <a:solidFill>
+                  <a:srgbClr val="A9B7C6"/>
+                </a:solidFill>
+                <a:effectLst/>
+                <a:latin typeface="Arial Unicode MS"/>
+                <a:ea typeface="inherit"/>
+              </a:rPr>
+              <a:t>    </a:t>
+            </a:r>
+            <a:r>
+              <a:rPr kumimoji="0" lang="en-US" altLang="en-US" sz="1000" b="0" i="0" u="none" strike="noStrike" cap="none" normalizeH="0" baseline="0" dirty="0" err="1">
+                <a:ln>
+                  <a:noFill/>
+                </a:ln>
+                <a:solidFill>
+                  <a:srgbClr val="A9B7C6"/>
+                </a:solidFill>
+                <a:effectLst/>
+                <a:latin typeface="Arial Unicode MS"/>
+                <a:ea typeface="inherit"/>
+              </a:rPr>
+              <a:t>json</a:t>
+            </a:r>
+            <a:r>
+              <a:rPr kumimoji="0" lang="en-US" altLang="en-US" sz="1000" b="0" i="0" u="none" strike="noStrike" cap="none" normalizeH="0" baseline="0" dirty="0">
+                <a:ln>
+                  <a:noFill/>
+                </a:ln>
+                <a:solidFill>
+                  <a:srgbClr val="A9B7C6"/>
+                </a:solidFill>
+                <a:effectLst/>
+                <a:latin typeface="Arial Unicode MS"/>
+                <a:ea typeface="inherit"/>
+              </a:rPr>
+              <a:t>: {</a:t>
+            </a:r>
+          </a:p>
+          <a:p>
+            <a:pPr marL="0" marR="0" lvl="0" indent="0" algn="l" defTabSz="914400" rtl="0" eaLnBrk="0" fontAlgn="base" latinLnBrk="0" hangingPunct="0">
+              <a:lnSpc>
+                <a:spcPct val="100000"/>
+              </a:lnSpc>
+              <a:spcBef>
+                <a:spcPct val="0"/>
+              </a:spcBef>
+              <a:spcAft>
+                <a:spcPct val="0"/>
+              </a:spcAft>
+              <a:buClrTx/>
+              <a:buSzTx/>
+              <a:buFontTx/>
+              <a:buNone/>
+              <a:tabLst/>
+            </a:pPr>
+            <a:r>
+              <a:rPr kumimoji="0" lang="en-US" altLang="en-US" sz="1000" b="0" i="0" u="none" strike="noStrike" cap="none" normalizeH="0" baseline="0" dirty="0">
+                <a:ln>
+                  <a:noFill/>
+                </a:ln>
+                <a:solidFill>
+                  <a:srgbClr val="A9B7C6"/>
+                </a:solidFill>
+                <a:effectLst/>
+                <a:latin typeface="Arial Unicode MS"/>
+                <a:ea typeface="inherit"/>
+              </a:rPr>
+              <a:t>      recipient: { id: </a:t>
+            </a:r>
+            <a:r>
+              <a:rPr kumimoji="0" lang="en-US" altLang="en-US" sz="1000" b="0" i="0" u="none" strike="noStrike" cap="none" normalizeH="0" baseline="0" dirty="0" err="1">
+                <a:ln>
+                  <a:noFill/>
+                </a:ln>
+                <a:solidFill>
+                  <a:srgbClr val="A9B7C6"/>
+                </a:solidFill>
+                <a:effectLst/>
+                <a:latin typeface="Arial Unicode MS"/>
+                <a:ea typeface="inherit"/>
+              </a:rPr>
+              <a:t>recipientId</a:t>
+            </a:r>
+            <a:r>
+              <a:rPr kumimoji="0" lang="en-US" altLang="en-US" sz="1000" b="0" i="0" u="none" strike="noStrike" cap="none" normalizeH="0" baseline="0" dirty="0">
+                <a:ln>
+                  <a:noFill/>
+                </a:ln>
+                <a:solidFill>
+                  <a:srgbClr val="A9B7C6"/>
+                </a:solidFill>
+                <a:effectLst/>
+                <a:latin typeface="Arial Unicode MS"/>
+                <a:ea typeface="inherit"/>
+              </a:rPr>
+              <a:t> },</a:t>
+            </a:r>
+          </a:p>
+          <a:p>
+            <a:pPr marL="0" marR="0" lvl="0" indent="0" algn="l" defTabSz="914400" rtl="0" eaLnBrk="0" fontAlgn="base" latinLnBrk="0" hangingPunct="0">
+              <a:lnSpc>
+                <a:spcPct val="100000"/>
+              </a:lnSpc>
+              <a:spcBef>
+                <a:spcPct val="0"/>
+              </a:spcBef>
+              <a:spcAft>
+                <a:spcPct val="0"/>
+              </a:spcAft>
+              <a:buClrTx/>
+              <a:buSzTx/>
+              <a:buFontTx/>
+              <a:buNone/>
+              <a:tabLst/>
+            </a:pPr>
+            <a:r>
+              <a:rPr kumimoji="0" lang="en-US" altLang="en-US" sz="1000" b="0" i="0" u="none" strike="noStrike" cap="none" normalizeH="0" baseline="0" dirty="0">
+                <a:ln>
+                  <a:noFill/>
+                </a:ln>
+                <a:solidFill>
+                  <a:srgbClr val="A9B7C6"/>
+                </a:solidFill>
+                <a:effectLst/>
+                <a:latin typeface="Arial Unicode MS"/>
+                <a:ea typeface="inherit"/>
+              </a:rPr>
+              <a:t>      message: { text: message }</a:t>
+            </a:r>
+          </a:p>
+          <a:p>
+            <a:pPr marL="0" marR="0" lvl="0" indent="0" algn="l" defTabSz="914400" rtl="0" eaLnBrk="0" fontAlgn="base" latinLnBrk="0" hangingPunct="0">
+              <a:lnSpc>
+                <a:spcPct val="100000"/>
+              </a:lnSpc>
+              <a:spcBef>
+                <a:spcPct val="0"/>
+              </a:spcBef>
+              <a:spcAft>
+                <a:spcPct val="0"/>
+              </a:spcAft>
+              <a:buClrTx/>
+              <a:buSzTx/>
+              <a:buFontTx/>
+              <a:buNone/>
+              <a:tabLst/>
+            </a:pPr>
+            <a:r>
+              <a:rPr kumimoji="0" lang="en-US" altLang="en-US" sz="1000" b="0" i="0" u="none" strike="noStrike" cap="none" normalizeH="0" baseline="0" dirty="0">
+                <a:ln>
+                  <a:noFill/>
+                </a:ln>
+                <a:solidFill>
+                  <a:srgbClr val="A9B7C6"/>
+                </a:solidFill>
+                <a:effectLst/>
+                <a:latin typeface="Arial Unicode MS"/>
+                <a:ea typeface="inherit"/>
+              </a:rPr>
+              <a:t>    }</a:t>
+            </a:r>
+          </a:p>
+          <a:p>
+            <a:pPr marL="0" marR="0" lvl="0" indent="0" algn="l" defTabSz="914400" rtl="0" eaLnBrk="0" fontAlgn="base" latinLnBrk="0" hangingPunct="0">
+              <a:lnSpc>
+                <a:spcPct val="100000"/>
+              </a:lnSpc>
+              <a:spcBef>
+                <a:spcPct val="0"/>
+              </a:spcBef>
+              <a:spcAft>
+                <a:spcPct val="0"/>
+              </a:spcAft>
+              <a:buClrTx/>
+              <a:buSzTx/>
+              <a:buFontTx/>
+              <a:buNone/>
+              <a:tabLst/>
+            </a:pPr>
+            <a:r>
+              <a:rPr kumimoji="0" lang="en-US" altLang="en-US" sz="1000" b="0" i="0" u="none" strike="noStrike" cap="none" normalizeH="0" baseline="0" dirty="0">
+                <a:ln>
+                  <a:noFill/>
+                </a:ln>
+                <a:solidFill>
+                  <a:srgbClr val="A9B7C6"/>
+                </a:solidFill>
+                <a:effectLst/>
+                <a:latin typeface="Arial Unicode MS"/>
+                <a:ea typeface="inherit"/>
+              </a:rPr>
+              <a:t>  }, </a:t>
+            </a:r>
+            <a:r>
+              <a:rPr kumimoji="0" lang="en-US" altLang="en-US" sz="1000" b="0" i="0" u="none" strike="noStrike" cap="none" normalizeH="0" baseline="0" dirty="0">
+                <a:ln>
+                  <a:noFill/>
+                </a:ln>
+                <a:solidFill>
+                  <a:srgbClr val="CC7832"/>
+                </a:solidFill>
+                <a:effectLst/>
+                <a:latin typeface="Arial Unicode MS"/>
+                <a:ea typeface="inherit"/>
+              </a:rPr>
+              <a:t>function</a:t>
+            </a:r>
+            <a:r>
+              <a:rPr kumimoji="0" lang="en-US" altLang="en-US" sz="1000" b="0" i="0" u="none" strike="noStrike" cap="none" normalizeH="0" baseline="0" dirty="0">
+                <a:ln>
+                  <a:noFill/>
+                </a:ln>
+                <a:solidFill>
+                  <a:srgbClr val="A9B7C6"/>
+                </a:solidFill>
+                <a:effectLst/>
+                <a:latin typeface="Arial Unicode MS"/>
+                <a:ea typeface="inherit"/>
+              </a:rPr>
+              <a:t>(error, response, body) {</a:t>
+            </a:r>
+          </a:p>
+          <a:p>
+            <a:pPr marL="0" marR="0" lvl="0" indent="0" algn="l" defTabSz="914400" rtl="0" eaLnBrk="0" fontAlgn="base" latinLnBrk="0" hangingPunct="0">
+              <a:lnSpc>
+                <a:spcPct val="100000"/>
+              </a:lnSpc>
+              <a:spcBef>
+                <a:spcPct val="0"/>
+              </a:spcBef>
+              <a:spcAft>
+                <a:spcPct val="0"/>
+              </a:spcAft>
+              <a:buClrTx/>
+              <a:buSzTx/>
+              <a:buFontTx/>
+              <a:buNone/>
+              <a:tabLst/>
+            </a:pPr>
+            <a:r>
+              <a:rPr kumimoji="0" lang="en-US" altLang="en-US" sz="1000" b="0" i="0" u="none" strike="noStrike" cap="none" normalizeH="0" baseline="0" dirty="0">
+                <a:ln>
+                  <a:noFill/>
+                </a:ln>
+                <a:solidFill>
+                  <a:srgbClr val="CC7832"/>
+                </a:solidFill>
+                <a:effectLst/>
+                <a:latin typeface="Arial Unicode MS"/>
+                <a:ea typeface="inherit"/>
+              </a:rPr>
+              <a:t>    if</a:t>
+            </a:r>
+            <a:r>
+              <a:rPr kumimoji="0" lang="en-US" altLang="en-US" sz="1000" b="0" i="0" u="none" strike="noStrike" cap="none" normalizeH="0" baseline="0" dirty="0">
+                <a:ln>
+                  <a:noFill/>
+                </a:ln>
+                <a:solidFill>
+                  <a:srgbClr val="A9B7C6"/>
+                </a:solidFill>
+                <a:effectLst/>
+                <a:latin typeface="Arial Unicode MS"/>
+                <a:ea typeface="inherit"/>
+              </a:rPr>
+              <a:t> (error) {</a:t>
+            </a:r>
+          </a:p>
+          <a:p>
+            <a:pPr marL="0" marR="0" lvl="0" indent="0" algn="l" defTabSz="914400" rtl="0" eaLnBrk="0" fontAlgn="base" latinLnBrk="0" hangingPunct="0">
+              <a:lnSpc>
+                <a:spcPct val="100000"/>
+              </a:lnSpc>
+              <a:spcBef>
+                <a:spcPct val="0"/>
+              </a:spcBef>
+              <a:spcAft>
+                <a:spcPct val="0"/>
+              </a:spcAft>
+              <a:buClrTx/>
+              <a:buSzTx/>
+              <a:buFontTx/>
+              <a:buNone/>
+              <a:tabLst/>
+            </a:pPr>
+            <a:r>
+              <a:rPr kumimoji="0" lang="en-US" altLang="en-US" sz="1000" b="0" i="0" u="none" strike="noStrike" cap="none" normalizeH="0" baseline="0" dirty="0">
+                <a:ln>
+                  <a:noFill/>
+                </a:ln>
+                <a:solidFill>
+                  <a:srgbClr val="A9B7C6"/>
+                </a:solidFill>
+                <a:effectLst/>
+                <a:latin typeface="Arial Unicode MS"/>
+                <a:ea typeface="inherit"/>
+              </a:rPr>
+              <a:t>      console.log(</a:t>
+            </a:r>
+            <a:r>
+              <a:rPr kumimoji="0" lang="en-US" altLang="en-US" sz="1000" b="0" i="0" u="none" strike="noStrike" cap="none" normalizeH="0" baseline="0" dirty="0">
+                <a:ln>
+                  <a:noFill/>
+                </a:ln>
+                <a:solidFill>
+                  <a:srgbClr val="6A8759"/>
+                </a:solidFill>
+                <a:effectLst/>
+                <a:latin typeface="Arial Unicode MS"/>
+                <a:ea typeface="inherit"/>
+              </a:rPr>
+              <a:t>'Error sending message: '</a:t>
+            </a:r>
+            <a:r>
+              <a:rPr kumimoji="0" lang="en-US" altLang="en-US" sz="1000" b="0" i="0" u="none" strike="noStrike" cap="none" normalizeH="0" baseline="0" dirty="0">
+                <a:ln>
+                  <a:noFill/>
+                </a:ln>
+                <a:solidFill>
+                  <a:srgbClr val="A9B7C6"/>
+                </a:solidFill>
+                <a:effectLst/>
+                <a:latin typeface="Arial Unicode MS"/>
+                <a:ea typeface="inherit"/>
+              </a:rPr>
+              <a:t> + </a:t>
+            </a:r>
+            <a:r>
+              <a:rPr kumimoji="0" lang="en-US" altLang="en-US" sz="1000" b="0" i="0" u="none" strike="noStrike" cap="none" normalizeH="0" baseline="0" dirty="0" err="1">
+                <a:ln>
+                  <a:noFill/>
+                </a:ln>
+                <a:solidFill>
+                  <a:srgbClr val="A9B7C6"/>
+                </a:solidFill>
+                <a:effectLst/>
+                <a:latin typeface="Arial Unicode MS"/>
+                <a:ea typeface="inherit"/>
+              </a:rPr>
+              <a:t>response.error</a:t>
+            </a:r>
+            <a:r>
+              <a:rPr kumimoji="0" lang="en-US" altLang="en-US" sz="1000" b="0" i="0" u="none" strike="noStrike" cap="none" normalizeH="0" baseline="0" dirty="0">
+                <a:ln>
+                  <a:noFill/>
+                </a:ln>
+                <a:solidFill>
+                  <a:srgbClr val="A9B7C6"/>
+                </a:solidFill>
+                <a:effectLst/>
+                <a:latin typeface="Arial Unicode MS"/>
+                <a:ea typeface="inherit"/>
+              </a:rPr>
+              <a:t>);</a:t>
+            </a:r>
+          </a:p>
+          <a:p>
+            <a:pPr marL="0" marR="0" lvl="0" indent="0" algn="l" defTabSz="914400" rtl="0" eaLnBrk="0" fontAlgn="base" latinLnBrk="0" hangingPunct="0">
+              <a:lnSpc>
+                <a:spcPct val="100000"/>
+              </a:lnSpc>
+              <a:spcBef>
+                <a:spcPct val="0"/>
+              </a:spcBef>
+              <a:spcAft>
+                <a:spcPct val="0"/>
+              </a:spcAft>
+              <a:buClrTx/>
+              <a:buSzTx/>
+              <a:buFontTx/>
+              <a:buNone/>
+              <a:tabLst/>
+            </a:pPr>
+            <a:r>
+              <a:rPr kumimoji="0" lang="en-US" altLang="en-US" sz="1000" b="0" i="0" u="none" strike="noStrike" cap="none" normalizeH="0" baseline="0" dirty="0">
+                <a:ln>
+                  <a:noFill/>
+                </a:ln>
+                <a:solidFill>
+                  <a:srgbClr val="A9B7C6"/>
+                </a:solidFill>
+                <a:effectLst/>
+                <a:latin typeface="Arial Unicode MS"/>
+                <a:ea typeface="inherit"/>
+              </a:rPr>
+              <a:t>    }</a:t>
+            </a:r>
+          </a:p>
+          <a:p>
+            <a:pPr marL="0" marR="0" lvl="0" indent="0" algn="l" defTabSz="914400" rtl="0" eaLnBrk="0" fontAlgn="base" latinLnBrk="0" hangingPunct="0">
+              <a:lnSpc>
+                <a:spcPct val="100000"/>
+              </a:lnSpc>
+              <a:spcBef>
+                <a:spcPct val="0"/>
+              </a:spcBef>
+              <a:spcAft>
+                <a:spcPct val="0"/>
+              </a:spcAft>
+              <a:buClrTx/>
+              <a:buSzTx/>
+              <a:buFontTx/>
+              <a:buNone/>
+              <a:tabLst/>
+            </a:pPr>
+            <a:r>
+              <a:rPr kumimoji="0" lang="en-US" altLang="en-US" sz="1000" b="0" i="0" u="none" strike="noStrike" cap="none" normalizeH="0" baseline="0" dirty="0">
+                <a:ln>
+                  <a:noFill/>
+                </a:ln>
+                <a:solidFill>
+                  <a:srgbClr val="A9B7C6"/>
+                </a:solidFill>
+                <a:effectLst/>
+                <a:latin typeface="Arial Unicode MS"/>
+                <a:ea typeface="inherit"/>
+              </a:rPr>
+              <a:t>  });</a:t>
+            </a:r>
+          </a:p>
+          <a:p>
+            <a:pPr marL="0" marR="0" lvl="0" indent="0" algn="l" defTabSz="914400" rtl="0" eaLnBrk="0" fontAlgn="base" latinLnBrk="0" hangingPunct="0">
+              <a:lnSpc>
+                <a:spcPct val="100000"/>
+              </a:lnSpc>
+              <a:spcBef>
+                <a:spcPct val="0"/>
+              </a:spcBef>
+              <a:spcAft>
+                <a:spcPct val="0"/>
+              </a:spcAft>
+              <a:buClrTx/>
+              <a:buSzTx/>
+              <a:buFontTx/>
+              <a:buNone/>
+              <a:tabLst/>
+            </a:pPr>
+            <a:r>
+              <a:rPr kumimoji="0" lang="en-US" altLang="en-US" sz="1000" b="0" i="0" u="none" strike="noStrike" cap="none" normalizeH="0" baseline="0" dirty="0">
+                <a:ln>
+                  <a:noFill/>
+                </a:ln>
+                <a:solidFill>
+                  <a:srgbClr val="A9B7C6"/>
+                </a:solidFill>
+                <a:effectLst/>
+                <a:latin typeface="Arial Unicode MS"/>
+                <a:ea typeface="inherit"/>
+              </a:rPr>
+              <a:t>}</a:t>
+            </a:r>
+          </a:p>
+          <a:p>
+            <a:pPr marL="0" marR="0" lvl="0" indent="0" algn="l" defTabSz="914400" rtl="0" eaLnBrk="0" fontAlgn="base" latinLnBrk="0" hangingPunct="0">
+              <a:lnSpc>
+                <a:spcPct val="100000"/>
+              </a:lnSpc>
+              <a:spcBef>
+                <a:spcPct val="0"/>
+              </a:spcBef>
+              <a:spcAft>
+                <a:spcPct val="0"/>
+              </a:spcAft>
+              <a:buClrTx/>
+              <a:buSzTx/>
+              <a:buFontTx/>
+              <a:buNone/>
+              <a:tabLst/>
+            </a:pPr>
+            <a:r>
+              <a:rPr kumimoji="0" lang="en-US" altLang="en-US" sz="1000" b="0" i="0" u="none" strike="noStrike" cap="none" normalizeH="0" baseline="0" dirty="0" err="1">
+                <a:ln>
+                  <a:noFill/>
+                </a:ln>
+                <a:solidFill>
+                  <a:srgbClr val="A9B7C6"/>
+                </a:solidFill>
+                <a:effectLst/>
+                <a:latin typeface="Arial Unicode MS"/>
+                <a:ea typeface="inherit"/>
+              </a:rPr>
+              <a:t>app.listen</a:t>
+            </a:r>
+            <a:r>
+              <a:rPr kumimoji="0" lang="en-US" altLang="en-US" sz="1000" b="0" i="0" u="none" strike="noStrike" cap="none" normalizeH="0" baseline="0" dirty="0">
+                <a:ln>
+                  <a:noFill/>
+                </a:ln>
+                <a:solidFill>
+                  <a:srgbClr val="A9B7C6"/>
+                </a:solidFill>
+                <a:effectLst/>
+                <a:latin typeface="Arial Unicode MS"/>
+                <a:ea typeface="inherit"/>
+              </a:rPr>
+              <a:t>(</a:t>
+            </a:r>
+            <a:r>
+              <a:rPr kumimoji="0" lang="en-US" altLang="en-US" sz="1000" b="0" i="0" u="none" strike="noStrike" cap="none" normalizeH="0" baseline="0" dirty="0" err="1">
+                <a:ln>
+                  <a:noFill/>
+                </a:ln>
+                <a:solidFill>
+                  <a:srgbClr val="A9B7C6"/>
+                </a:solidFill>
+                <a:effectLst/>
+                <a:latin typeface="Arial Unicode MS"/>
+                <a:ea typeface="inherit"/>
+              </a:rPr>
+              <a:t>app.get</a:t>
+            </a:r>
+            <a:r>
+              <a:rPr kumimoji="0" lang="en-US" altLang="en-US" sz="1000" b="0" i="0" u="none" strike="noStrike" cap="none" normalizeH="0" baseline="0" dirty="0">
+                <a:ln>
+                  <a:noFill/>
+                </a:ln>
+                <a:solidFill>
+                  <a:srgbClr val="A9B7C6"/>
+                </a:solidFill>
+                <a:effectLst/>
+                <a:latin typeface="Arial Unicode MS"/>
+                <a:ea typeface="inherit"/>
+              </a:rPr>
+              <a:t>(</a:t>
+            </a:r>
+            <a:r>
+              <a:rPr kumimoji="0" lang="en-US" altLang="en-US" sz="1000" b="0" i="0" u="none" strike="noStrike" cap="none" normalizeH="0" baseline="0" dirty="0">
+                <a:ln>
+                  <a:noFill/>
+                </a:ln>
+                <a:solidFill>
+                  <a:srgbClr val="6A8759"/>
+                </a:solidFill>
+                <a:effectLst/>
+                <a:latin typeface="Arial Unicode MS"/>
+                <a:ea typeface="inherit"/>
+              </a:rPr>
+              <a:t>'port'</a:t>
+            </a:r>
+            <a:r>
+              <a:rPr kumimoji="0" lang="en-US" altLang="en-US" sz="1000" b="0" i="0" u="none" strike="noStrike" cap="none" normalizeH="0" baseline="0" dirty="0">
+                <a:ln>
+                  <a:noFill/>
+                </a:ln>
+                <a:solidFill>
+                  <a:srgbClr val="A9B7C6"/>
+                </a:solidFill>
+                <a:effectLst/>
+                <a:latin typeface="Arial Unicode MS"/>
+                <a:ea typeface="inherit"/>
+              </a:rPr>
+              <a:t>), </a:t>
+            </a:r>
+            <a:r>
+              <a:rPr kumimoji="0" lang="en-US" altLang="en-US" sz="1000" b="0" i="0" u="none" strike="noStrike" cap="none" normalizeH="0" baseline="0" dirty="0">
+                <a:ln>
+                  <a:noFill/>
+                </a:ln>
+                <a:solidFill>
+                  <a:srgbClr val="CC7832"/>
+                </a:solidFill>
+                <a:effectLst/>
+                <a:latin typeface="Arial Unicode MS"/>
+                <a:ea typeface="inherit"/>
+              </a:rPr>
+              <a:t>function</a:t>
+            </a:r>
+            <a:r>
+              <a:rPr kumimoji="0" lang="en-US" altLang="en-US" sz="1000" b="0" i="0" u="none" strike="noStrike" cap="none" normalizeH="0" baseline="0" dirty="0">
+                <a:ln>
+                  <a:noFill/>
+                </a:ln>
+                <a:solidFill>
+                  <a:srgbClr val="A9B7C6"/>
+                </a:solidFill>
+                <a:effectLst/>
+                <a:latin typeface="Arial Unicode MS"/>
+                <a:ea typeface="inherit"/>
+              </a:rPr>
+              <a:t>() {</a:t>
+            </a:r>
+          </a:p>
+          <a:p>
+            <a:pPr marL="0" marR="0" lvl="0" indent="0" algn="l" defTabSz="914400" rtl="0" eaLnBrk="0" fontAlgn="base" latinLnBrk="0" hangingPunct="0">
+              <a:lnSpc>
+                <a:spcPct val="100000"/>
+              </a:lnSpc>
+              <a:spcBef>
+                <a:spcPct val="0"/>
+              </a:spcBef>
+              <a:spcAft>
+                <a:spcPct val="0"/>
+              </a:spcAft>
+              <a:buClrTx/>
+              <a:buSzTx/>
+              <a:buFontTx/>
+              <a:buNone/>
+              <a:tabLst/>
+            </a:pPr>
+            <a:r>
+              <a:rPr kumimoji="0" lang="en-US" altLang="en-US" sz="1000" b="0" i="0" u="none" strike="noStrike" cap="none" normalizeH="0" baseline="0" dirty="0">
+                <a:ln>
+                  <a:noFill/>
+                </a:ln>
+                <a:solidFill>
+                  <a:srgbClr val="A9B7C6"/>
+                </a:solidFill>
+                <a:effectLst/>
+                <a:latin typeface="Arial Unicode MS"/>
+                <a:ea typeface="inherit"/>
+              </a:rPr>
+              <a:t>  console.log(</a:t>
+            </a:r>
+            <a:r>
+              <a:rPr kumimoji="0" lang="en-US" altLang="en-US" sz="1000" b="0" i="0" u="none" strike="noStrike" cap="none" normalizeH="0" baseline="0" dirty="0">
+                <a:ln>
+                  <a:noFill/>
+                </a:ln>
+                <a:solidFill>
+                  <a:srgbClr val="6A8759"/>
+                </a:solidFill>
+                <a:effectLst/>
+                <a:latin typeface="Arial Unicode MS"/>
+                <a:ea typeface="inherit"/>
+              </a:rPr>
+              <a:t>'running on port'</a:t>
+            </a:r>
+            <a:r>
+              <a:rPr kumimoji="0" lang="en-US" altLang="en-US" sz="1000" b="0" i="0" u="none" strike="noStrike" cap="none" normalizeH="0" baseline="0" dirty="0">
+                <a:ln>
+                  <a:noFill/>
+                </a:ln>
+                <a:solidFill>
+                  <a:srgbClr val="A9B7C6"/>
+                </a:solidFill>
+                <a:effectLst/>
+                <a:latin typeface="Arial Unicode MS"/>
+                <a:ea typeface="inherit"/>
+              </a:rPr>
+              <a:t>, </a:t>
+            </a:r>
+            <a:r>
+              <a:rPr kumimoji="0" lang="en-US" altLang="en-US" sz="1000" b="0" i="0" u="none" strike="noStrike" cap="none" normalizeH="0" baseline="0" dirty="0" err="1">
+                <a:ln>
+                  <a:noFill/>
+                </a:ln>
+                <a:solidFill>
+                  <a:srgbClr val="A9B7C6"/>
+                </a:solidFill>
+                <a:effectLst/>
+                <a:latin typeface="Arial Unicode MS"/>
+                <a:ea typeface="inherit"/>
+              </a:rPr>
+              <a:t>app.get</a:t>
+            </a:r>
+            <a:r>
+              <a:rPr kumimoji="0" lang="en-US" altLang="en-US" sz="1000" b="0" i="0" u="none" strike="noStrike" cap="none" normalizeH="0" baseline="0" dirty="0">
+                <a:ln>
+                  <a:noFill/>
+                </a:ln>
+                <a:solidFill>
+                  <a:srgbClr val="A9B7C6"/>
+                </a:solidFill>
+                <a:effectLst/>
+                <a:latin typeface="Arial Unicode MS"/>
+                <a:ea typeface="inherit"/>
+              </a:rPr>
+              <a:t>(</a:t>
+            </a:r>
+            <a:r>
+              <a:rPr kumimoji="0" lang="en-US" altLang="en-US" sz="1000" b="0" i="0" u="none" strike="noStrike" cap="none" normalizeH="0" baseline="0" dirty="0">
+                <a:ln>
+                  <a:noFill/>
+                </a:ln>
+                <a:solidFill>
+                  <a:srgbClr val="6A8759"/>
+                </a:solidFill>
+                <a:effectLst/>
+                <a:latin typeface="Arial Unicode MS"/>
+                <a:ea typeface="inherit"/>
+              </a:rPr>
+              <a:t>'port'</a:t>
+            </a:r>
+            <a:r>
+              <a:rPr kumimoji="0" lang="en-US" altLang="en-US" sz="1000" b="0" i="0" u="none" strike="noStrike" cap="none" normalizeH="0" baseline="0" dirty="0">
+                <a:ln>
+                  <a:noFill/>
+                </a:ln>
+                <a:solidFill>
+                  <a:srgbClr val="A9B7C6"/>
+                </a:solidFill>
+                <a:effectLst/>
+                <a:latin typeface="Arial Unicode MS"/>
+                <a:ea typeface="inherit"/>
+              </a:rPr>
+              <a:t>));</a:t>
+            </a:r>
+          </a:p>
+          <a:p>
+            <a:pPr marL="0" marR="0" lvl="0" indent="0" algn="l" defTabSz="914400" rtl="0" eaLnBrk="0" fontAlgn="base" latinLnBrk="0" hangingPunct="0">
+              <a:lnSpc>
+                <a:spcPct val="100000"/>
+              </a:lnSpc>
+              <a:spcBef>
+                <a:spcPct val="0"/>
+              </a:spcBef>
+              <a:spcAft>
+                <a:spcPct val="0"/>
+              </a:spcAft>
+              <a:buClrTx/>
+              <a:buSzTx/>
+              <a:buFontTx/>
+              <a:buNone/>
+              <a:tabLst/>
+            </a:pPr>
+            <a:r>
+              <a:rPr kumimoji="0" lang="en-US" altLang="en-US" sz="1000" b="0" i="0" u="none" strike="noStrike" cap="none" normalizeH="0" baseline="0" dirty="0">
+                <a:ln>
+                  <a:noFill/>
+                </a:ln>
+                <a:solidFill>
+                  <a:srgbClr val="A9B7C6"/>
+                </a:solidFill>
+                <a:effectLst/>
+                <a:latin typeface="Arial Unicode MS"/>
+                <a:ea typeface="inherit"/>
+              </a:rPr>
+              <a:t>})</a:t>
+            </a:r>
+            <a:endParaRPr kumimoji="0" lang="en-US" altLang="en-US" sz="1800" b="0" i="0" u="none" strike="noStrike" cap="none" normalizeH="0" baseline="0" dirty="0">
+              <a:ln>
+                <a:noFill/>
+              </a:ln>
+              <a:solidFill>
+                <a:schemeClr val="tx1"/>
+              </a:solidFill>
+              <a:effectLst/>
+              <a:latin typeface="Arial" panose="020B0604020202020204" pitchFamily="34" charset="0"/>
+            </a:endParaRPr>
+          </a:p>
+        </p:txBody>
+      </p:sp>
+    </p:spTree>
+    <p:extLst>
+      <p:ext uri="{BB962C8B-B14F-4D97-AF65-F5344CB8AC3E}">
+        <p14:creationId xmlns:p14="http://schemas.microsoft.com/office/powerpoint/2010/main" val="4163043942"/>
+      </p:ext>
+    </p:extLst>
+  </p:cSld>
+  <p:clrMapOvr>
+    <a:masterClrMapping/>
+  </p:clrMapOvr>
+</p:sld>
+</file>
+
+<file path=ppt/slides/slide14.xml><?xml version="1.0" encoding="utf-8"?>
+<p:sld xmlns:a="http://schemas.openxmlformats.org/drawingml/2006/main" xmlns:r="http://schemas.openxmlformats.org/officeDocument/2006/relationships" xmlns:p="http://schemas.openxmlformats.org/presentationml/2006/main">
+  <p:cSld>
+    <p:spTree>
+      <p:nvGrpSpPr>
+        <p:cNvPr id="1" name=""/>
+        <p:cNvGrpSpPr/>
+        <p:nvPr/>
+      </p:nvGrpSpPr>
+      <p:grpSpPr>
+        <a:xfrm>
+          <a:off x="0" y="0"/>
+          <a:ext cx="0" cy="0"/>
+          <a:chOff x="0" y="0"/>
+          <a:chExt cx="0" cy="0"/>
+        </a:xfrm>
+      </p:grpSpPr>
       <p:sp useBgFill="1">
         <p:nvSpPr>
           <p:cNvPr id="20" name="Rectangle 19"/>
@@ -11876,7 +17592,7 @@
                   <a:spcPts val="600"/>
                 </a:spcAft>
               </a:pPr>
-              <a:t>13</a:t>
+              <a:t>14</a:t>
             </a:fld>
             <a:endParaRPr lang="en-US"/>
           </a:p>
@@ -11895,7 +17611,7 @@
 </p:sld>
 </file>
 
-<file path=ppt/slides/slide14.xml><?xml version="1.0" encoding="utf-8"?>
+<file path=ppt/slides/slide15.xml><?xml version="1.0" encoding="utf-8"?>
 <p:sld xmlns:a="http://schemas.openxmlformats.org/drawingml/2006/main" xmlns:r="http://schemas.openxmlformats.org/officeDocument/2006/relationships" xmlns:p="http://schemas.openxmlformats.org/presentationml/2006/main">
   <p:cSld>
     <p:spTree>
@@ -11963,7 +17679,7 @@
           <a:p>
             <a:fld id="{8B9A499C-E7AC-4E74-9635-A20519089A3A}" type="slidenum">
               <a:rPr lang="en-US" smtClean="0"/>
-              <a:t>14</a:t>
+              <a:t>15</a:t>
             </a:fld>
             <a:endParaRPr lang="en-US"/>
           </a:p>
@@ -11983,8 +17699,8 @@
         </p:nvGrpSpPr>
         <p:grpSpPr>
           <a:xfrm>
-            <a:off x="3380772" y="2589332"/>
-            <a:ext cx="5430455" cy="3660996"/>
+            <a:off x="4299474" y="2638100"/>
+            <a:ext cx="3593051" cy="3660996"/>
             <a:chOff x="3889093" y="2624057"/>
             <a:chExt cx="5430455" cy="3660996"/>
           </a:xfrm>
@@ -12055,8 +17771,8 @@
           </p:nvSpPr>
           <p:spPr>
             <a:xfrm>
-              <a:off x="8178478" y="2990030"/>
-              <a:ext cx="937549" cy="544011"/>
+              <a:off x="7654644" y="2990030"/>
+              <a:ext cx="1461384" cy="544011"/>
             </a:xfrm>
             <a:prstGeom prst="roundRect">
               <a:avLst>
@@ -12113,7 +17829,7 @@
           <p:spPr>
             <a:xfrm>
               <a:off x="4179422" y="3803330"/>
-              <a:ext cx="1863524" cy="544011"/>
+              <a:ext cx="2581157" cy="544011"/>
             </a:xfrm>
             <a:prstGeom prst="roundRect">
               <a:avLst>
@@ -12175,8 +17891,8 @@
           </p:nvSpPr>
           <p:spPr>
             <a:xfrm>
-              <a:off x="7125181" y="4616631"/>
-              <a:ext cx="1990846" cy="544011"/>
+              <a:off x="6364774" y="4616631"/>
+              <a:ext cx="2751253" cy="544011"/>
             </a:xfrm>
             <a:prstGeom prst="roundRect">
               <a:avLst>
@@ -12233,7 +17949,7 @@
           <p:spPr>
             <a:xfrm>
               <a:off x="4162063" y="5431335"/>
-              <a:ext cx="2598517" cy="544011"/>
+              <a:ext cx="4016415" cy="544011"/>
             </a:xfrm>
             <a:prstGeom prst="roundRect">
               <a:avLst>
@@ -13362,7 +19078,7 @@
           <a:p>
             <a:r>
               <a:rPr lang="en-US" dirty="0">
-                <a:hlinkClick r:id="rId2"/>
+                <a:hlinkClick r:id="rId3"/>
               </a:rPr>
               <a:t>Create Facebook page</a:t>
             </a:r>
@@ -13375,7 +19091,7 @@
             </a:r>
             <a:r>
               <a:rPr lang="en-US" dirty="0">
-                <a:hlinkClick r:id="rId3"/>
+                <a:hlinkClick r:id="rId4"/>
               </a:rPr>
               <a:t>Facebook for developers</a:t>
             </a:r>
@@ -13438,7 +19154,7 @@
           <p:nvPr/>
         </p:nvPicPr>
         <p:blipFill>
-          <a:blip r:embed="rId4"/>
+          <a:blip r:embed="rId5"/>
           <a:stretch>
             <a:fillRect/>
           </a:stretch>
@@ -13468,7 +19184,7 @@
           <p:nvPr/>
         </p:nvPicPr>
         <p:blipFill>
-          <a:blip r:embed="rId5"/>
+          <a:blip r:embed="rId6"/>
           <a:stretch>
             <a:fillRect/>
           </a:stretch>
@@ -13498,7 +19214,7 @@
           <p:nvPr/>
         </p:nvPicPr>
         <p:blipFill>
-          <a:blip r:embed="rId6"/>
+          <a:blip r:embed="rId7"/>
           <a:stretch>
             <a:fillRect/>
           </a:stretch>
@@ -13528,7 +19244,7 @@
           <p:nvPr/>
         </p:nvPicPr>
         <p:blipFill>
-          <a:blip r:embed="rId7"/>
+          <a:blip r:embed="rId8"/>
           <a:stretch>
             <a:fillRect/>
           </a:stretch>

--- a/1-3 Make Echo Bot.pptx
+++ b/1-3 Make Echo Bot.pptx
@@ -5721,7 +5721,7 @@
           <a:p>
             <a:fld id="{82604E9E-60DE-417E-849E-2CDE7F357628}" type="datetimeFigureOut">
               <a:rPr lang="en-US" smtClean="0"/>
-              <a:t>7/26/2017</a:t>
+              <a:t>7/28/2017</a:t>
             </a:fld>
             <a:endParaRPr lang="en-US"/>
           </a:p>
@@ -6110,6 +6110,93 @@
 </p:notes>
 </file>
 
+<file path=ppt/notesSlides/notesSlide10.xml><?xml version="1.0" encoding="utf-8"?>
+<p:notes xmlns:a="http://schemas.openxmlformats.org/drawingml/2006/main" xmlns:r="http://schemas.openxmlformats.org/officeDocument/2006/relationships" xmlns:p="http://schemas.openxmlformats.org/presentationml/2006/main">
+  <p:cSld>
+    <p:spTree>
+      <p:nvGrpSpPr>
+        <p:cNvPr id="1" name=""/>
+        <p:cNvGrpSpPr/>
+        <p:nvPr/>
+      </p:nvGrpSpPr>
+      <p:grpSpPr>
+        <a:xfrm>
+          <a:off x="0" y="0"/>
+          <a:ext cx="0" cy="0"/>
+          <a:chOff x="0" y="0"/>
+          <a:chExt cx="0" cy="0"/>
+        </a:xfrm>
+      </p:grpSpPr>
+      <p:sp>
+        <p:nvSpPr>
+          <p:cNvPr id="2" name="슬라이드 이미지 개체 틀 1"/>
+          <p:cNvSpPr>
+            <a:spLocks noGrp="1" noRot="1" noChangeAspect="1"/>
+          </p:cNvSpPr>
+          <p:nvPr>
+            <p:ph type="sldImg"/>
+          </p:nvPr>
+        </p:nvSpPr>
+        <p:spPr/>
+      </p:sp>
+      <p:sp>
+        <p:nvSpPr>
+          <p:cNvPr id="3" name="슬라이드 노트 개체 틀 2"/>
+          <p:cNvSpPr>
+            <a:spLocks noGrp="1"/>
+          </p:cNvSpPr>
+          <p:nvPr>
+            <p:ph type="body" idx="1"/>
+          </p:nvPr>
+        </p:nvSpPr>
+        <p:spPr/>
+        <p:txBody>
+          <a:bodyPr/>
+          <a:lstStyle/>
+          <a:p>
+            <a:r>
+              <a:rPr lang="en-US" dirty="0"/>
+              <a:t>Working well.</a:t>
+            </a:r>
+          </a:p>
+        </p:txBody>
+      </p:sp>
+      <p:sp>
+        <p:nvSpPr>
+          <p:cNvPr id="4" name="슬라이드 번호 개체 틀 3"/>
+          <p:cNvSpPr>
+            <a:spLocks noGrp="1"/>
+          </p:cNvSpPr>
+          <p:nvPr>
+            <p:ph type="sldNum" sz="quarter" idx="10"/>
+          </p:nvPr>
+        </p:nvSpPr>
+        <p:spPr/>
+        <p:txBody>
+          <a:bodyPr/>
+          <a:lstStyle/>
+          <a:p>
+            <a:fld id="{772745C2-B5F1-4B10-8C0E-DEBCE2EB7236}" type="slidenum">
+              <a:rPr lang="en-US" smtClean="0"/>
+              <a:t>15</a:t>
+            </a:fld>
+            <a:endParaRPr lang="en-US"/>
+          </a:p>
+        </p:txBody>
+      </p:sp>
+    </p:spTree>
+    <p:extLst>
+      <p:ext uri="{BB962C8B-B14F-4D97-AF65-F5344CB8AC3E}">
+        <p14:creationId xmlns:p14="http://schemas.microsoft.com/office/powerpoint/2010/main" val="648811545"/>
+      </p:ext>
+    </p:extLst>
+  </p:cSld>
+  <p:clrMapOvr>
+    <a:masterClrMapping/>
+  </p:clrMapOvr>
+</p:notes>
+</file>
+
 <file path=ppt/notesSlides/notesSlide2.xml><?xml version="1.0" encoding="utf-8"?>
 <p:notes xmlns:a="http://schemas.openxmlformats.org/drawingml/2006/main" xmlns:r="http://schemas.openxmlformats.org/officeDocument/2006/relationships" xmlns:p="http://schemas.openxmlformats.org/presentationml/2006/main">
   <p:cSld>
@@ -6364,7 +6451,16 @@
           <a:bodyPr/>
           <a:lstStyle/>
           <a:p>
-            <a:endParaRPr lang="en-US" dirty="0"/>
+            <a:r>
+              <a:rPr lang="en-US" dirty="0"/>
+              <a:t>‘node’ is name of program</a:t>
+            </a:r>
+          </a:p>
+          <a:p>
+            <a:r>
+              <a:rPr lang="en-US" dirty="0"/>
+              <a:t>We execute code app.js</a:t>
+            </a:r>
           </a:p>
         </p:txBody>
       </p:sp>
@@ -6385,7 +6481,7 @@
           <a:p>
             <a:fld id="{772745C2-B5F1-4B10-8C0E-DEBCE2EB7236}" type="slidenum">
               <a:rPr lang="en-US" smtClean="0"/>
-              <a:t>8</a:t>
+              <a:t>6</a:t>
             </a:fld>
             <a:endParaRPr lang="en-US"/>
           </a:p>
@@ -6394,7 +6490,7 @@
     </p:spTree>
     <p:extLst>
       <p:ext uri="{BB962C8B-B14F-4D97-AF65-F5344CB8AC3E}">
-        <p14:creationId xmlns:p14="http://schemas.microsoft.com/office/powerpoint/2010/main" val="3327176516"/>
+        <p14:creationId xmlns:p14="http://schemas.microsoft.com/office/powerpoint/2010/main" val="1757954466"/>
       </p:ext>
     </p:extLst>
   </p:cSld>
@@ -6469,7 +6565,7 @@
           <a:p>
             <a:fld id="{772745C2-B5F1-4B10-8C0E-DEBCE2EB7236}" type="slidenum">
               <a:rPr lang="en-US" smtClean="0"/>
-              <a:t>10</a:t>
+              <a:t>8</a:t>
             </a:fld>
             <a:endParaRPr lang="en-US"/>
           </a:p>
@@ -6478,7 +6574,7 @@
     </p:spTree>
     <p:extLst>
       <p:ext uri="{BB962C8B-B14F-4D97-AF65-F5344CB8AC3E}">
-        <p14:creationId xmlns:p14="http://schemas.microsoft.com/office/powerpoint/2010/main" val="264272517"/>
+        <p14:creationId xmlns:p14="http://schemas.microsoft.com/office/powerpoint/2010/main" val="3327176516"/>
       </p:ext>
     </p:extLst>
   </p:cSld>
@@ -6532,10 +6628,7 @@
           <a:bodyPr/>
           <a:lstStyle/>
           <a:p>
-            <a:r>
-              <a:rPr lang="en-US" dirty="0"/>
-              <a:t>Connected</a:t>
-            </a:r>
+            <a:endParaRPr lang="en-US" dirty="0"/>
           </a:p>
         </p:txBody>
       </p:sp>
@@ -6556,7 +6649,7 @@
           <a:p>
             <a:fld id="{772745C2-B5F1-4B10-8C0E-DEBCE2EB7236}" type="slidenum">
               <a:rPr lang="en-US" smtClean="0"/>
-              <a:t>12</a:t>
+              <a:t>10</a:t>
             </a:fld>
             <a:endParaRPr lang="en-US"/>
           </a:p>
@@ -6565,7 +6658,7 @@
     </p:spTree>
     <p:extLst>
       <p:ext uri="{BB962C8B-B14F-4D97-AF65-F5344CB8AC3E}">
-        <p14:creationId xmlns:p14="http://schemas.microsoft.com/office/powerpoint/2010/main" val="441909769"/>
+        <p14:creationId xmlns:p14="http://schemas.microsoft.com/office/powerpoint/2010/main" val="264272517"/>
       </p:ext>
     </p:extLst>
   </p:cSld>
@@ -6621,62 +6714,8 @@
           <a:p>
             <a:r>
               <a:rPr lang="en-US" dirty="0"/>
-              <a:t>Import modules</a:t>
-            </a:r>
-          </a:p>
-          <a:p>
-            <a:r>
-              <a:rPr lang="en-US" dirty="0"/>
-              <a:t>Create app object</a:t>
-            </a:r>
-          </a:p>
-          <a:p>
-            <a:r>
-              <a:rPr lang="en-US" dirty="0"/>
-              <a:t>Match if page access token is same or not</a:t>
-            </a:r>
-          </a:p>
-          <a:p>
-            <a:r>
-              <a:rPr lang="en-US" dirty="0"/>
-              <a:t>At </a:t>
-            </a:r>
-            <a:r>
-              <a:rPr lang="en-US" dirty="0" err="1"/>
-              <a:t>webhook</a:t>
-            </a:r>
-            <a:r>
-              <a:rPr lang="en-US" dirty="0"/>
-              <a:t>, process message event</a:t>
-            </a:r>
-          </a:p>
-          <a:p>
-            <a:r>
-              <a:rPr lang="en-US" dirty="0"/>
-              <a:t>When receive message, send ECHO: message</a:t>
-            </a:r>
-          </a:p>
-          <a:p>
-            <a:r>
-              <a:rPr lang="en-US" dirty="0"/>
-              <a:t>Case of </a:t>
-            </a:r>
-            <a:r>
-              <a:rPr lang="en-US" dirty="0" err="1"/>
-              <a:t>postback</a:t>
-            </a:r>
-            <a:endParaRPr lang="en-US" dirty="0"/>
-          </a:p>
-          <a:p>
-            <a:r>
-              <a:rPr lang="en-US" dirty="0"/>
-              <a:t>Send text </a:t>
-            </a:r>
-            <a:r>
-              <a:rPr lang="en-US" dirty="0" err="1"/>
-              <a:t>measgae</a:t>
-            </a:r>
-            <a:endParaRPr lang="en-US" dirty="0"/>
+              <a:t>Connected</a:t>
+            </a:r>
           </a:p>
         </p:txBody>
       </p:sp>
@@ -6697,7 +6736,7 @@
           <a:p>
             <a:fld id="{772745C2-B5F1-4B10-8C0E-DEBCE2EB7236}" type="slidenum">
               <a:rPr lang="en-US" smtClean="0"/>
-              <a:t>13</a:t>
+              <a:t>12</a:t>
             </a:fld>
             <a:endParaRPr lang="en-US"/>
           </a:p>
@@ -6706,7 +6745,7 @@
     </p:spTree>
     <p:extLst>
       <p:ext uri="{BB962C8B-B14F-4D97-AF65-F5344CB8AC3E}">
-        <p14:creationId xmlns:p14="http://schemas.microsoft.com/office/powerpoint/2010/main" val="3523904407"/>
+        <p14:creationId xmlns:p14="http://schemas.microsoft.com/office/powerpoint/2010/main" val="441909769"/>
       </p:ext>
     </p:extLst>
   </p:cSld>
@@ -6762,8 +6801,62 @@
           <a:p>
             <a:r>
               <a:rPr lang="en-US" dirty="0"/>
-              <a:t>Push Echo Bot codes.</a:t>
-            </a:r>
+              <a:t>Import modules</a:t>
+            </a:r>
+          </a:p>
+          <a:p>
+            <a:r>
+              <a:rPr lang="en-US" dirty="0"/>
+              <a:t>Create app object</a:t>
+            </a:r>
+          </a:p>
+          <a:p>
+            <a:r>
+              <a:rPr lang="en-US" dirty="0"/>
+              <a:t>Match if page access token is same or not</a:t>
+            </a:r>
+          </a:p>
+          <a:p>
+            <a:r>
+              <a:rPr lang="en-US" dirty="0"/>
+              <a:t>At </a:t>
+            </a:r>
+            <a:r>
+              <a:rPr lang="en-US" dirty="0" err="1"/>
+              <a:t>webhook</a:t>
+            </a:r>
+            <a:r>
+              <a:rPr lang="en-US" dirty="0"/>
+              <a:t>, process message event</a:t>
+            </a:r>
+          </a:p>
+          <a:p>
+            <a:r>
+              <a:rPr lang="en-US" dirty="0"/>
+              <a:t>When receive message, send ECHO: message</a:t>
+            </a:r>
+          </a:p>
+          <a:p>
+            <a:r>
+              <a:rPr lang="en-US" dirty="0"/>
+              <a:t>Case of </a:t>
+            </a:r>
+            <a:r>
+              <a:rPr lang="en-US" dirty="0" err="1"/>
+              <a:t>postback</a:t>
+            </a:r>
+            <a:endParaRPr lang="en-US" dirty="0"/>
+          </a:p>
+          <a:p>
+            <a:r>
+              <a:rPr lang="en-US" dirty="0"/>
+              <a:t>Send text </a:t>
+            </a:r>
+            <a:r>
+              <a:rPr lang="en-US" dirty="0" err="1"/>
+              <a:t>measgae</a:t>
+            </a:r>
+            <a:endParaRPr lang="en-US" dirty="0"/>
           </a:p>
         </p:txBody>
       </p:sp>
@@ -6784,7 +6877,7 @@
           <a:p>
             <a:fld id="{772745C2-B5F1-4B10-8C0E-DEBCE2EB7236}" type="slidenum">
               <a:rPr lang="en-US" smtClean="0"/>
-              <a:t>14</a:t>
+              <a:t>13</a:t>
             </a:fld>
             <a:endParaRPr lang="en-US"/>
           </a:p>
@@ -6793,7 +6886,7 @@
     </p:spTree>
     <p:extLst>
       <p:ext uri="{BB962C8B-B14F-4D97-AF65-F5344CB8AC3E}">
-        <p14:creationId xmlns:p14="http://schemas.microsoft.com/office/powerpoint/2010/main" val="1532979578"/>
+        <p14:creationId xmlns:p14="http://schemas.microsoft.com/office/powerpoint/2010/main" val="3523904407"/>
       </p:ext>
     </p:extLst>
   </p:cSld>
@@ -6849,7 +6942,7 @@
           <a:p>
             <a:r>
               <a:rPr lang="en-US" dirty="0"/>
-              <a:t>Working well.</a:t>
+              <a:t>Push Echo Bot codes.</a:t>
             </a:r>
           </a:p>
         </p:txBody>
@@ -6871,7 +6964,7 @@
           <a:p>
             <a:fld id="{772745C2-B5F1-4B10-8C0E-DEBCE2EB7236}" type="slidenum">
               <a:rPr lang="en-US" smtClean="0"/>
-              <a:t>15</a:t>
+              <a:t>14</a:t>
             </a:fld>
             <a:endParaRPr lang="en-US"/>
           </a:p>
@@ -6880,7 +6973,7 @@
     </p:spTree>
     <p:extLst>
       <p:ext uri="{BB962C8B-B14F-4D97-AF65-F5344CB8AC3E}">
-        <p14:creationId xmlns:p14="http://schemas.microsoft.com/office/powerpoint/2010/main" val="648811545"/>
+        <p14:creationId xmlns:p14="http://schemas.microsoft.com/office/powerpoint/2010/main" val="1532979578"/>
       </p:ext>
     </p:extLst>
   </p:cSld>
@@ -7053,7 +7146,7 @@
           <a:p>
             <a:fld id="{0D913C1F-5111-45C8-8646-4E60C4FCFD33}" type="datetime1">
               <a:rPr lang="en-US" smtClean="0"/>
-              <a:t>7/26/2017</a:t>
+              <a:t>7/28/2017</a:t>
             </a:fld>
             <a:endParaRPr lang="en-US"/>
           </a:p>
@@ -7228,7 +7321,7 @@
           <a:p>
             <a:fld id="{D3A57730-C926-45F0-9361-C8E6CC7EFAB1}" type="datetime1">
               <a:rPr lang="en-US" smtClean="0"/>
-              <a:t>7/26/2017</a:t>
+              <a:t>7/28/2017</a:t>
             </a:fld>
             <a:endParaRPr lang="en-US"/>
           </a:p>
@@ -7408,7 +7501,7 @@
           <a:p>
             <a:fld id="{72F94769-6EA4-484E-8E33-A5D2CCD7F3B4}" type="datetime1">
               <a:rPr lang="en-US" smtClean="0"/>
-              <a:t>7/26/2017</a:t>
+              <a:t>7/28/2017</a:t>
             </a:fld>
             <a:endParaRPr lang="en-US"/>
           </a:p>
@@ -7578,7 +7671,7 @@
           <a:p>
             <a:fld id="{875CDD8C-CF5A-4DB3-98F8-3A2639B39FE9}" type="datetime1">
               <a:rPr lang="en-US" smtClean="0"/>
-              <a:t>7/26/2017</a:t>
+              <a:t>7/28/2017</a:t>
             </a:fld>
             <a:endParaRPr lang="en-US"/>
           </a:p>
@@ -7846,7 +7939,7 @@
           <a:p>
             <a:fld id="{73567B6B-69B5-4721-8DDE-4EEC9B6DCE0D}" type="datetime1">
               <a:rPr lang="en-US" smtClean="0"/>
-              <a:t>7/26/2017</a:t>
+              <a:t>7/28/2017</a:t>
             </a:fld>
             <a:endParaRPr lang="en-US"/>
           </a:p>
@@ -8078,7 +8171,7 @@
           <a:p>
             <a:fld id="{98DD2B97-22CE-4922-9B75-1DD88489AFD6}" type="datetime1">
               <a:rPr lang="en-US" smtClean="0"/>
-              <a:t>7/26/2017</a:t>
+              <a:t>7/28/2017</a:t>
             </a:fld>
             <a:endParaRPr lang="en-US"/>
           </a:p>
@@ -8437,7 +8530,7 @@
           <a:p>
             <a:fld id="{71335CB9-B160-4C99-9B3C-64E62B2B8AA1}" type="datetime1">
               <a:rPr lang="en-US" smtClean="0"/>
-              <a:t>7/26/2017</a:t>
+              <a:t>7/28/2017</a:t>
             </a:fld>
             <a:endParaRPr lang="en-US"/>
           </a:p>
@@ -8578,7 +8671,7 @@
           <a:p>
             <a:fld id="{AB5FD2A9-980D-4792-8107-6837CF22CACC}" type="datetime1">
               <a:rPr lang="en-US" smtClean="0"/>
-              <a:t>7/26/2017</a:t>
+              <a:t>7/28/2017</a:t>
             </a:fld>
             <a:endParaRPr lang="en-US"/>
           </a:p>
@@ -8673,7 +8766,7 @@
           <a:p>
             <a:fld id="{AE49ADA3-5F6C-44F2-923F-B96DDB41268F}" type="datetime1">
               <a:rPr lang="en-US" smtClean="0"/>
-              <a:t>7/26/2017</a:t>
+              <a:t>7/28/2017</a:t>
             </a:fld>
             <a:endParaRPr lang="en-US"/>
           </a:p>
@@ -9030,7 +9123,7 @@
           <a:p>
             <a:fld id="{CD641920-CFA1-454E-AD47-3EEEB5605BD0}" type="datetime1">
               <a:rPr lang="en-US" smtClean="0"/>
-              <a:t>7/26/2017</a:t>
+              <a:t>7/28/2017</a:t>
             </a:fld>
             <a:endParaRPr lang="en-US"/>
           </a:p>
@@ -9387,7 +9480,7 @@
           <a:p>
             <a:fld id="{F3A5C466-8A77-4A43-A9E6-B875AC354BDD}" type="datetime1">
               <a:rPr lang="en-US" smtClean="0"/>
-              <a:t>7/26/2017</a:t>
+              <a:t>7/28/2017</a:t>
             </a:fld>
             <a:endParaRPr lang="en-US"/>
           </a:p>
@@ -9628,7 +9721,7 @@
           <a:p>
             <a:fld id="{8C1F079E-EE37-4F70-8A6F-71D0624FBE44}" type="datetime1">
               <a:rPr lang="en-US" smtClean="0"/>
-              <a:t>7/26/2017</a:t>
+              <a:t>7/28/2017</a:t>
             </a:fld>
             <a:endParaRPr lang="en-US"/>
           </a:p>
@@ -10354,7 +10447,7 @@
         <p:spPr>
           <a:xfrm>
             <a:off x="5532699" y="2615878"/>
-            <a:ext cx="5699180" cy="3268526"/>
+            <a:ext cx="5699180" cy="2851287"/>
           </a:xfrm>
         </p:spPr>
         <p:txBody>
@@ -10371,19 +10464,14 @@
           <a:p>
             <a:r>
               <a:rPr lang="en-US" dirty="0"/>
-              <a:t>Copy ‘Page Access Token’ to anywhere not open</a:t>
-            </a:r>
-          </a:p>
-          <a:p>
-            <a:pPr marL="0" indent="0">
-              <a:spcBef>
-                <a:spcPts val="200"/>
-              </a:spcBef>
-              <a:buNone/>
-            </a:pPr>
-            <a:r>
+              <a:t>Copy ‘Page Access Token’ to anywhere not open </a:t>
+            </a:r>
+            <a:br>
               <a:rPr lang="en-US" dirty="0"/>
-              <a:t>    (key to the page what you just made)</a:t>
+            </a:br>
+            <a:r>
+              <a:rPr lang="en-US" dirty="0"/>
+              <a:t>(key to the page what you just made)</a:t>
             </a:r>
           </a:p>
           <a:p>
@@ -10408,16 +10496,14 @@
           <a:p>
             <a:r>
               <a:rPr lang="en-US" dirty="0"/>
-              <a:t>Copy app domain</a:t>
-            </a:r>
-          </a:p>
-          <a:p>
-            <a:pPr marL="0" indent="0">
-              <a:buNone/>
-            </a:pPr>
-            <a:r>
+              <a:t>Copy app domain </a:t>
+            </a:r>
+            <a:br>
               <a:rPr lang="en-US" dirty="0"/>
-              <a:t>   (It may be https://app-name.herokuapp.com/)</a:t>
+            </a:br>
+            <a:r>
+              <a:rPr lang="en-US" dirty="0"/>
+              <a:t>(It may be https://app-name.herokuapp.com/)</a:t>
             </a:r>
           </a:p>
           <a:p>
@@ -10743,8 +10829,8 @@
         </p:nvSpPr>
         <p:spPr>
           <a:xfrm>
-            <a:off x="2221992" y="2638044"/>
-            <a:ext cx="3631692" cy="3484964"/>
+            <a:off x="1458410" y="2638044"/>
+            <a:ext cx="4395274" cy="3484964"/>
           </a:xfrm>
         </p:spPr>
         <p:txBody>
@@ -10764,24 +10850,9 @@
             <a:endParaRPr lang="en-US" dirty="0"/>
           </a:p>
           <a:p>
-            <a:pPr marL="0" indent="0">
-              <a:buNone/>
-            </a:pPr>
-            <a:endParaRPr lang="en-US" dirty="0"/>
-          </a:p>
-          <a:p>
             <a:r>
               <a:rPr lang="en-US" dirty="0"/>
-              <a:t>Set callback URL as</a:t>
-            </a:r>
-          </a:p>
-          <a:p>
-            <a:pPr marL="0" indent="0">
-              <a:buNone/>
-            </a:pPr>
-            <a:r>
-              <a:rPr lang="en-US" dirty="0"/>
-              <a:t>    ‘Domain’ /</a:t>
+              <a:t>Set callback URL as     ‘Domain’ /</a:t>
             </a:r>
             <a:r>
               <a:rPr lang="en-US" dirty="0" err="1"/>
@@ -10800,9 +10871,6 @@
               <a:rPr lang="en-US" dirty="0"/>
               <a:t>Check all</a:t>
             </a:r>
-          </a:p>
-          <a:p>
-            <a:endParaRPr lang="en-US" dirty="0"/>
           </a:p>
           <a:p>
             <a:r>
@@ -17828,7 +17896,7 @@
           </p:nvSpPr>
           <p:spPr>
             <a:xfrm>
-              <a:off x="4179422" y="3803330"/>
+              <a:off x="4179422" y="3803798"/>
               <a:ext cx="2581157" cy="544011"/>
             </a:xfrm>
             <a:prstGeom prst="roundRect">
@@ -17891,7 +17959,7 @@
           </p:nvSpPr>
           <p:spPr>
             <a:xfrm>
-              <a:off x="6364774" y="4616631"/>
+              <a:off x="6364774" y="4617566"/>
               <a:ext cx="2751253" cy="544011"/>
             </a:xfrm>
             <a:prstGeom prst="roundRect">
@@ -22448,7 +22516,7 @@
             </a:r>
             <a:r>
               <a:rPr lang="en-US" dirty="0" err="1"/>
-              <a:t>Pacjage.json</a:t>
+              <a:t>Package.json</a:t>
             </a:r>
             <a:endParaRPr lang="en-US" dirty="0"/>
           </a:p>
